--- a/期末報告企畫書與ppt/第三組動吃動吃.pptx
+++ b/期末報告企畫書與ppt/第三組動吃動吃.pptx
@@ -5,22 +5,23 @@
     <p:sldMasterId id="2147483664" r:id="rId1"/>
   </p:sldMasterIdLst>
   <p:notesMasterIdLst>
-    <p:notesMasterId r:id="rId12"/>
+    <p:notesMasterId r:id="rId13"/>
   </p:notesMasterIdLst>
   <p:handoutMasterIdLst>
-    <p:handoutMasterId r:id="rId13"/>
+    <p:handoutMasterId r:id="rId14"/>
   </p:handoutMasterIdLst>
   <p:sldIdLst>
     <p:sldId id="264" r:id="rId2"/>
     <p:sldId id="273" r:id="rId3"/>
     <p:sldId id="270" r:id="rId4"/>
     <p:sldId id="274" r:id="rId5"/>
-    <p:sldId id="275" r:id="rId6"/>
-    <p:sldId id="276" r:id="rId7"/>
-    <p:sldId id="277" r:id="rId8"/>
-    <p:sldId id="278" r:id="rId9"/>
-    <p:sldId id="279" r:id="rId10"/>
-    <p:sldId id="260" r:id="rId11"/>
+    <p:sldId id="280" r:id="rId6"/>
+    <p:sldId id="275" r:id="rId7"/>
+    <p:sldId id="276" r:id="rId8"/>
+    <p:sldId id="277" r:id="rId9"/>
+    <p:sldId id="278" r:id="rId10"/>
+    <p:sldId id="279" r:id="rId11"/>
+    <p:sldId id="260" r:id="rId12"/>
   </p:sldIdLst>
   <p:sldSz cx="9906000" cy="6858000" type="A4"/>
   <p:notesSz cx="6807200" cy="9939338"/>
@@ -121,7 +122,7 @@
   </p:defaultTextStyle>
   <p:extLst>
     <p:ext uri="{EFAFB233-063F-42B5-8137-9DF3F51BA10A}">
-      <p15:sldGuideLst xmlns:p15="http://schemas.microsoft.com/office/powerpoint/2012/main">
+      <p15:sldGuideLst xmlns:p15="http://schemas.microsoft.com/office/powerpoint/2012/main" xmlns="">
         <p15:guide id="1" orient="horz" pos="2160">
           <p15:clr>
             <a:srgbClr val="A4A3A4"/>
@@ -143,25 +144,11 @@
   <p:cmAuthor id="1" name="宜芬 林" initials="宜芬" lastIdx="1" clrIdx="0">
     <p:extLst>
       <p:ext uri="{19B8F6BF-5375-455C-9EA6-DF929625EA0E}">
-        <p15:presenceInfo xmlns:p15="http://schemas.microsoft.com/office/powerpoint/2012/main" userId="aba83431a2d473ae" providerId="Windows Live"/>
+        <p15:presenceInfo xmlns:p15="http://schemas.microsoft.com/office/powerpoint/2012/main" xmlns="" userId="aba83431a2d473ae" providerId="Windows Live"/>
       </p:ext>
     </p:extLst>
   </p:cmAuthor>
 </p:cmAuthorLst>
-</file>
-
-<file path=ppt/comments/comment1.xml><?xml version="1.0" encoding="utf-8"?>
-<p:cmLst xmlns:a="http://schemas.openxmlformats.org/drawingml/2006/main" xmlns:r="http://schemas.openxmlformats.org/officeDocument/2006/relationships" xmlns:p="http://schemas.openxmlformats.org/presentationml/2006/main">
-  <p:cm authorId="1" dt="2022-07-12T10:22:12.544" idx="1">
-    <p:pos x="2605" y="2800"/>
-    <p:text/>
-    <p:extLst>
-      <p:ext uri="{C676402C-5697-4E1C-873F-D02D1690AC5C}">
-        <p15:threadingInfo xmlns:p15="http://schemas.microsoft.com/office/powerpoint/2012/main" timeZoneBias="-480"/>
-      </p:ext>
-    </p:extLst>
-  </p:cm>
-</p:cmLst>
 </file>
 
 <file path=ppt/handoutMasters/handoutMaster1.xml><?xml version="1.0" encoding="utf-8"?>
@@ -247,7 +234,7 @@
             <a:fld id="{05BF5AB9-3463-4E65-AFD3-5431B79ADFDC}" type="datetimeFigureOut">
               <a:rPr lang="zh-TW" altLang="en-US" smtClean="0"/>
               <a:pPr/>
-              <a:t>2022/7/12</a:t>
+              <a:t>2022/7/15</a:t>
             </a:fld>
             <a:endParaRPr lang="zh-TW" altLang="en-US"/>
           </a:p>
@@ -414,7 +401,7 @@
             <a:fld id="{838FF680-7B6B-4655-B6A1-33A8AD0AE8B4}" type="datetimeFigureOut">
               <a:rPr lang="zh-TW" altLang="en-US" smtClean="0"/>
               <a:pPr/>
-              <a:t>2022/7/12</a:t>
+              <a:t>2022/7/15</a:t>
             </a:fld>
             <a:endParaRPr lang="zh-TW" altLang="en-US"/>
           </a:p>
@@ -2117,7 +2104,7 @@
   </p:clrMapOvr>
   <p:extLst>
     <p:ext uri="{DCECCB84-F9BA-43D5-87BE-67443E8EF086}">
-      <p15:sldGuideLst xmlns:p15="http://schemas.microsoft.com/office/powerpoint/2012/main">
+      <p15:sldGuideLst xmlns:p15="http://schemas.microsoft.com/office/powerpoint/2012/main" xmlns="">
         <p15:guide id="1" orient="horz" pos="2160">
           <p15:clr>
             <a:srgbClr val="FBAE40"/>
@@ -3518,7 +3505,7 @@
           <p:cNvPr id="6" name="圖片 5">
             <a:extLst>
               <a:ext uri="{FF2B5EF4-FFF2-40B4-BE49-F238E27FC236}">
-                <a16:creationId xmlns:a16="http://schemas.microsoft.com/office/drawing/2014/main" id="{A38F83B7-CC73-4E3F-9287-CF590BE57B63}"/>
+                <a16:creationId xmlns:a16="http://schemas.microsoft.com/office/drawing/2014/main" xmlns="" id="{A38F83B7-CC73-4E3F-9287-CF590BE57B63}"/>
               </a:ext>
             </a:extLst>
           </p:cNvPr>
@@ -3580,7 +3567,7 @@
           <p:cNvPr id="7" name="群組 6">
             <a:extLst>
               <a:ext uri="{FF2B5EF4-FFF2-40B4-BE49-F238E27FC236}">
-                <a16:creationId xmlns:a16="http://schemas.microsoft.com/office/drawing/2014/main" id="{C165526D-DB92-4A98-9E03-1227F7138DBB}"/>
+                <a16:creationId xmlns:a16="http://schemas.microsoft.com/office/drawing/2014/main" xmlns="" id="{C165526D-DB92-4A98-9E03-1227F7138DBB}"/>
               </a:ext>
             </a:extLst>
           </p:cNvPr>
@@ -3600,7 +3587,7 @@
             <p:cNvPr id="8" name="圖片 7">
               <a:extLst>
                 <a:ext uri="{FF2B5EF4-FFF2-40B4-BE49-F238E27FC236}">
-                  <a16:creationId xmlns:a16="http://schemas.microsoft.com/office/drawing/2014/main" id="{15CFBFC1-A069-4FBC-A453-306DD6015A7E}"/>
+                  <a16:creationId xmlns:a16="http://schemas.microsoft.com/office/drawing/2014/main" xmlns="" id="{15CFBFC1-A069-4FBC-A453-306DD6015A7E}"/>
                 </a:ext>
               </a:extLst>
             </p:cNvPr>
@@ -3630,7 +3617,7 @@
             <p:cNvPr id="9" name="文字方塊 8">
               <a:extLst>
                 <a:ext uri="{FF2B5EF4-FFF2-40B4-BE49-F238E27FC236}">
-                  <a16:creationId xmlns:a16="http://schemas.microsoft.com/office/drawing/2014/main" id="{3DEC8BE7-DA71-4BDA-8CB8-33EEA10823B6}"/>
+                  <a16:creationId xmlns:a16="http://schemas.microsoft.com/office/drawing/2014/main" xmlns="" id="{3DEC8BE7-DA71-4BDA-8CB8-33EEA10823B6}"/>
                 </a:ext>
               </a:extLst>
             </p:cNvPr>
@@ -3680,7 +3667,7 @@
             <p:cNvPr id="10" name="矩形 9">
               <a:extLst>
                 <a:ext uri="{FF2B5EF4-FFF2-40B4-BE49-F238E27FC236}">
-                  <a16:creationId xmlns:a16="http://schemas.microsoft.com/office/drawing/2014/main" id="{0E2543E6-D835-43CF-8323-BB5950B7F5DC}"/>
+                  <a16:creationId xmlns:a16="http://schemas.microsoft.com/office/drawing/2014/main" xmlns="" id="{0E2543E6-D835-43CF-8323-BB5950B7F5DC}"/>
                 </a:ext>
               </a:extLst>
             </p:cNvPr>
@@ -3724,7 +3711,7 @@
             <p:cNvPr id="11" name="文字方塊 10">
               <a:extLst>
                 <a:ext uri="{FF2B5EF4-FFF2-40B4-BE49-F238E27FC236}">
-                  <a16:creationId xmlns:a16="http://schemas.microsoft.com/office/drawing/2014/main" id="{56E7BB63-E6A1-4E5D-BBDE-09FA7D686D38}"/>
+                  <a16:creationId xmlns:a16="http://schemas.microsoft.com/office/drawing/2014/main" xmlns="" id="{56E7BB63-E6A1-4E5D-BBDE-09FA7D686D38}"/>
                 </a:ext>
               </a:extLst>
             </p:cNvPr>
@@ -3773,7 +3760,7 @@
             <p:cNvPr id="12" name="文字方塊 11">
               <a:extLst>
                 <a:ext uri="{FF2B5EF4-FFF2-40B4-BE49-F238E27FC236}">
-                  <a16:creationId xmlns:a16="http://schemas.microsoft.com/office/drawing/2014/main" id="{66D811A0-564C-4DD2-8EB6-01EBFFC8B991}"/>
+                  <a16:creationId xmlns:a16="http://schemas.microsoft.com/office/drawing/2014/main" xmlns="" id="{66D811A0-564C-4DD2-8EB6-01EBFFC8B991}"/>
                 </a:ext>
               </a:extLst>
             </p:cNvPr>
@@ -3822,7 +3809,7 @@
             <p:cNvPr id="13" name="文字方塊 12">
               <a:extLst>
                 <a:ext uri="{FF2B5EF4-FFF2-40B4-BE49-F238E27FC236}">
-                  <a16:creationId xmlns:a16="http://schemas.microsoft.com/office/drawing/2014/main" id="{B589B725-0E0C-40CC-9549-C1BDEC14B51E}"/>
+                  <a16:creationId xmlns:a16="http://schemas.microsoft.com/office/drawing/2014/main" xmlns="" id="{B589B725-0E0C-40CC-9549-C1BDEC14B51E}"/>
                 </a:ext>
               </a:extLst>
             </p:cNvPr>
@@ -4209,6 +4196,492 @@
       </p:grpSpPr>
       <p:sp>
         <p:nvSpPr>
+          <p:cNvPr id="17" name="PA_KSO_Shape"/>
+          <p:cNvSpPr/>
+          <p:nvPr>
+            <p:custDataLst>
+              <p:tags r:id="rId1"/>
+            </p:custDataLst>
+          </p:nvPr>
+        </p:nvSpPr>
+        <p:spPr>
+          <a:xfrm rot="10800000">
+            <a:off x="4139952" y="4900162"/>
+            <a:ext cx="5766048" cy="1766300"/>
+          </a:xfrm>
+          <a:custGeom>
+            <a:avLst/>
+            <a:gdLst>
+              <a:gd name="connsiteX0" fmla="*/ 0 w 1079818"/>
+              <a:gd name="connsiteY0" fmla="*/ 0 h 1080105"/>
+              <a:gd name="connsiteX1" fmla="*/ 1079818 w 1079818"/>
+              <a:gd name="connsiteY1" fmla="*/ 0 h 1080105"/>
+              <a:gd name="connsiteX2" fmla="*/ 110134 w 1079818"/>
+              <a:gd name="connsiteY2" fmla="*/ 1074544 h 1080105"/>
+              <a:gd name="connsiteX3" fmla="*/ 0 w 1079818"/>
+              <a:gd name="connsiteY3" fmla="*/ 1080105 h 1080105"/>
+            </a:gdLst>
+            <a:ahLst/>
+            <a:cxnLst>
+              <a:cxn ang="0">
+                <a:pos x="connsiteX0" y="connsiteY0"/>
+              </a:cxn>
+              <a:cxn ang="0">
+                <a:pos x="connsiteX1" y="connsiteY1"/>
+              </a:cxn>
+              <a:cxn ang="0">
+                <a:pos x="connsiteX2" y="connsiteY2"/>
+              </a:cxn>
+              <a:cxn ang="0">
+                <a:pos x="connsiteX3" y="connsiteY3"/>
+              </a:cxn>
+            </a:cxnLst>
+            <a:rect l="l" t="t" r="r" b="b"/>
+            <a:pathLst>
+              <a:path w="1079818" h="1080105">
+                <a:moveTo>
+                  <a:pt x="0" y="0"/>
+                </a:moveTo>
+                <a:lnTo>
+                  <a:pt x="1079818" y="0"/>
+                </a:lnTo>
+                <a:cubicBezTo>
+                  <a:pt x="1079818" y="559251"/>
+                  <a:pt x="654791" y="1019231"/>
+                  <a:pt x="110134" y="1074544"/>
+                </a:cubicBezTo>
+                <a:lnTo>
+                  <a:pt x="0" y="1080105"/>
+                </a:lnTo>
+                <a:close/>
+              </a:path>
+            </a:pathLst>
+          </a:custGeom>
+          <a:solidFill>
+            <a:srgbClr val="90B7FE"/>
+          </a:solidFill>
+          <a:ln>
+            <a:noFill/>
+          </a:ln>
+          <a:effectLst>
+            <a:softEdge rad="12700"/>
+          </a:effectLst>
+        </p:spPr>
+        <p:style>
+          <a:lnRef idx="2">
+            <a:schemeClr val="accent1">
+              <a:shade val="50000"/>
+            </a:schemeClr>
+          </a:lnRef>
+          <a:fillRef idx="1">
+            <a:schemeClr val="accent1"/>
+          </a:fillRef>
+          <a:effectRef idx="0">
+            <a:schemeClr val="accent1"/>
+          </a:effectRef>
+          <a:fontRef idx="minor">
+            <a:schemeClr val="lt1"/>
+          </a:fontRef>
+        </p:style>
+        <p:txBody>
+          <a:bodyPr anchor="ctr">
+            <a:scene3d>
+              <a:camera prst="orthographicFront"/>
+              <a:lightRig rig="threePt" dir="t"/>
+            </a:scene3d>
+            <a:sp3d>
+              <a:contourClr>
+                <a:srgbClr val="FFFFFF"/>
+              </a:contourClr>
+            </a:sp3d>
+          </a:bodyPr>
+          <a:lstStyle>
+            <a:defPPr>
+              <a:defRPr lang="zh-CN"/>
+            </a:defPPr>
+            <a:lvl1pPr algn="l" rtl="0" eaLnBrk="0" fontAlgn="base" hangingPunct="0">
+              <a:spcBef>
+                <a:spcPct val="0"/>
+              </a:spcBef>
+              <a:spcAft>
+                <a:spcPct val="0"/>
+              </a:spcAft>
+              <a:defRPr kern="1200">
+                <a:solidFill>
+                  <a:schemeClr val="lt1"/>
+                </a:solidFill>
+                <a:latin typeface="+mn-lt"/>
+                <a:ea typeface="+mn-ea"/>
+                <a:cs typeface="+mn-cs"/>
+              </a:defRPr>
+            </a:lvl1pPr>
+            <a:lvl2pPr marL="457200" algn="l" rtl="0" eaLnBrk="0" fontAlgn="base" hangingPunct="0">
+              <a:spcBef>
+                <a:spcPct val="0"/>
+              </a:spcBef>
+              <a:spcAft>
+                <a:spcPct val="0"/>
+              </a:spcAft>
+              <a:defRPr kern="1200">
+                <a:solidFill>
+                  <a:schemeClr val="lt1"/>
+                </a:solidFill>
+                <a:latin typeface="+mn-lt"/>
+                <a:ea typeface="+mn-ea"/>
+                <a:cs typeface="+mn-cs"/>
+              </a:defRPr>
+            </a:lvl2pPr>
+            <a:lvl3pPr marL="914400" algn="l" rtl="0" eaLnBrk="0" fontAlgn="base" hangingPunct="0">
+              <a:spcBef>
+                <a:spcPct val="0"/>
+              </a:spcBef>
+              <a:spcAft>
+                <a:spcPct val="0"/>
+              </a:spcAft>
+              <a:defRPr kern="1200">
+                <a:solidFill>
+                  <a:schemeClr val="lt1"/>
+                </a:solidFill>
+                <a:latin typeface="+mn-lt"/>
+                <a:ea typeface="+mn-ea"/>
+                <a:cs typeface="+mn-cs"/>
+              </a:defRPr>
+            </a:lvl3pPr>
+            <a:lvl4pPr marL="1371600" algn="l" rtl="0" eaLnBrk="0" fontAlgn="base" hangingPunct="0">
+              <a:spcBef>
+                <a:spcPct val="0"/>
+              </a:spcBef>
+              <a:spcAft>
+                <a:spcPct val="0"/>
+              </a:spcAft>
+              <a:defRPr kern="1200">
+                <a:solidFill>
+                  <a:schemeClr val="lt1"/>
+                </a:solidFill>
+                <a:latin typeface="+mn-lt"/>
+                <a:ea typeface="+mn-ea"/>
+                <a:cs typeface="+mn-cs"/>
+              </a:defRPr>
+            </a:lvl4pPr>
+            <a:lvl5pPr marL="1828800" algn="l" rtl="0" eaLnBrk="0" fontAlgn="base" hangingPunct="0">
+              <a:spcBef>
+                <a:spcPct val="0"/>
+              </a:spcBef>
+              <a:spcAft>
+                <a:spcPct val="0"/>
+              </a:spcAft>
+              <a:defRPr kern="1200">
+                <a:solidFill>
+                  <a:schemeClr val="lt1"/>
+                </a:solidFill>
+                <a:latin typeface="+mn-lt"/>
+                <a:ea typeface="+mn-ea"/>
+                <a:cs typeface="+mn-cs"/>
+              </a:defRPr>
+            </a:lvl5pPr>
+            <a:lvl6pPr marL="2286000" algn="l" defTabSz="914400" rtl="0" eaLnBrk="1" latinLnBrk="0" hangingPunct="1">
+              <a:defRPr kern="1200">
+                <a:solidFill>
+                  <a:schemeClr val="lt1"/>
+                </a:solidFill>
+                <a:latin typeface="+mn-lt"/>
+                <a:ea typeface="+mn-ea"/>
+                <a:cs typeface="+mn-cs"/>
+              </a:defRPr>
+            </a:lvl6pPr>
+            <a:lvl7pPr marL="2743200" algn="l" defTabSz="914400" rtl="0" eaLnBrk="1" latinLnBrk="0" hangingPunct="1">
+              <a:defRPr kern="1200">
+                <a:solidFill>
+                  <a:schemeClr val="lt1"/>
+                </a:solidFill>
+                <a:latin typeface="+mn-lt"/>
+                <a:ea typeface="+mn-ea"/>
+                <a:cs typeface="+mn-cs"/>
+              </a:defRPr>
+            </a:lvl7pPr>
+            <a:lvl8pPr marL="3200400" algn="l" defTabSz="914400" rtl="0" eaLnBrk="1" latinLnBrk="0" hangingPunct="1">
+              <a:defRPr kern="1200">
+                <a:solidFill>
+                  <a:schemeClr val="lt1"/>
+                </a:solidFill>
+                <a:latin typeface="+mn-lt"/>
+                <a:ea typeface="+mn-ea"/>
+                <a:cs typeface="+mn-cs"/>
+              </a:defRPr>
+            </a:lvl8pPr>
+            <a:lvl9pPr marL="3657600" algn="l" defTabSz="914400" rtl="0" eaLnBrk="1" latinLnBrk="0" hangingPunct="1">
+              <a:defRPr kern="1200">
+                <a:solidFill>
+                  <a:schemeClr val="lt1"/>
+                </a:solidFill>
+                <a:latin typeface="+mn-lt"/>
+                <a:ea typeface="+mn-ea"/>
+                <a:cs typeface="+mn-cs"/>
+              </a:defRPr>
+            </a:lvl9pPr>
+          </a:lstStyle>
+          <a:p>
+            <a:pPr algn="ctr" eaLnBrk="1" fontAlgn="auto" hangingPunct="1">
+              <a:spcBef>
+                <a:spcPts val="0"/>
+              </a:spcBef>
+              <a:spcAft>
+                <a:spcPts val="0"/>
+              </a:spcAft>
+              <a:defRPr/>
+            </a:pPr>
+            <a:endParaRPr lang="zh-CN" altLang="en-US">
+              <a:solidFill>
+                <a:srgbClr val="FFFFFF"/>
+              </a:solidFill>
+            </a:endParaRPr>
+          </a:p>
+        </p:txBody>
+      </p:sp>
+      <p:sp>
+        <p:nvSpPr>
+          <p:cNvPr id="18" name="PA_KSO_Shape"/>
+          <p:cNvSpPr/>
+          <p:nvPr>
+            <p:custDataLst>
+              <p:tags r:id="rId2"/>
+            </p:custDataLst>
+          </p:nvPr>
+        </p:nvSpPr>
+        <p:spPr>
+          <a:xfrm rot="10800000" flipH="1">
+            <a:off x="-3" y="4290197"/>
+            <a:ext cx="4932041" cy="2376266"/>
+          </a:xfrm>
+          <a:custGeom>
+            <a:avLst/>
+            <a:gdLst>
+              <a:gd name="connsiteX0" fmla="*/ 0 w 1079818"/>
+              <a:gd name="connsiteY0" fmla="*/ 0 h 1080105"/>
+              <a:gd name="connsiteX1" fmla="*/ 1079818 w 1079818"/>
+              <a:gd name="connsiteY1" fmla="*/ 0 h 1080105"/>
+              <a:gd name="connsiteX2" fmla="*/ 110134 w 1079818"/>
+              <a:gd name="connsiteY2" fmla="*/ 1074544 h 1080105"/>
+              <a:gd name="connsiteX3" fmla="*/ 0 w 1079818"/>
+              <a:gd name="connsiteY3" fmla="*/ 1080105 h 1080105"/>
+            </a:gdLst>
+            <a:ahLst/>
+            <a:cxnLst>
+              <a:cxn ang="0">
+                <a:pos x="connsiteX0" y="connsiteY0"/>
+              </a:cxn>
+              <a:cxn ang="0">
+                <a:pos x="connsiteX1" y="connsiteY1"/>
+              </a:cxn>
+              <a:cxn ang="0">
+                <a:pos x="connsiteX2" y="connsiteY2"/>
+              </a:cxn>
+              <a:cxn ang="0">
+                <a:pos x="connsiteX3" y="connsiteY3"/>
+              </a:cxn>
+            </a:cxnLst>
+            <a:rect l="l" t="t" r="r" b="b"/>
+            <a:pathLst>
+              <a:path w="1079818" h="1080105">
+                <a:moveTo>
+                  <a:pt x="0" y="0"/>
+                </a:moveTo>
+                <a:lnTo>
+                  <a:pt x="1079818" y="0"/>
+                </a:lnTo>
+                <a:cubicBezTo>
+                  <a:pt x="1079818" y="559251"/>
+                  <a:pt x="654791" y="1019231"/>
+                  <a:pt x="110134" y="1074544"/>
+                </a:cubicBezTo>
+                <a:lnTo>
+                  <a:pt x="0" y="1080105"/>
+                </a:lnTo>
+                <a:close/>
+              </a:path>
+            </a:pathLst>
+          </a:custGeom>
+          <a:solidFill>
+            <a:srgbClr val="F7DA9F"/>
+          </a:solidFill>
+          <a:ln>
+            <a:noFill/>
+          </a:ln>
+          <a:effectLst/>
+        </p:spPr>
+        <p:style>
+          <a:lnRef idx="2">
+            <a:schemeClr val="accent1">
+              <a:shade val="50000"/>
+            </a:schemeClr>
+          </a:lnRef>
+          <a:fillRef idx="1">
+            <a:schemeClr val="accent1"/>
+          </a:fillRef>
+          <a:effectRef idx="0">
+            <a:schemeClr val="accent1"/>
+          </a:effectRef>
+          <a:fontRef idx="minor">
+            <a:schemeClr val="lt1"/>
+          </a:fontRef>
+        </p:style>
+        <p:txBody>
+          <a:bodyPr anchor="ctr">
+            <a:scene3d>
+              <a:camera prst="orthographicFront"/>
+              <a:lightRig rig="threePt" dir="t"/>
+            </a:scene3d>
+            <a:sp3d>
+              <a:contourClr>
+                <a:srgbClr val="FFFFFF"/>
+              </a:contourClr>
+            </a:sp3d>
+          </a:bodyPr>
+          <a:lstStyle>
+            <a:defPPr>
+              <a:defRPr lang="zh-CN"/>
+            </a:defPPr>
+            <a:lvl1pPr algn="l" rtl="0" eaLnBrk="0" fontAlgn="base" hangingPunct="0">
+              <a:spcBef>
+                <a:spcPct val="0"/>
+              </a:spcBef>
+              <a:spcAft>
+                <a:spcPct val="0"/>
+              </a:spcAft>
+              <a:defRPr kern="1200">
+                <a:solidFill>
+                  <a:schemeClr val="lt1"/>
+                </a:solidFill>
+                <a:latin typeface="+mn-lt"/>
+                <a:ea typeface="+mn-ea"/>
+                <a:cs typeface="+mn-cs"/>
+              </a:defRPr>
+            </a:lvl1pPr>
+            <a:lvl2pPr marL="457200" algn="l" rtl="0" eaLnBrk="0" fontAlgn="base" hangingPunct="0">
+              <a:spcBef>
+                <a:spcPct val="0"/>
+              </a:spcBef>
+              <a:spcAft>
+                <a:spcPct val="0"/>
+              </a:spcAft>
+              <a:defRPr kern="1200">
+                <a:solidFill>
+                  <a:schemeClr val="lt1"/>
+                </a:solidFill>
+                <a:latin typeface="+mn-lt"/>
+                <a:ea typeface="+mn-ea"/>
+                <a:cs typeface="+mn-cs"/>
+              </a:defRPr>
+            </a:lvl2pPr>
+            <a:lvl3pPr marL="914400" algn="l" rtl="0" eaLnBrk="0" fontAlgn="base" hangingPunct="0">
+              <a:spcBef>
+                <a:spcPct val="0"/>
+              </a:spcBef>
+              <a:spcAft>
+                <a:spcPct val="0"/>
+              </a:spcAft>
+              <a:defRPr kern="1200">
+                <a:solidFill>
+                  <a:schemeClr val="lt1"/>
+                </a:solidFill>
+                <a:latin typeface="+mn-lt"/>
+                <a:ea typeface="+mn-ea"/>
+                <a:cs typeface="+mn-cs"/>
+              </a:defRPr>
+            </a:lvl3pPr>
+            <a:lvl4pPr marL="1371600" algn="l" rtl="0" eaLnBrk="0" fontAlgn="base" hangingPunct="0">
+              <a:spcBef>
+                <a:spcPct val="0"/>
+              </a:spcBef>
+              <a:spcAft>
+                <a:spcPct val="0"/>
+              </a:spcAft>
+              <a:defRPr kern="1200">
+                <a:solidFill>
+                  <a:schemeClr val="lt1"/>
+                </a:solidFill>
+                <a:latin typeface="+mn-lt"/>
+                <a:ea typeface="+mn-ea"/>
+                <a:cs typeface="+mn-cs"/>
+              </a:defRPr>
+            </a:lvl4pPr>
+            <a:lvl5pPr marL="1828800" algn="l" rtl="0" eaLnBrk="0" fontAlgn="base" hangingPunct="0">
+              <a:spcBef>
+                <a:spcPct val="0"/>
+              </a:spcBef>
+              <a:spcAft>
+                <a:spcPct val="0"/>
+              </a:spcAft>
+              <a:defRPr kern="1200">
+                <a:solidFill>
+                  <a:schemeClr val="lt1"/>
+                </a:solidFill>
+                <a:latin typeface="+mn-lt"/>
+                <a:ea typeface="+mn-ea"/>
+                <a:cs typeface="+mn-cs"/>
+              </a:defRPr>
+            </a:lvl5pPr>
+            <a:lvl6pPr marL="2286000" algn="l" defTabSz="914400" rtl="0" eaLnBrk="1" latinLnBrk="0" hangingPunct="1">
+              <a:defRPr kern="1200">
+                <a:solidFill>
+                  <a:schemeClr val="lt1"/>
+                </a:solidFill>
+                <a:latin typeface="+mn-lt"/>
+                <a:ea typeface="+mn-ea"/>
+                <a:cs typeface="+mn-cs"/>
+              </a:defRPr>
+            </a:lvl6pPr>
+            <a:lvl7pPr marL="2743200" algn="l" defTabSz="914400" rtl="0" eaLnBrk="1" latinLnBrk="0" hangingPunct="1">
+              <a:defRPr kern="1200">
+                <a:solidFill>
+                  <a:schemeClr val="lt1"/>
+                </a:solidFill>
+                <a:latin typeface="+mn-lt"/>
+                <a:ea typeface="+mn-ea"/>
+                <a:cs typeface="+mn-cs"/>
+              </a:defRPr>
+            </a:lvl7pPr>
+            <a:lvl8pPr marL="3200400" algn="l" defTabSz="914400" rtl="0" eaLnBrk="1" latinLnBrk="0" hangingPunct="1">
+              <a:defRPr kern="1200">
+                <a:solidFill>
+                  <a:schemeClr val="lt1"/>
+                </a:solidFill>
+                <a:latin typeface="+mn-lt"/>
+                <a:ea typeface="+mn-ea"/>
+                <a:cs typeface="+mn-cs"/>
+              </a:defRPr>
+            </a:lvl8pPr>
+            <a:lvl9pPr marL="3657600" algn="l" defTabSz="914400" rtl="0" eaLnBrk="1" latinLnBrk="0" hangingPunct="1">
+              <a:defRPr kern="1200">
+                <a:solidFill>
+                  <a:schemeClr val="lt1"/>
+                </a:solidFill>
+                <a:latin typeface="+mn-lt"/>
+                <a:ea typeface="+mn-ea"/>
+                <a:cs typeface="+mn-cs"/>
+              </a:defRPr>
+            </a:lvl9pPr>
+          </a:lstStyle>
+          <a:p>
+            <a:pPr algn="ctr" eaLnBrk="1" fontAlgn="auto" hangingPunct="1">
+              <a:spcBef>
+                <a:spcPts val="0"/>
+              </a:spcBef>
+              <a:spcAft>
+                <a:spcPts val="0"/>
+              </a:spcAft>
+              <a:defRPr/>
+            </a:pPr>
+            <a:endParaRPr lang="zh-CN" altLang="en-US" dirty="0">
+              <a:solidFill>
+                <a:srgbClr val="FFFFFF"/>
+              </a:solidFill>
+            </a:endParaRPr>
+          </a:p>
+        </p:txBody>
+      </p:sp>
+      <p:sp>
+        <p:nvSpPr>
           <p:cNvPr id="2" name="標題 1"/>
           <p:cNvSpPr>
             <a:spLocks noGrp="1"/>
@@ -4219,26 +4692,24 @@
         </p:nvSpPr>
         <p:spPr>
           <a:xfrm>
-            <a:off x="0" y="2340000"/>
+            <a:off x="0" y="1628800"/>
             <a:ext cx="9906000" cy="720080"/>
           </a:xfrm>
         </p:spPr>
         <p:txBody>
           <a:bodyPr>
-            <a:normAutofit/>
+            <a:noAutofit/>
           </a:bodyPr>
           <a:lstStyle/>
           <a:p>
             <a:r>
-              <a:rPr lang="zh-TW" altLang="en-US" sz="4000" dirty="0"/>
+              <a:rPr lang="zh-TW" altLang="en-US" sz="8000" dirty="0"/>
               <a:t>動吃動吃</a:t>
             </a:r>
-            <a:endParaRPr lang="zh-TW" altLang="en-US" sz="4000" dirty="0">
+            <a:endParaRPr lang="zh-TW" altLang="en-US" sz="8000" dirty="0">
               <a:solidFill>
                 <a:schemeClr val="accent4"/>
               </a:solidFill>
-              <a:latin typeface="微軟正黑體" panose="020B0604030504040204" pitchFamily="34" charset="-120"/>
-              <a:ea typeface="微軟正黑體" panose="020B0604030504040204" pitchFamily="34" charset="-120"/>
             </a:endParaRPr>
           </a:p>
         </p:txBody>
@@ -4253,8 +4724,333 @@
         </p:nvSpPr>
         <p:spPr bwMode="ltGray">
           <a:xfrm>
-            <a:off x="1353600" y="3960000"/>
-            <a:ext cx="7704856" cy="1845264"/>
+            <a:off x="310908" y="5138138"/>
+            <a:ext cx="3489964" cy="1296144"/>
+          </a:xfrm>
+          <a:prstGeom prst="rect">
+            <a:avLst/>
+          </a:prstGeom>
+          <a:effectLst>
+            <a:softEdge rad="12700"/>
+          </a:effectLst>
+        </p:spPr>
+        <p:txBody>
+          <a:bodyPr vert="horz" wrap="square" lIns="91440" tIns="45720" rIns="91440" bIns="45720" numCol="1" rtlCol="0" anchor="t" anchorCtr="0" compatLnSpc="1">
+            <a:prstTxWarp prst="textNoShape">
+              <a:avLst/>
+            </a:prstTxWarp>
+            <a:noAutofit/>
+          </a:bodyPr>
+          <a:lstStyle>
+            <a:lvl1pPr marL="0" indent="0" algn="ctr" defTabSz="914400" rtl="0" eaLnBrk="1" latinLnBrk="0" hangingPunct="1">
+              <a:lnSpc>
+                <a:spcPct val="150000"/>
+              </a:lnSpc>
+              <a:spcBef>
+                <a:spcPts val="600"/>
+              </a:spcBef>
+              <a:spcAft>
+                <a:spcPts val="600"/>
+              </a:spcAft>
+              <a:buClr>
+                <a:schemeClr val="accent1"/>
+              </a:buClr>
+              <a:buFont typeface="Arial" pitchFamily="34" charset="0"/>
+              <a:buNone/>
+              <a:defRPr sz="2000" b="1" kern="1200">
+                <a:solidFill>
+                  <a:srgbClr val="393939"/>
+                </a:solidFill>
+                <a:latin typeface="微軟正黑體" panose="020B0604030504040204" pitchFamily="34" charset="-120"/>
+                <a:ea typeface="微軟正黑體" panose="020B0604030504040204" pitchFamily="34" charset="-120"/>
+                <a:cs typeface="+mn-cs"/>
+              </a:defRPr>
+            </a:lvl1pPr>
+            <a:lvl2pPr marL="457200" indent="0" algn="ctr" defTabSz="914400" rtl="0" eaLnBrk="1" latinLnBrk="0" hangingPunct="1">
+              <a:lnSpc>
+                <a:spcPct val="150000"/>
+              </a:lnSpc>
+              <a:spcBef>
+                <a:spcPts val="600"/>
+              </a:spcBef>
+              <a:spcAft>
+                <a:spcPts val="600"/>
+              </a:spcAft>
+              <a:buClr>
+                <a:schemeClr val="accent2"/>
+              </a:buClr>
+              <a:buFont typeface="Arial" pitchFamily="34" charset="0"/>
+              <a:buNone/>
+              <a:defRPr sz="2400" b="1" kern="1200">
+                <a:solidFill>
+                  <a:schemeClr val="tx1">
+                    <a:tint val="75000"/>
+                  </a:schemeClr>
+                </a:solidFill>
+                <a:latin typeface="微軟正黑體" pitchFamily="34" charset="-120"/>
+                <a:ea typeface="微軟正黑體" pitchFamily="34" charset="-120"/>
+                <a:cs typeface="+mn-cs"/>
+              </a:defRPr>
+            </a:lvl2pPr>
+            <a:lvl3pPr marL="914400" indent="0" algn="ctr" defTabSz="914400" rtl="0" eaLnBrk="1" latinLnBrk="0" hangingPunct="1">
+              <a:lnSpc>
+                <a:spcPct val="100000"/>
+              </a:lnSpc>
+              <a:spcBef>
+                <a:spcPts val="600"/>
+              </a:spcBef>
+              <a:spcAft>
+                <a:spcPts val="600"/>
+              </a:spcAft>
+              <a:buClr>
+                <a:schemeClr val="accent3"/>
+              </a:buClr>
+              <a:buFont typeface="Arial" pitchFamily="34" charset="0"/>
+              <a:buNone/>
+              <a:defRPr sz="2000" kern="1200">
+                <a:solidFill>
+                  <a:schemeClr val="tx1">
+                    <a:tint val="75000"/>
+                  </a:schemeClr>
+                </a:solidFill>
+                <a:latin typeface="微軟正黑體" pitchFamily="34" charset="-120"/>
+                <a:ea typeface="微軟正黑體" pitchFamily="34" charset="-120"/>
+                <a:cs typeface="+mn-cs"/>
+              </a:defRPr>
+            </a:lvl3pPr>
+            <a:lvl4pPr marL="1371600" indent="0" algn="ctr" defTabSz="914400" rtl="0" eaLnBrk="1" latinLnBrk="0" hangingPunct="1">
+              <a:lnSpc>
+                <a:spcPct val="100000"/>
+              </a:lnSpc>
+              <a:spcBef>
+                <a:spcPts val="600"/>
+              </a:spcBef>
+              <a:spcAft>
+                <a:spcPts val="600"/>
+              </a:spcAft>
+              <a:buClr>
+                <a:schemeClr val="accent4"/>
+              </a:buClr>
+              <a:buFont typeface="Arial" pitchFamily="34" charset="0"/>
+              <a:buNone/>
+              <a:defRPr sz="1800" kern="1200">
+                <a:solidFill>
+                  <a:schemeClr val="tx1">
+                    <a:tint val="75000"/>
+                  </a:schemeClr>
+                </a:solidFill>
+                <a:latin typeface="微軟正黑體" pitchFamily="34" charset="-120"/>
+                <a:ea typeface="微軟正黑體" pitchFamily="34" charset="-120"/>
+                <a:cs typeface="+mn-cs"/>
+              </a:defRPr>
+            </a:lvl4pPr>
+            <a:lvl5pPr marL="1828800" indent="0" algn="ctr" defTabSz="914400" rtl="0" eaLnBrk="1" latinLnBrk="0" hangingPunct="1">
+              <a:lnSpc>
+                <a:spcPct val="100000"/>
+              </a:lnSpc>
+              <a:spcBef>
+                <a:spcPts val="600"/>
+              </a:spcBef>
+              <a:spcAft>
+                <a:spcPts val="600"/>
+              </a:spcAft>
+              <a:buClr>
+                <a:schemeClr val="accent5"/>
+              </a:buClr>
+              <a:buFont typeface="Arial" pitchFamily="34" charset="0"/>
+              <a:buNone/>
+              <a:defRPr sz="1800" kern="1200">
+                <a:solidFill>
+                  <a:schemeClr val="tx1">
+                    <a:tint val="75000"/>
+                  </a:schemeClr>
+                </a:solidFill>
+                <a:latin typeface="微軟正黑體" pitchFamily="34" charset="-120"/>
+                <a:ea typeface="微軟正黑體" pitchFamily="34" charset="-120"/>
+                <a:cs typeface="+mn-cs"/>
+              </a:defRPr>
+            </a:lvl5pPr>
+            <a:lvl6pPr marL="2286000" indent="0" algn="ctr" defTabSz="914400" rtl="0" eaLnBrk="1" latinLnBrk="0" hangingPunct="1">
+              <a:spcBef>
+                <a:spcPct val="20000"/>
+              </a:spcBef>
+              <a:buFont typeface="Arial" pitchFamily="34" charset="0"/>
+              <a:buNone/>
+              <a:defRPr sz="2000" kern="1200">
+                <a:solidFill>
+                  <a:schemeClr val="tx1">
+                    <a:tint val="75000"/>
+                  </a:schemeClr>
+                </a:solidFill>
+                <a:latin typeface="+mn-lt"/>
+                <a:ea typeface="+mn-ea"/>
+                <a:cs typeface="+mn-cs"/>
+              </a:defRPr>
+            </a:lvl6pPr>
+            <a:lvl7pPr marL="2743200" indent="0" algn="ctr" defTabSz="914400" rtl="0" eaLnBrk="1" latinLnBrk="0" hangingPunct="1">
+              <a:spcBef>
+                <a:spcPct val="20000"/>
+              </a:spcBef>
+              <a:buFont typeface="Arial" pitchFamily="34" charset="0"/>
+              <a:buNone/>
+              <a:defRPr sz="2000" kern="1200">
+                <a:solidFill>
+                  <a:schemeClr val="tx1">
+                    <a:tint val="75000"/>
+                  </a:schemeClr>
+                </a:solidFill>
+                <a:latin typeface="+mn-lt"/>
+                <a:ea typeface="+mn-ea"/>
+                <a:cs typeface="+mn-cs"/>
+              </a:defRPr>
+            </a:lvl7pPr>
+            <a:lvl8pPr marL="3200400" indent="0" algn="ctr" defTabSz="914400" rtl="0" eaLnBrk="1" latinLnBrk="0" hangingPunct="1">
+              <a:spcBef>
+                <a:spcPct val="20000"/>
+              </a:spcBef>
+              <a:buFont typeface="Arial" pitchFamily="34" charset="0"/>
+              <a:buNone/>
+              <a:defRPr sz="2000" kern="1200">
+                <a:solidFill>
+                  <a:schemeClr val="tx1">
+                    <a:tint val="75000"/>
+                  </a:schemeClr>
+                </a:solidFill>
+                <a:latin typeface="+mn-lt"/>
+                <a:ea typeface="+mn-ea"/>
+                <a:cs typeface="+mn-cs"/>
+              </a:defRPr>
+            </a:lvl8pPr>
+            <a:lvl9pPr marL="3657600" indent="0" algn="ctr" defTabSz="914400" rtl="0" eaLnBrk="1" latinLnBrk="0" hangingPunct="1">
+              <a:spcBef>
+                <a:spcPct val="20000"/>
+              </a:spcBef>
+              <a:buFont typeface="Arial" pitchFamily="34" charset="0"/>
+              <a:buNone/>
+              <a:defRPr sz="2000" kern="1200">
+                <a:solidFill>
+                  <a:schemeClr val="tx1">
+                    <a:tint val="75000"/>
+                  </a:schemeClr>
+                </a:solidFill>
+                <a:latin typeface="+mn-lt"/>
+                <a:ea typeface="+mn-ea"/>
+                <a:cs typeface="+mn-cs"/>
+              </a:defRPr>
+            </a:lvl9pPr>
+          </a:lstStyle>
+          <a:p>
+            <a:pPr algn="l">
+              <a:lnSpc>
+                <a:spcPct val="100000"/>
+              </a:lnSpc>
+              <a:spcBef>
+                <a:spcPct val="10000"/>
+              </a:spcBef>
+              <a:buClrTx/>
+              <a:defRPr/>
+            </a:pPr>
+            <a:r>
+              <a:rPr lang="zh-TW" altLang="en-US" sz="2800" dirty="0">
+                <a:solidFill>
+                  <a:schemeClr val="tx1">
+                    <a:lumMod val="50000"/>
+                  </a:schemeClr>
+                </a:solidFill>
+              </a:rPr>
+              <a:t>組別 </a:t>
+            </a:r>
+            <a:r>
+              <a:rPr lang="en-US" altLang="zh-TW" sz="2800" dirty="0" smtClean="0">
+                <a:solidFill>
+                  <a:schemeClr val="tx1">
+                    <a:lumMod val="50000"/>
+                  </a:schemeClr>
+                </a:solidFill>
+              </a:rPr>
+              <a:t>:</a:t>
+            </a:r>
+            <a:r>
+              <a:rPr lang="zh-TW" altLang="en-US" sz="2800" dirty="0" smtClean="0">
+                <a:solidFill>
+                  <a:schemeClr val="tx1">
+                    <a:lumMod val="50000"/>
+                  </a:schemeClr>
+                </a:solidFill>
+              </a:rPr>
+              <a:t> 第三組</a:t>
+            </a:r>
+            <a:endParaRPr lang="en-US" altLang="zh-TW" sz="2800" dirty="0">
+              <a:solidFill>
+                <a:schemeClr val="tx1">
+                  <a:lumMod val="50000"/>
+                </a:schemeClr>
+              </a:solidFill>
+            </a:endParaRPr>
+          </a:p>
+          <a:p>
+            <a:pPr algn="l">
+              <a:lnSpc>
+                <a:spcPct val="100000"/>
+              </a:lnSpc>
+              <a:spcBef>
+                <a:spcPct val="10000"/>
+              </a:spcBef>
+              <a:buClrTx/>
+              <a:defRPr/>
+            </a:pPr>
+            <a:r>
+              <a:rPr lang="zh-TW" altLang="en-US" sz="2800" dirty="0" smtClean="0">
+                <a:solidFill>
+                  <a:schemeClr val="tx1">
+                    <a:lumMod val="50000"/>
+                  </a:schemeClr>
+                </a:solidFill>
+              </a:rPr>
+              <a:t>指導老師 </a:t>
+            </a:r>
+            <a:r>
+              <a:rPr lang="en-US" altLang="zh-TW" sz="2800" dirty="0" smtClean="0">
+                <a:solidFill>
+                  <a:schemeClr val="tx1">
+                    <a:lumMod val="50000"/>
+                  </a:schemeClr>
+                </a:solidFill>
+              </a:rPr>
+              <a:t>:</a:t>
+            </a:r>
+            <a:r>
+              <a:rPr lang="zh-TW" altLang="en-US" sz="2800" dirty="0" smtClean="0">
+                <a:solidFill>
+                  <a:schemeClr val="tx1">
+                    <a:lumMod val="50000"/>
+                  </a:schemeClr>
+                </a:solidFill>
+              </a:rPr>
+              <a:t> 雅婷老師</a:t>
+            </a:r>
+            <a:endParaRPr lang="en-US" altLang="zh-TW" sz="2800" dirty="0">
+              <a:solidFill>
+                <a:schemeClr val="tx1">
+                  <a:lumMod val="50000"/>
+                </a:schemeClr>
+              </a:solidFill>
+            </a:endParaRPr>
+          </a:p>
+        </p:txBody>
+      </p:sp>
+      <p:sp>
+        <p:nvSpPr>
+          <p:cNvPr id="10" name="副標題 4"/>
+          <p:cNvSpPr txBox="1">
+            <a:spLocks/>
+          </p:cNvSpPr>
+          <p:nvPr/>
+        </p:nvSpPr>
+        <p:spPr bwMode="ltGray">
+          <a:xfrm>
+            <a:off x="3336801" y="2924944"/>
+            <a:ext cx="3704431" cy="1296144"/>
           </a:xfrm>
           <a:prstGeom prst="rect">
             <a:avLst/>
@@ -4477,21 +5273,77 @@
               <a:defRPr/>
             </a:pPr>
             <a:r>
-              <a:rPr lang="zh-TW" altLang="en-US" sz="2400" b="0" dirty="0">
+              <a:rPr lang="zh-TW" altLang="en-US" sz="2800" dirty="0">
                 <a:solidFill>
                   <a:schemeClr val="accent4"/>
                 </a:solidFill>
+                <a:effectLst>
+                  <a:outerShdw blurRad="50800" dist="38100" dir="2700000" algn="tl" rotWithShape="0">
+                    <a:prstClr val="black">
+                      <a:alpha val="40000"/>
+                    </a:prstClr>
+                  </a:outerShdw>
+                </a:effectLst>
               </a:rPr>
-              <a:t>組別 </a:t>
-            </a:r>
-            <a:r>
-              <a:rPr lang="en-US" altLang="zh-TW" sz="2400" b="0" dirty="0">
+              <a:t>組員 </a:t>
+            </a:r>
+            <a:r>
+              <a:rPr lang="en-US" altLang="zh-TW" sz="2800" dirty="0">
                 <a:solidFill>
                   <a:schemeClr val="accent4"/>
                 </a:solidFill>
+                <a:effectLst>
+                  <a:outerShdw blurRad="50800" dist="38100" dir="2700000" algn="tl" rotWithShape="0">
+                    <a:prstClr val="black">
+                      <a:alpha val="40000"/>
+                    </a:prstClr>
+                  </a:outerShdw>
+                </a:effectLst>
               </a:rPr>
               <a:t>:</a:t>
             </a:r>
+            <a:r>
+              <a:rPr lang="zh-TW" altLang="en-US" sz="2800" dirty="0">
+                <a:solidFill>
+                  <a:schemeClr val="accent4"/>
+                </a:solidFill>
+                <a:effectLst>
+                  <a:outerShdw blurRad="50800" dist="38100" dir="2700000" algn="tl" rotWithShape="0">
+                    <a:prstClr val="black">
+                      <a:alpha val="40000"/>
+                    </a:prstClr>
+                  </a:outerShdw>
+                </a:effectLst>
+              </a:rPr>
+              <a:t> 蔡佳樺、</a:t>
+            </a:r>
+            <a:r>
+              <a:rPr lang="zh-TW" altLang="en-US" sz="2800" dirty="0" smtClean="0">
+                <a:solidFill>
+                  <a:schemeClr val="accent4"/>
+                </a:solidFill>
+                <a:effectLst>
+                  <a:outerShdw blurRad="50800" dist="38100" dir="2700000" algn="tl" rotWithShape="0">
+                    <a:prstClr val="black">
+                      <a:alpha val="40000"/>
+                    </a:prstClr>
+                  </a:outerShdw>
+                </a:effectLst>
+              </a:rPr>
+              <a:t>鍾孟穎</a:t>
+            </a:r>
+            <a:endParaRPr lang="en-US" altLang="zh-TW" sz="2800" dirty="0">
+              <a:solidFill>
+                <a:schemeClr val="accent4"/>
+              </a:solidFill>
+              <a:effectLst>
+                <a:outerShdw blurRad="50800" dist="38100" dir="2700000" algn="tl" rotWithShape="0">
+                  <a:prstClr val="black">
+                    <a:alpha val="40000"/>
+                  </a:prstClr>
+                </a:outerShdw>
+              </a:effectLst>
+            </a:endParaRPr>
           </a:p>
           <a:p>
             <a:pPr algn="l">
@@ -4505,49 +5357,418 @@
               <a:defRPr/>
             </a:pPr>
             <a:r>
-              <a:rPr lang="zh-TW" altLang="en-US" sz="2400" b="0" dirty="0">
+              <a:rPr lang="zh-TW" altLang="en-US" sz="2800" dirty="0">
                 <a:solidFill>
                   <a:schemeClr val="accent4"/>
                 </a:solidFill>
+                <a:effectLst>
+                  <a:outerShdw blurRad="50800" dist="38100" dir="2700000" algn="tl" rotWithShape="0">
+                    <a:prstClr val="black">
+                      <a:alpha val="40000"/>
+                    </a:prstClr>
+                  </a:outerShdw>
+                </a:effectLst>
               </a:rPr>
-              <a:t>組員 </a:t>
-            </a:r>
-            <a:r>
-              <a:rPr lang="en-US" altLang="zh-TW" sz="2400" b="0" dirty="0">
-                <a:solidFill>
-                  <a:schemeClr val="accent4"/>
-                </a:solidFill>
-              </a:rPr>
-              <a:t>:</a:t>
-            </a:r>
-          </a:p>
-          <a:p>
-            <a:pPr algn="l">
-              <a:lnSpc>
-                <a:spcPct val="100000"/>
-              </a:lnSpc>
-              <a:spcBef>
-                <a:spcPct val="10000"/>
-              </a:spcBef>
-              <a:buClrTx/>
-              <a:defRPr/>
-            </a:pPr>
-            <a:r>
-              <a:rPr lang="zh-TW" altLang="en-US" sz="2400" b="0" dirty="0">
-                <a:solidFill>
-                  <a:schemeClr val="accent4"/>
-                </a:solidFill>
-              </a:rPr>
-              <a:t>指導老師</a:t>
-            </a:r>
-            <a:endParaRPr lang="en-US" altLang="zh-TW" sz="2400" b="0" dirty="0">
+              <a:t>           林宜芬、賴威宇</a:t>
+            </a:r>
+            <a:endParaRPr lang="en-US" altLang="zh-TW" sz="2800" dirty="0">
               <a:solidFill>
                 <a:schemeClr val="accent4"/>
               </a:solidFill>
+              <a:effectLst>
+                <a:outerShdw blurRad="50800" dist="38100" dir="2700000" algn="tl" rotWithShape="0">
+                  <a:prstClr val="black">
+                    <a:alpha val="40000"/>
+                  </a:prstClr>
+                </a:outerShdw>
+              </a:effectLst>
             </a:endParaRPr>
           </a:p>
         </p:txBody>
       </p:sp>
+      <p:sp>
+        <p:nvSpPr>
+          <p:cNvPr id="11" name="PA_椭圆 10"/>
+          <p:cNvSpPr/>
+          <p:nvPr>
+            <p:custDataLst>
+              <p:tags r:id="rId3"/>
+            </p:custDataLst>
+          </p:nvPr>
+        </p:nvSpPr>
+        <p:spPr>
+          <a:xfrm>
+            <a:off x="753244" y="1844824"/>
+            <a:ext cx="478176" cy="432048"/>
+          </a:xfrm>
+          <a:prstGeom prst="ellipse">
+            <a:avLst/>
+          </a:prstGeom>
+          <a:solidFill>
+            <a:srgbClr val="66BFBD"/>
+          </a:solidFill>
+          <a:ln>
+            <a:noFill/>
+          </a:ln>
+          <a:effectLst>
+            <a:innerShdw blurRad="63500" dist="50800" dir="2700000">
+              <a:prstClr val="black">
+                <a:alpha val="50000"/>
+              </a:prstClr>
+            </a:innerShdw>
+          </a:effectLst>
+        </p:spPr>
+        <p:style>
+          <a:lnRef idx="2">
+            <a:schemeClr val="accent1">
+              <a:shade val="50000"/>
+            </a:schemeClr>
+          </a:lnRef>
+          <a:fillRef idx="1">
+            <a:schemeClr val="accent1"/>
+          </a:fillRef>
+          <a:effectRef idx="0">
+            <a:schemeClr val="accent1"/>
+          </a:effectRef>
+          <a:fontRef idx="minor">
+            <a:schemeClr val="lt1"/>
+          </a:fontRef>
+        </p:style>
+        <p:txBody>
+          <a:bodyPr rtlCol="0" anchor="ctr"/>
+          <a:lstStyle/>
+          <a:p>
+            <a:pPr algn="ctr"/>
+            <a:endParaRPr lang="zh-CN" altLang="en-US"/>
+          </a:p>
+        </p:txBody>
+      </p:sp>
+      <p:sp>
+        <p:nvSpPr>
+          <p:cNvPr id="12" name="PA_椭圆 12"/>
+          <p:cNvSpPr/>
+          <p:nvPr>
+            <p:custDataLst>
+              <p:tags r:id="rId4"/>
+            </p:custDataLst>
+          </p:nvPr>
+        </p:nvSpPr>
+        <p:spPr>
+          <a:xfrm>
+            <a:off x="1733559" y="2066379"/>
+            <a:ext cx="393717" cy="420985"/>
+          </a:xfrm>
+          <a:prstGeom prst="ellipse">
+            <a:avLst/>
+          </a:prstGeom>
+          <a:solidFill>
+            <a:srgbClr val="FC6D5C"/>
+          </a:solidFill>
+          <a:ln>
+            <a:noFill/>
+          </a:ln>
+          <a:effectLst>
+            <a:innerShdw blurRad="63500" dist="50800" dir="2700000">
+              <a:prstClr val="black">
+                <a:alpha val="50000"/>
+              </a:prstClr>
+            </a:innerShdw>
+          </a:effectLst>
+        </p:spPr>
+        <p:style>
+          <a:lnRef idx="2">
+            <a:schemeClr val="accent1">
+              <a:shade val="50000"/>
+            </a:schemeClr>
+          </a:lnRef>
+          <a:fillRef idx="1">
+            <a:schemeClr val="accent1"/>
+          </a:fillRef>
+          <a:effectRef idx="0">
+            <a:schemeClr val="accent1"/>
+          </a:effectRef>
+          <a:fontRef idx="minor">
+            <a:schemeClr val="lt1"/>
+          </a:fontRef>
+        </p:style>
+        <p:txBody>
+          <a:bodyPr rtlCol="0" anchor="ctr"/>
+          <a:lstStyle/>
+          <a:p>
+            <a:pPr algn="ctr"/>
+            <a:endParaRPr lang="zh-CN" altLang="en-US"/>
+          </a:p>
+        </p:txBody>
+      </p:sp>
+      <p:sp>
+        <p:nvSpPr>
+          <p:cNvPr id="13" name="PA_椭圆 13"/>
+          <p:cNvSpPr/>
+          <p:nvPr>
+            <p:custDataLst>
+              <p:tags r:id="rId5"/>
+            </p:custDataLst>
+          </p:nvPr>
+        </p:nvSpPr>
+        <p:spPr>
+          <a:xfrm>
+            <a:off x="1354056" y="2966900"/>
+            <a:ext cx="341908" cy="341908"/>
+          </a:xfrm>
+          <a:prstGeom prst="ellipse">
+            <a:avLst/>
+          </a:prstGeom>
+          <a:solidFill>
+            <a:srgbClr val="8BC066"/>
+          </a:solidFill>
+          <a:ln>
+            <a:noFill/>
+          </a:ln>
+          <a:effectLst>
+            <a:innerShdw blurRad="63500" dist="50800" dir="5400000">
+              <a:prstClr val="black">
+                <a:alpha val="50000"/>
+              </a:prstClr>
+            </a:innerShdw>
+          </a:effectLst>
+        </p:spPr>
+        <p:style>
+          <a:lnRef idx="2">
+            <a:schemeClr val="accent1">
+              <a:shade val="50000"/>
+            </a:schemeClr>
+          </a:lnRef>
+          <a:fillRef idx="1">
+            <a:schemeClr val="accent1"/>
+          </a:fillRef>
+          <a:effectRef idx="0">
+            <a:schemeClr val="accent1"/>
+          </a:effectRef>
+          <a:fontRef idx="minor">
+            <a:schemeClr val="lt1"/>
+          </a:fontRef>
+        </p:style>
+        <p:txBody>
+          <a:bodyPr rtlCol="0" anchor="ctr"/>
+          <a:lstStyle/>
+          <a:p>
+            <a:pPr algn="ctr"/>
+            <a:endParaRPr lang="zh-CN" altLang="en-US"/>
+          </a:p>
+        </p:txBody>
+      </p:sp>
+      <p:sp>
+        <p:nvSpPr>
+          <p:cNvPr id="14" name="PA_椭圆 14"/>
+          <p:cNvSpPr/>
+          <p:nvPr>
+            <p:custDataLst>
+              <p:tags r:id="rId6"/>
+            </p:custDataLst>
+          </p:nvPr>
+        </p:nvSpPr>
+        <p:spPr>
+          <a:xfrm>
+            <a:off x="1240440" y="959148"/>
+            <a:ext cx="493119" cy="493119"/>
+          </a:xfrm>
+          <a:prstGeom prst="ellipse">
+            <a:avLst/>
+          </a:prstGeom>
+          <a:solidFill>
+            <a:srgbClr val="FBC65C"/>
+          </a:solidFill>
+          <a:ln>
+            <a:noFill/>
+          </a:ln>
+          <a:effectLst>
+            <a:innerShdw blurRad="63500" dist="50800">
+              <a:prstClr val="black">
+                <a:alpha val="50000"/>
+              </a:prstClr>
+            </a:innerShdw>
+          </a:effectLst>
+        </p:spPr>
+        <p:style>
+          <a:lnRef idx="2">
+            <a:schemeClr val="accent1">
+              <a:shade val="50000"/>
+            </a:schemeClr>
+          </a:lnRef>
+          <a:fillRef idx="1">
+            <a:schemeClr val="accent1"/>
+          </a:fillRef>
+          <a:effectRef idx="0">
+            <a:schemeClr val="accent1"/>
+          </a:effectRef>
+          <a:fontRef idx="minor">
+            <a:schemeClr val="lt1"/>
+          </a:fontRef>
+        </p:style>
+        <p:txBody>
+          <a:bodyPr rtlCol="0" anchor="ctr"/>
+          <a:lstStyle/>
+          <a:p>
+            <a:pPr algn="ctr"/>
+            <a:endParaRPr lang="zh-CN" altLang="en-US"/>
+          </a:p>
+        </p:txBody>
+      </p:sp>
+      <p:sp>
+        <p:nvSpPr>
+          <p:cNvPr id="15" name="PA_椭圆 10"/>
+          <p:cNvSpPr/>
+          <p:nvPr>
+            <p:custDataLst>
+              <p:tags r:id="rId7"/>
+            </p:custDataLst>
+          </p:nvPr>
+        </p:nvSpPr>
+        <p:spPr>
+          <a:xfrm>
+            <a:off x="7916265" y="3403785"/>
+            <a:ext cx="360040" cy="360040"/>
+          </a:xfrm>
+          <a:prstGeom prst="ellipse">
+            <a:avLst/>
+          </a:prstGeom>
+          <a:solidFill>
+            <a:srgbClr val="66BFBD"/>
+          </a:solidFill>
+          <a:ln>
+            <a:noFill/>
+          </a:ln>
+          <a:effectLst>
+            <a:innerShdw blurRad="63500" dist="50800">
+              <a:prstClr val="black">
+                <a:alpha val="50000"/>
+              </a:prstClr>
+            </a:innerShdw>
+          </a:effectLst>
+        </p:spPr>
+        <p:style>
+          <a:lnRef idx="2">
+            <a:schemeClr val="accent1">
+              <a:shade val="50000"/>
+            </a:schemeClr>
+          </a:lnRef>
+          <a:fillRef idx="1">
+            <a:schemeClr val="accent1"/>
+          </a:fillRef>
+          <a:effectRef idx="0">
+            <a:schemeClr val="accent1"/>
+          </a:effectRef>
+          <a:fontRef idx="minor">
+            <a:schemeClr val="lt1"/>
+          </a:fontRef>
+        </p:style>
+        <p:txBody>
+          <a:bodyPr rtlCol="0" anchor="ctr"/>
+          <a:lstStyle/>
+          <a:p>
+            <a:pPr algn="ctr"/>
+            <a:endParaRPr lang="zh-CN" altLang="en-US"/>
+          </a:p>
+        </p:txBody>
+      </p:sp>
+      <p:sp>
+        <p:nvSpPr>
+          <p:cNvPr id="16" name="PA_椭圆 14"/>
+          <p:cNvSpPr/>
+          <p:nvPr>
+            <p:custDataLst>
+              <p:tags r:id="rId8"/>
+            </p:custDataLst>
+          </p:nvPr>
+        </p:nvSpPr>
+        <p:spPr>
+          <a:xfrm>
+            <a:off x="8530378" y="2739712"/>
+            <a:ext cx="493119" cy="493119"/>
+          </a:xfrm>
+          <a:prstGeom prst="ellipse">
+            <a:avLst/>
+          </a:prstGeom>
+          <a:solidFill>
+            <a:srgbClr val="FBC65C"/>
+          </a:solidFill>
+          <a:ln>
+            <a:noFill/>
+          </a:ln>
+          <a:effectLst>
+            <a:innerShdw blurRad="63500" dist="50800" dir="2700000">
+              <a:prstClr val="black">
+                <a:alpha val="50000"/>
+              </a:prstClr>
+            </a:innerShdw>
+          </a:effectLst>
+        </p:spPr>
+        <p:style>
+          <a:lnRef idx="2">
+            <a:schemeClr val="accent1">
+              <a:shade val="50000"/>
+            </a:schemeClr>
+          </a:lnRef>
+          <a:fillRef idx="1">
+            <a:schemeClr val="accent1"/>
+          </a:fillRef>
+          <a:effectRef idx="0">
+            <a:schemeClr val="accent1"/>
+          </a:effectRef>
+          <a:fontRef idx="minor">
+            <a:schemeClr val="lt1"/>
+          </a:fontRef>
+        </p:style>
+        <p:txBody>
+          <a:bodyPr rtlCol="0" anchor="ctr"/>
+          <a:lstStyle/>
+          <a:p>
+            <a:pPr algn="ctr"/>
+            <a:endParaRPr lang="zh-CN" altLang="en-US"/>
+          </a:p>
+        </p:txBody>
+      </p:sp>
+      <p:pic>
+        <p:nvPicPr>
+          <p:cNvPr id="1028" name="Picture 4" descr="D:\本地全端應用網站開發120D\大專\start_fitness\Eva\AI\LOGO.png"/>
+          <p:cNvPicPr>
+            <a:picLocks noChangeAspect="1" noChangeArrowheads="1"/>
+          </p:cNvPicPr>
+          <p:nvPr/>
+        </p:nvPicPr>
+        <p:blipFill>
+          <a:blip r:embed="rId10" cstate="print">
+            <a:extLst>
+              <a:ext uri="{28A0092B-C50C-407E-A947-70E740481C1C}">
+                <a14:useLocalDpi xmlns:a14="http://schemas.microsoft.com/office/drawing/2010/main" val="0"/>
+              </a:ext>
+            </a:extLst>
+          </a:blip>
+          <a:srcRect/>
+          <a:stretch>
+            <a:fillRect/>
+          </a:stretch>
+        </p:blipFill>
+        <p:spPr bwMode="auto">
+          <a:xfrm>
+            <a:off x="7466237" y="5260811"/>
+            <a:ext cx="1310700" cy="1173471"/>
+          </a:xfrm>
+          <a:prstGeom prst="rect">
+            <a:avLst/>
+          </a:prstGeom>
+          <a:noFill/>
+          <a:extLst>
+            <a:ext uri="{909E8E84-426E-40DD-AFC4-6F175D3DCCD1}">
+              <a14:hiddenFill xmlns:a14="http://schemas.microsoft.com/office/drawing/2010/main">
+                <a:solidFill>
+                  <a:srgbClr val="FFFFFF"/>
+                </a:solidFill>
+              </a14:hiddenFill>
+            </a:ext>
+          </a:extLst>
+        </p:spPr>
+      </p:pic>
     </p:spTree>
     <p:extLst>
       <p:ext uri="{BB962C8B-B14F-4D97-AF65-F5344CB8AC3E}">
@@ -4558,229 +5779,279 @@
   <p:clrMapOvr>
     <a:masterClrMapping/>
   </p:clrMapOvr>
+  <p:timing>
+    <p:tnLst>
+      <p:par>
+        <p:cTn id="1" dur="indefinite" restart="never" nodeType="tmRoot">
+          <p:childTnLst>
+            <p:seq concurrent="1" nextAc="seek">
+              <p:cTn id="2" dur="indefinite" nodeType="mainSeq">
+                <p:childTnLst>
+                  <p:par>
+                    <p:cTn id="3" fill="hold">
+                      <p:stCondLst>
+                        <p:cond delay="indefinite"/>
+                        <p:cond evt="onBegin" delay="0">
+                          <p:tn val="2"/>
+                        </p:cond>
+                      </p:stCondLst>
+                      <p:childTnLst>
+                        <p:par>
+                          <p:cTn id="4" fill="hold">
+                            <p:stCondLst>
+                              <p:cond delay="0"/>
+                            </p:stCondLst>
+                            <p:childTnLst>
+                              <p:par>
+                                <p:cTn id="5" presetID="10" presetClass="entr" presetSubtype="0" fill="hold" grpId="0" nodeType="withEffect">
+                                  <p:stCondLst>
+                                    <p:cond delay="2000"/>
+                                  </p:stCondLst>
+                                  <p:childTnLst>
+                                    <p:set>
+                                      <p:cBhvr>
+                                        <p:cTn id="6" dur="1" fill="hold">
+                                          <p:stCondLst>
+                                            <p:cond delay="0"/>
+                                          </p:stCondLst>
+                                        </p:cTn>
+                                        <p:tgtEl>
+                                          <p:spTgt spid="14"/>
+                                        </p:tgtEl>
+                                        <p:attrNameLst>
+                                          <p:attrName>style.visibility</p:attrName>
+                                        </p:attrNameLst>
+                                      </p:cBhvr>
+                                      <p:to>
+                                        <p:strVal val="visible"/>
+                                      </p:to>
+                                    </p:set>
+                                    <p:animEffect transition="in" filter="fade">
+                                      <p:cBhvr>
+                                        <p:cTn id="7" dur="500"/>
+                                        <p:tgtEl>
+                                          <p:spTgt spid="14"/>
+                                        </p:tgtEl>
+                                      </p:cBhvr>
+                                    </p:animEffect>
+                                  </p:childTnLst>
+                                </p:cTn>
+                              </p:par>
+                              <p:par>
+                                <p:cTn id="8" presetID="10" presetClass="entr" presetSubtype="0" fill="hold" grpId="0" nodeType="withEffect">
+                                  <p:stCondLst>
+                                    <p:cond delay="2500"/>
+                                  </p:stCondLst>
+                                  <p:childTnLst>
+                                    <p:set>
+                                      <p:cBhvr>
+                                        <p:cTn id="9" dur="1" fill="hold">
+                                          <p:stCondLst>
+                                            <p:cond delay="0"/>
+                                          </p:stCondLst>
+                                        </p:cTn>
+                                        <p:tgtEl>
+                                          <p:spTgt spid="11"/>
+                                        </p:tgtEl>
+                                        <p:attrNameLst>
+                                          <p:attrName>style.visibility</p:attrName>
+                                        </p:attrNameLst>
+                                      </p:cBhvr>
+                                      <p:to>
+                                        <p:strVal val="visible"/>
+                                      </p:to>
+                                    </p:set>
+                                    <p:animEffect transition="in" filter="fade">
+                                      <p:cBhvr>
+                                        <p:cTn id="10" dur="500"/>
+                                        <p:tgtEl>
+                                          <p:spTgt spid="11"/>
+                                        </p:tgtEl>
+                                      </p:cBhvr>
+                                    </p:animEffect>
+                                  </p:childTnLst>
+                                </p:cTn>
+                              </p:par>
+                              <p:par>
+                                <p:cTn id="11" presetID="10" presetClass="entr" presetSubtype="0" fill="hold" grpId="0" nodeType="withEffect">
+                                  <p:stCondLst>
+                                    <p:cond delay="3000"/>
+                                  </p:stCondLst>
+                                  <p:childTnLst>
+                                    <p:set>
+                                      <p:cBhvr>
+                                        <p:cTn id="12" dur="1" fill="hold">
+                                          <p:stCondLst>
+                                            <p:cond delay="0"/>
+                                          </p:stCondLst>
+                                        </p:cTn>
+                                        <p:tgtEl>
+                                          <p:spTgt spid="12"/>
+                                        </p:tgtEl>
+                                        <p:attrNameLst>
+                                          <p:attrName>style.visibility</p:attrName>
+                                        </p:attrNameLst>
+                                      </p:cBhvr>
+                                      <p:to>
+                                        <p:strVal val="visible"/>
+                                      </p:to>
+                                    </p:set>
+                                    <p:animEffect transition="in" filter="fade">
+                                      <p:cBhvr>
+                                        <p:cTn id="13" dur="500"/>
+                                        <p:tgtEl>
+                                          <p:spTgt spid="12"/>
+                                        </p:tgtEl>
+                                      </p:cBhvr>
+                                    </p:animEffect>
+                                  </p:childTnLst>
+                                </p:cTn>
+                              </p:par>
+                              <p:par>
+                                <p:cTn id="14" presetID="10" presetClass="entr" presetSubtype="0" fill="hold" grpId="0" nodeType="withEffect">
+                                  <p:stCondLst>
+                                    <p:cond delay="3500"/>
+                                  </p:stCondLst>
+                                  <p:childTnLst>
+                                    <p:set>
+                                      <p:cBhvr>
+                                        <p:cTn id="15" dur="1" fill="hold">
+                                          <p:stCondLst>
+                                            <p:cond delay="0"/>
+                                          </p:stCondLst>
+                                        </p:cTn>
+                                        <p:tgtEl>
+                                          <p:spTgt spid="13"/>
+                                        </p:tgtEl>
+                                        <p:attrNameLst>
+                                          <p:attrName>style.visibility</p:attrName>
+                                        </p:attrNameLst>
+                                      </p:cBhvr>
+                                      <p:to>
+                                        <p:strVal val="visible"/>
+                                      </p:to>
+                                    </p:set>
+                                    <p:animEffect transition="in" filter="fade">
+                                      <p:cBhvr>
+                                        <p:cTn id="16" dur="500"/>
+                                        <p:tgtEl>
+                                          <p:spTgt spid="13"/>
+                                        </p:tgtEl>
+                                      </p:cBhvr>
+                                    </p:animEffect>
+                                  </p:childTnLst>
+                                </p:cTn>
+                              </p:par>
+                              <p:par>
+                                <p:cTn id="17" presetID="10" presetClass="entr" presetSubtype="0" fill="hold" grpId="0" nodeType="withEffect">
+                                  <p:stCondLst>
+                                    <p:cond delay="4000"/>
+                                  </p:stCondLst>
+                                  <p:childTnLst>
+                                    <p:set>
+                                      <p:cBhvr>
+                                        <p:cTn id="18" dur="1" fill="hold">
+                                          <p:stCondLst>
+                                            <p:cond delay="0"/>
+                                          </p:stCondLst>
+                                        </p:cTn>
+                                        <p:tgtEl>
+                                          <p:spTgt spid="15"/>
+                                        </p:tgtEl>
+                                        <p:attrNameLst>
+                                          <p:attrName>style.visibility</p:attrName>
+                                        </p:attrNameLst>
+                                      </p:cBhvr>
+                                      <p:to>
+                                        <p:strVal val="visible"/>
+                                      </p:to>
+                                    </p:set>
+                                    <p:animEffect transition="in" filter="fade">
+                                      <p:cBhvr>
+                                        <p:cTn id="19" dur="500"/>
+                                        <p:tgtEl>
+                                          <p:spTgt spid="15"/>
+                                        </p:tgtEl>
+                                      </p:cBhvr>
+                                    </p:animEffect>
+                                  </p:childTnLst>
+                                </p:cTn>
+                              </p:par>
+                              <p:par>
+                                <p:cTn id="20" presetID="10" presetClass="entr" presetSubtype="0" fill="hold" grpId="0" nodeType="withEffect">
+                                  <p:stCondLst>
+                                    <p:cond delay="2000"/>
+                                  </p:stCondLst>
+                                  <p:childTnLst>
+                                    <p:set>
+                                      <p:cBhvr>
+                                        <p:cTn id="21" dur="1" fill="hold">
+                                          <p:stCondLst>
+                                            <p:cond delay="0"/>
+                                          </p:stCondLst>
+                                        </p:cTn>
+                                        <p:tgtEl>
+                                          <p:spTgt spid="16"/>
+                                        </p:tgtEl>
+                                        <p:attrNameLst>
+                                          <p:attrName>style.visibility</p:attrName>
+                                        </p:attrNameLst>
+                                      </p:cBhvr>
+                                      <p:to>
+                                        <p:strVal val="visible"/>
+                                      </p:to>
+                                    </p:set>
+                                    <p:animEffect transition="in" filter="fade">
+                                      <p:cBhvr>
+                                        <p:cTn id="22" dur="500"/>
+                                        <p:tgtEl>
+                                          <p:spTgt spid="16"/>
+                                        </p:tgtEl>
+                                      </p:cBhvr>
+                                    </p:animEffect>
+                                  </p:childTnLst>
+                                </p:cTn>
+                              </p:par>
+                            </p:childTnLst>
+                          </p:cTn>
+                        </p:par>
+                      </p:childTnLst>
+                    </p:cTn>
+                  </p:par>
+                </p:childTnLst>
+              </p:cTn>
+              <p:prevCondLst>
+                <p:cond evt="onPrev" delay="0">
+                  <p:tgtEl>
+                    <p:sldTgt/>
+                  </p:tgtEl>
+                </p:cond>
+              </p:prevCondLst>
+              <p:nextCondLst>
+                <p:cond evt="onNext" delay="0">
+                  <p:tgtEl>
+                    <p:sldTgt/>
+                  </p:tgtEl>
+                </p:cond>
+              </p:nextCondLst>
+            </p:seq>
+          </p:childTnLst>
+        </p:cTn>
+      </p:par>
+    </p:tnLst>
+    <p:bldLst>
+      <p:bldP spid="11" grpId="0" animBg="1"/>
+      <p:bldP spid="12" grpId="0" animBg="1"/>
+      <p:bldP spid="13" grpId="0" animBg="1"/>
+      <p:bldP spid="14" grpId="0" animBg="1"/>
+      <p:bldP spid="15" grpId="0" animBg="1"/>
+      <p:bldP spid="16" grpId="0" animBg="1"/>
+    </p:bldLst>
+  </p:timing>
 </p:sld>
 </file>
 
 <file path=ppt/slides/slide10.xml><?xml version="1.0" encoding="utf-8"?>
-<p:sld xmlns:a="http://schemas.openxmlformats.org/drawingml/2006/main" xmlns:r="http://schemas.openxmlformats.org/officeDocument/2006/relationships" xmlns:p="http://schemas.openxmlformats.org/presentationml/2006/main">
-  <p:cSld>
-    <p:spTree>
-      <p:nvGrpSpPr>
-        <p:cNvPr id="1" name=""/>
-        <p:cNvGrpSpPr/>
-        <p:nvPr/>
-      </p:nvGrpSpPr>
-      <p:grpSpPr>
-        <a:xfrm>
-          <a:off x="0" y="0"/>
-          <a:ext cx="0" cy="0"/>
-          <a:chOff x="0" y="0"/>
-          <a:chExt cx="0" cy="0"/>
-        </a:xfrm>
-      </p:grpSpPr>
-      <p:sp>
-        <p:nvSpPr>
-          <p:cNvPr id="3" name="文字方塊 2"/>
-          <p:cNvSpPr txBox="1"/>
-          <p:nvPr/>
-        </p:nvSpPr>
-        <p:spPr>
-          <a:xfrm>
-            <a:off x="3512840" y="2996952"/>
-            <a:ext cx="2880320" cy="720080"/>
-          </a:xfrm>
-          <a:prstGeom prst="rect">
-            <a:avLst/>
-          </a:prstGeom>
-          <a:noFill/>
-        </p:spPr>
-        <p:txBody>
-          <a:bodyPr wrap="square" rtlCol="0">
-            <a:spAutoFit/>
-          </a:bodyPr>
-          <a:lstStyle/>
-          <a:p>
-            <a:r>
-              <a:rPr lang="en-US" altLang="zh-TW" sz="4000" dirty="0">
-                <a:solidFill>
-                  <a:schemeClr val="accent1"/>
-                </a:solidFill>
-              </a:rPr>
-              <a:t>T</a:t>
-            </a:r>
-            <a:r>
-              <a:rPr lang="en-US" altLang="zh-TW" sz="4000" dirty="0">
-                <a:solidFill>
-                  <a:schemeClr val="accent2"/>
-                </a:solidFill>
-              </a:rPr>
-              <a:t>h</a:t>
-            </a:r>
-            <a:r>
-              <a:rPr lang="en-US" altLang="zh-TW" sz="4000" dirty="0">
-                <a:solidFill>
-                  <a:schemeClr val="accent3"/>
-                </a:solidFill>
-              </a:rPr>
-              <a:t>a</a:t>
-            </a:r>
-            <a:r>
-              <a:rPr lang="en-US" altLang="zh-TW" sz="4000" dirty="0">
-                <a:solidFill>
-                  <a:schemeClr val="accent4"/>
-                </a:solidFill>
-              </a:rPr>
-              <a:t>n</a:t>
-            </a:r>
-            <a:r>
-              <a:rPr lang="en-US" altLang="zh-TW" sz="4000" dirty="0">
-                <a:solidFill>
-                  <a:schemeClr val="accent5"/>
-                </a:solidFill>
-              </a:rPr>
-              <a:t>k</a:t>
-            </a:r>
-            <a:r>
-              <a:rPr lang="en-US" altLang="zh-TW" sz="4000" dirty="0">
-                <a:solidFill>
-                  <a:schemeClr val="tx1">
-                    <a:lumMod val="75000"/>
-                  </a:schemeClr>
-                </a:solidFill>
-              </a:rPr>
-              <a:t> </a:t>
-            </a:r>
-            <a:r>
-              <a:rPr lang="en-US" altLang="zh-TW" sz="4000" dirty="0">
-                <a:solidFill>
-                  <a:schemeClr val="accent6"/>
-                </a:solidFill>
-              </a:rPr>
-              <a:t>y</a:t>
-            </a:r>
-            <a:r>
-              <a:rPr lang="en-US" altLang="zh-TW" sz="4000" dirty="0">
-                <a:solidFill>
-                  <a:schemeClr val="accent1"/>
-                </a:solidFill>
-              </a:rPr>
-              <a:t>o</a:t>
-            </a:r>
-            <a:r>
-              <a:rPr lang="en-US" altLang="zh-TW" sz="4000" dirty="0">
-                <a:solidFill>
-                  <a:schemeClr val="accent3"/>
-                </a:solidFill>
-              </a:rPr>
-              <a:t>u</a:t>
-            </a:r>
-            <a:endParaRPr lang="zh-TW" altLang="en-US" sz="4000" dirty="0" err="1">
-              <a:solidFill>
-                <a:schemeClr val="accent3"/>
-              </a:solidFill>
-            </a:endParaRPr>
-          </a:p>
-        </p:txBody>
-      </p:sp>
-    </p:spTree>
-    <p:extLst>
-      <p:ext uri="{BB962C8B-B14F-4D97-AF65-F5344CB8AC3E}">
-        <p14:creationId xmlns:p14="http://schemas.microsoft.com/office/powerpoint/2010/main" val="4034723819"/>
-      </p:ext>
-    </p:extLst>
-  </p:cSld>
-  <p:clrMapOvr>
-    <a:masterClrMapping/>
-  </p:clrMapOvr>
-</p:sld>
-</file>
-
-<file path=ppt/slides/slide2.xml><?xml version="1.0" encoding="utf-8"?>
-<p:sld xmlns:a="http://schemas.openxmlformats.org/drawingml/2006/main" xmlns:r="http://schemas.openxmlformats.org/officeDocument/2006/relationships" xmlns:p="http://schemas.openxmlformats.org/presentationml/2006/main">
-  <p:cSld>
-    <p:spTree>
-      <p:nvGrpSpPr>
-        <p:cNvPr id="1" name=""/>
-        <p:cNvGrpSpPr/>
-        <p:nvPr/>
-      </p:nvGrpSpPr>
-      <p:grpSpPr>
-        <a:xfrm>
-          <a:off x="0" y="0"/>
-          <a:ext cx="0" cy="0"/>
-          <a:chOff x="0" y="0"/>
-          <a:chExt cx="0" cy="0"/>
-        </a:xfrm>
-      </p:grpSpPr>
-      <p:sp>
-        <p:nvSpPr>
-          <p:cNvPr id="2" name="內容版面配置區 1"/>
-          <p:cNvSpPr>
-            <a:spLocks noGrp="1"/>
-          </p:cNvSpPr>
-          <p:nvPr>
-            <p:ph idx="1"/>
-          </p:nvPr>
-        </p:nvSpPr>
-        <p:spPr>
-          <a:xfrm>
-            <a:off x="1065600" y="979200"/>
-            <a:ext cx="7704000" cy="4680520"/>
-          </a:xfrm>
-        </p:spPr>
-        <p:txBody>
-          <a:bodyPr/>
-          <a:lstStyle/>
-          <a:p>
-            <a:endParaRPr lang="en-US" altLang="zh-TW" dirty="0"/>
-          </a:p>
-        </p:txBody>
-      </p:sp>
-      <p:sp>
-        <p:nvSpPr>
-          <p:cNvPr id="4" name="標題 3"/>
-          <p:cNvSpPr>
-            <a:spLocks noGrp="1"/>
-          </p:cNvSpPr>
-          <p:nvPr>
-            <p:ph type="title" idx="4294967295"/>
-          </p:nvPr>
-        </p:nvSpPr>
-        <p:spPr>
-          <a:xfrm>
-            <a:off x="632520" y="11676"/>
-            <a:ext cx="8640960" cy="681020"/>
-          </a:xfrm>
-          <a:prstGeom prst="rect">
-            <a:avLst/>
-          </a:prstGeom>
-        </p:spPr>
-        <p:txBody>
-          <a:bodyPr/>
-          <a:lstStyle/>
-          <a:p>
-            <a:r>
-              <a:rPr lang="zh-TW" altLang="en-US"/>
-              <a:t>小組成員與分工介紹</a:t>
-            </a:r>
-            <a:endParaRPr lang="zh-TW" altLang="en-US" dirty="0"/>
-          </a:p>
-        </p:txBody>
-      </p:sp>
-    </p:spTree>
-    <p:extLst>
-      <p:ext uri="{BB962C8B-B14F-4D97-AF65-F5344CB8AC3E}">
-        <p14:creationId xmlns:p14="http://schemas.microsoft.com/office/powerpoint/2010/main" val="1179930141"/>
-      </p:ext>
-    </p:extLst>
-  </p:cSld>
-  <p:clrMapOvr>
-    <a:masterClrMapping/>
-  </p:clrMapOvr>
-</p:sld>
-</file>
-
-<file path=ppt/slides/slide3.xml><?xml version="1.0" encoding="utf-8"?>
 <p:sld xmlns:a="http://schemas.openxmlformats.org/drawingml/2006/main" xmlns:r="http://schemas.openxmlformats.org/officeDocument/2006/relationships" xmlns:p="http://schemas.openxmlformats.org/presentationml/2006/main">
   <p:cSld>
     <p:spTree>
@@ -4821,9 +6092,1036 @@
           <a:lstStyle/>
           <a:p>
             <a:r>
-              <a:rPr lang="zh-TW" altLang="en-US" dirty="0"/>
-              <a:t>大綱</a:t>
-            </a:r>
+              <a:rPr lang="zh-TW" altLang="en-US" b="0" dirty="0"/>
+              <a:t>網站架構圖</a:t>
+            </a:r>
+          </a:p>
+        </p:txBody>
+      </p:sp>
+      <p:pic>
+        <p:nvPicPr>
+          <p:cNvPr id="3074" name="Picture 2">
+            <a:extLst>
+              <a:ext uri="{FF2B5EF4-FFF2-40B4-BE49-F238E27FC236}">
+                <a16:creationId xmlns:a16="http://schemas.microsoft.com/office/drawing/2014/main" xmlns="" id="{A743AC94-8722-3F7C-7A11-5B9BF90F67D4}"/>
+              </a:ext>
+            </a:extLst>
+          </p:cNvPr>
+          <p:cNvPicPr>
+            <a:picLocks noChangeAspect="1" noChangeArrowheads="1"/>
+          </p:cNvPicPr>
+          <p:nvPr/>
+        </p:nvPicPr>
+        <p:blipFill>
+          <a:blip r:embed="rId2">
+            <a:extLst>
+              <a:ext uri="{28A0092B-C50C-407E-A947-70E740481C1C}">
+                <a14:useLocalDpi xmlns:a14="http://schemas.microsoft.com/office/drawing/2010/main" val="0"/>
+              </a:ext>
+            </a:extLst>
+          </a:blip>
+          <a:srcRect/>
+          <a:stretch>
+            <a:fillRect/>
+          </a:stretch>
+        </p:blipFill>
+        <p:spPr bwMode="auto">
+          <a:xfrm>
+            <a:off x="123825" y="690563"/>
+            <a:ext cx="9658350" cy="5476875"/>
+          </a:xfrm>
+          <a:prstGeom prst="rect">
+            <a:avLst/>
+          </a:prstGeom>
+          <a:noFill/>
+          <a:extLst>
+            <a:ext uri="{909E8E84-426E-40DD-AFC4-6F175D3DCCD1}">
+              <a14:hiddenFill xmlns:a14="http://schemas.microsoft.com/office/drawing/2010/main">
+                <a:solidFill>
+                  <a:srgbClr val="FFFFFF"/>
+                </a:solidFill>
+              </a14:hiddenFill>
+            </a:ext>
+          </a:extLst>
+        </p:spPr>
+      </p:pic>
+    </p:spTree>
+    <p:extLst>
+      <p:ext uri="{BB962C8B-B14F-4D97-AF65-F5344CB8AC3E}">
+        <p14:creationId xmlns:p14="http://schemas.microsoft.com/office/powerpoint/2010/main" val="3004687195"/>
+      </p:ext>
+    </p:extLst>
+  </p:cSld>
+  <p:clrMapOvr>
+    <a:masterClrMapping/>
+  </p:clrMapOvr>
+</p:sld>
+</file>
+
+<file path=ppt/slides/slide11.xml><?xml version="1.0" encoding="utf-8"?>
+<p:sld xmlns:a="http://schemas.openxmlformats.org/drawingml/2006/main" xmlns:r="http://schemas.openxmlformats.org/officeDocument/2006/relationships" xmlns:p="http://schemas.openxmlformats.org/presentationml/2006/main">
+  <p:cSld>
+    <p:spTree>
+      <p:nvGrpSpPr>
+        <p:cNvPr id="1" name=""/>
+        <p:cNvGrpSpPr/>
+        <p:nvPr/>
+      </p:nvGrpSpPr>
+      <p:grpSpPr>
+        <a:xfrm>
+          <a:off x="0" y="0"/>
+          <a:ext cx="0" cy="0"/>
+          <a:chOff x="0" y="0"/>
+          <a:chExt cx="0" cy="0"/>
+        </a:xfrm>
+      </p:grpSpPr>
+      <p:sp>
+        <p:nvSpPr>
+          <p:cNvPr id="3" name="文字方塊 2"/>
+          <p:cNvSpPr txBox="1"/>
+          <p:nvPr/>
+        </p:nvSpPr>
+        <p:spPr>
+          <a:xfrm>
+            <a:off x="3512840" y="2996952"/>
+            <a:ext cx="2880320" cy="720080"/>
+          </a:xfrm>
+          <a:prstGeom prst="rect">
+            <a:avLst/>
+          </a:prstGeom>
+          <a:noFill/>
+        </p:spPr>
+        <p:txBody>
+          <a:bodyPr wrap="square" rtlCol="0">
+            <a:spAutoFit/>
+          </a:bodyPr>
+          <a:lstStyle/>
+          <a:p>
+            <a:r>
+              <a:rPr lang="en-US" altLang="zh-TW" sz="4000" dirty="0">
+                <a:solidFill>
+                  <a:schemeClr val="accent1"/>
+                </a:solidFill>
+              </a:rPr>
+              <a:t>T</a:t>
+            </a:r>
+            <a:r>
+              <a:rPr lang="en-US" altLang="zh-TW" sz="4000" dirty="0">
+                <a:solidFill>
+                  <a:schemeClr val="accent2"/>
+                </a:solidFill>
+              </a:rPr>
+              <a:t>h</a:t>
+            </a:r>
+            <a:r>
+              <a:rPr lang="en-US" altLang="zh-TW" sz="4000" dirty="0">
+                <a:solidFill>
+                  <a:schemeClr val="accent3"/>
+                </a:solidFill>
+              </a:rPr>
+              <a:t>a</a:t>
+            </a:r>
+            <a:r>
+              <a:rPr lang="en-US" altLang="zh-TW" sz="4000" dirty="0">
+                <a:solidFill>
+                  <a:schemeClr val="accent4"/>
+                </a:solidFill>
+              </a:rPr>
+              <a:t>n</a:t>
+            </a:r>
+            <a:r>
+              <a:rPr lang="en-US" altLang="zh-TW" sz="4000" dirty="0">
+                <a:solidFill>
+                  <a:schemeClr val="accent5"/>
+                </a:solidFill>
+              </a:rPr>
+              <a:t>k</a:t>
+            </a:r>
+            <a:r>
+              <a:rPr lang="en-US" altLang="zh-TW" sz="4000" dirty="0">
+                <a:solidFill>
+                  <a:schemeClr val="tx1">
+                    <a:lumMod val="75000"/>
+                  </a:schemeClr>
+                </a:solidFill>
+              </a:rPr>
+              <a:t> </a:t>
+            </a:r>
+            <a:r>
+              <a:rPr lang="en-US" altLang="zh-TW" sz="4000" dirty="0">
+                <a:solidFill>
+                  <a:schemeClr val="accent6"/>
+                </a:solidFill>
+              </a:rPr>
+              <a:t>y</a:t>
+            </a:r>
+            <a:r>
+              <a:rPr lang="en-US" altLang="zh-TW" sz="4000" dirty="0">
+                <a:solidFill>
+                  <a:schemeClr val="accent1"/>
+                </a:solidFill>
+              </a:rPr>
+              <a:t>o</a:t>
+            </a:r>
+            <a:r>
+              <a:rPr lang="en-US" altLang="zh-TW" sz="4000" dirty="0">
+                <a:solidFill>
+                  <a:schemeClr val="accent3"/>
+                </a:solidFill>
+              </a:rPr>
+              <a:t>u</a:t>
+            </a:r>
+            <a:endParaRPr lang="zh-TW" altLang="en-US" sz="4000" dirty="0" err="1">
+              <a:solidFill>
+                <a:schemeClr val="accent3"/>
+              </a:solidFill>
+            </a:endParaRPr>
+          </a:p>
+        </p:txBody>
+      </p:sp>
+    </p:spTree>
+    <p:extLst>
+      <p:ext uri="{BB962C8B-B14F-4D97-AF65-F5344CB8AC3E}">
+        <p14:creationId xmlns:p14="http://schemas.microsoft.com/office/powerpoint/2010/main" val="4034723819"/>
+      </p:ext>
+    </p:extLst>
+  </p:cSld>
+  <p:clrMapOvr>
+    <a:masterClrMapping/>
+  </p:clrMapOvr>
+</p:sld>
+</file>
+
+<file path=ppt/slides/slide2.xml><?xml version="1.0" encoding="utf-8"?>
+<p:sld xmlns:a="http://schemas.openxmlformats.org/drawingml/2006/main" xmlns:r="http://schemas.openxmlformats.org/officeDocument/2006/relationships" xmlns:p="http://schemas.openxmlformats.org/presentationml/2006/main">
+  <p:cSld>
+    <p:spTree>
+      <p:nvGrpSpPr>
+        <p:cNvPr id="1" name=""/>
+        <p:cNvGrpSpPr/>
+        <p:nvPr/>
+      </p:nvGrpSpPr>
+      <p:grpSpPr>
+        <a:xfrm>
+          <a:off x="0" y="0"/>
+          <a:ext cx="0" cy="0"/>
+          <a:chOff x="0" y="0"/>
+          <a:chExt cx="0" cy="0"/>
+        </a:xfrm>
+      </p:grpSpPr>
+      <p:sp>
+        <p:nvSpPr>
+          <p:cNvPr id="4" name="標題 3"/>
+          <p:cNvSpPr>
+            <a:spLocks noGrp="1"/>
+          </p:cNvSpPr>
+          <p:nvPr>
+            <p:ph type="title" idx="4294967295"/>
+          </p:nvPr>
+        </p:nvSpPr>
+        <p:spPr>
+          <a:xfrm>
+            <a:off x="632520" y="260648"/>
+            <a:ext cx="8640960" cy="681020"/>
+          </a:xfrm>
+          <a:prstGeom prst="rect">
+            <a:avLst/>
+          </a:prstGeom>
+        </p:spPr>
+        <p:txBody>
+          <a:bodyPr>
+            <a:noAutofit/>
+          </a:bodyPr>
+          <a:lstStyle/>
+          <a:p>
+            <a:r>
+              <a:rPr lang="zh-TW" altLang="en-US" sz="4000" dirty="0"/>
+              <a:t>小組成員與分工介紹</a:t>
+            </a:r>
+          </a:p>
+        </p:txBody>
+      </p:sp>
+      <p:graphicFrame>
+        <p:nvGraphicFramePr>
+          <p:cNvPr id="3" name="表格 2"/>
+          <p:cNvGraphicFramePr>
+            <a:graphicFrameLocks noGrp="1"/>
+          </p:cNvGraphicFramePr>
+          <p:nvPr>
+            <p:extLst>
+              <p:ext uri="{D42A27DB-BD31-4B8C-83A1-F6EECF244321}">
+                <p14:modId xmlns:p14="http://schemas.microsoft.com/office/powerpoint/2010/main" val="4170948775"/>
+              </p:ext>
+            </p:extLst>
+          </p:nvPr>
+        </p:nvGraphicFramePr>
+        <p:xfrm>
+          <a:off x="0" y="1071776"/>
+          <a:ext cx="9906000" cy="5597584"/>
+        </p:xfrm>
+        <a:graphic>
+          <a:graphicData uri="http://schemas.openxmlformats.org/drawingml/2006/table">
+            <a:tbl>
+              <a:tblPr firstRow="1" bandRow="1">
+                <a:tableStyleId>{5940675A-B579-460E-94D1-54222C63F5DA}</a:tableStyleId>
+              </a:tblPr>
+              <a:tblGrid>
+                <a:gridCol w="2476500"/>
+                <a:gridCol w="2476500"/>
+                <a:gridCol w="2476500"/>
+                <a:gridCol w="2476500"/>
+              </a:tblGrid>
+              <a:tr h="1925176">
+                <a:tc>
+                  <a:txBody>
+                    <a:bodyPr/>
+                    <a:lstStyle/>
+                    <a:p>
+                      <a:endParaRPr lang="zh-TW" altLang="en-US" dirty="0"/>
+                    </a:p>
+                  </a:txBody>
+                  <a:tcPr/>
+                </a:tc>
+                <a:tc>
+                  <a:txBody>
+                    <a:bodyPr/>
+                    <a:lstStyle/>
+                    <a:p>
+                      <a:endParaRPr lang="zh-TW" altLang="en-US" dirty="0"/>
+                    </a:p>
+                  </a:txBody>
+                  <a:tcPr/>
+                </a:tc>
+                <a:tc>
+                  <a:txBody>
+                    <a:bodyPr/>
+                    <a:lstStyle/>
+                    <a:p>
+                      <a:endParaRPr lang="zh-TW" altLang="en-US" dirty="0"/>
+                    </a:p>
+                  </a:txBody>
+                  <a:tcPr/>
+                </a:tc>
+                <a:tc>
+                  <a:txBody>
+                    <a:bodyPr/>
+                    <a:lstStyle/>
+                    <a:p>
+                      <a:endParaRPr lang="zh-TW" altLang="en-US" dirty="0"/>
+                    </a:p>
+                  </a:txBody>
+                  <a:tcPr/>
+                </a:tc>
+              </a:tr>
+              <a:tr h="432048">
+                <a:tc>
+                  <a:txBody>
+                    <a:bodyPr/>
+                    <a:lstStyle/>
+                    <a:p>
+                      <a:pPr marL="0" indent="0" algn="ctr">
+                        <a:buClr>
+                          <a:srgbClr val="FFC000"/>
+                        </a:buClr>
+                        <a:buFont typeface="Wingdings" pitchFamily="2" charset="2"/>
+                        <a:buNone/>
+                      </a:pPr>
+                      <a:r>
+                        <a:rPr lang="zh-TW" altLang="en-US" sz="2000" b="1" spc="300" dirty="0" smtClean="0">
+                          <a:solidFill>
+                            <a:srgbClr val="FFFFFF"/>
+                          </a:solidFill>
+                        </a:rPr>
+                        <a:t>組長</a:t>
+                      </a:r>
+                      <a:r>
+                        <a:rPr lang="en-US" altLang="zh-TW" sz="2000" b="1" spc="300" dirty="0" smtClean="0">
+                          <a:solidFill>
+                            <a:srgbClr val="FFFFFF"/>
+                          </a:solidFill>
+                        </a:rPr>
+                        <a:t>:</a:t>
+                      </a:r>
+                      <a:r>
+                        <a:rPr lang="zh-TW" altLang="en-US" sz="2000" b="1" spc="300" dirty="0" smtClean="0">
+                          <a:solidFill>
+                            <a:srgbClr val="FFFFFF"/>
+                          </a:solidFill>
+                        </a:rPr>
+                        <a:t>蔡佳樺</a:t>
+                      </a:r>
+                      <a:endParaRPr lang="en-US" altLang="zh-TW" sz="2000" b="1" spc="300" dirty="0" smtClean="0">
+                        <a:solidFill>
+                          <a:srgbClr val="FFFFFF"/>
+                        </a:solidFill>
+                      </a:endParaRPr>
+                    </a:p>
+                    <a:p>
+                      <a:pPr marL="0" indent="0" algn="ctr">
+                        <a:buClr>
+                          <a:srgbClr val="FFC000"/>
+                        </a:buClr>
+                        <a:buFont typeface="Wingdings" pitchFamily="2" charset="2"/>
+                        <a:buNone/>
+                      </a:pPr>
+                      <a:endParaRPr lang="en-US" altLang="zh-TW" sz="2000" b="1" spc="300" dirty="0" smtClean="0">
+                        <a:solidFill>
+                          <a:srgbClr val="FFFFFF"/>
+                        </a:solidFill>
+                      </a:endParaRPr>
+                    </a:p>
+                  </a:txBody>
+                  <a:tcPr/>
+                </a:tc>
+                <a:tc>
+                  <a:txBody>
+                    <a:bodyPr/>
+                    <a:lstStyle/>
+                    <a:p>
+                      <a:pPr marL="0" indent="0" algn="ctr">
+                        <a:buClr>
+                          <a:schemeClr val="accent4"/>
+                        </a:buClr>
+                        <a:buFont typeface="Wingdings" pitchFamily="2" charset="2"/>
+                        <a:buNone/>
+                      </a:pPr>
+                      <a:r>
+                        <a:rPr lang="zh-TW" altLang="en-US" sz="2000" b="1" spc="300" dirty="0" smtClean="0">
+                          <a:solidFill>
+                            <a:srgbClr val="FFFFFF"/>
+                          </a:solidFill>
+                        </a:rPr>
+                        <a:t>組員</a:t>
+                      </a:r>
+                      <a:r>
+                        <a:rPr lang="en-US" altLang="zh-TW" sz="2000" b="1" spc="300" dirty="0" smtClean="0">
+                          <a:solidFill>
+                            <a:srgbClr val="FFFFFF"/>
+                          </a:solidFill>
+                        </a:rPr>
+                        <a:t>:</a:t>
+                      </a:r>
+                      <a:r>
+                        <a:rPr lang="zh-TW" altLang="en-US" sz="2000" b="1" spc="300" dirty="0" smtClean="0">
+                          <a:solidFill>
+                            <a:srgbClr val="FFFFFF"/>
+                          </a:solidFill>
+                        </a:rPr>
+                        <a:t>鍾孟穎</a:t>
+                      </a:r>
+                      <a:endParaRPr lang="en-US" altLang="zh-TW" sz="2000" b="1" spc="300" dirty="0" smtClean="0">
+                        <a:solidFill>
+                          <a:srgbClr val="FFFFFF"/>
+                        </a:solidFill>
+                      </a:endParaRPr>
+                    </a:p>
+                  </a:txBody>
+                  <a:tcPr/>
+                </a:tc>
+                <a:tc>
+                  <a:txBody>
+                    <a:bodyPr/>
+                    <a:lstStyle/>
+                    <a:p>
+                      <a:pPr marL="0" indent="0" algn="ctr">
+                        <a:buClr>
+                          <a:schemeClr val="accent4"/>
+                        </a:buClr>
+                        <a:buFont typeface="Wingdings" pitchFamily="2" charset="2"/>
+                        <a:buNone/>
+                      </a:pPr>
+                      <a:r>
+                        <a:rPr lang="zh-TW" altLang="en-US" sz="2000" b="1" spc="300" dirty="0" smtClean="0">
+                          <a:solidFill>
+                            <a:srgbClr val="FFFFFF"/>
+                          </a:solidFill>
+                        </a:rPr>
+                        <a:t>組員</a:t>
+                      </a:r>
+                      <a:r>
+                        <a:rPr lang="en-US" altLang="zh-TW" sz="2000" b="1" spc="300" dirty="0" smtClean="0">
+                          <a:solidFill>
+                            <a:srgbClr val="FFFFFF"/>
+                          </a:solidFill>
+                        </a:rPr>
+                        <a:t>:</a:t>
+                      </a:r>
+                      <a:r>
+                        <a:rPr lang="zh-TW" altLang="en-US" sz="2000" b="1" spc="300" dirty="0" smtClean="0">
+                          <a:solidFill>
+                            <a:srgbClr val="FFFFFF"/>
+                          </a:solidFill>
+                        </a:rPr>
+                        <a:t>林宜芬</a:t>
+                      </a:r>
+                      <a:endParaRPr lang="zh-TW" altLang="en-US" sz="2000" b="1" spc="300" dirty="0">
+                        <a:solidFill>
+                          <a:srgbClr val="FFFFFF"/>
+                        </a:solidFill>
+                      </a:endParaRPr>
+                    </a:p>
+                  </a:txBody>
+                  <a:tcPr/>
+                </a:tc>
+                <a:tc>
+                  <a:txBody>
+                    <a:bodyPr/>
+                    <a:lstStyle/>
+                    <a:p>
+                      <a:pPr marL="0" indent="0" algn="ctr">
+                        <a:buClr>
+                          <a:schemeClr val="accent4"/>
+                        </a:buClr>
+                        <a:buFont typeface="Wingdings" pitchFamily="2" charset="2"/>
+                        <a:buNone/>
+                      </a:pPr>
+                      <a:r>
+                        <a:rPr lang="zh-TW" altLang="en-US" sz="2000" b="1" spc="300" dirty="0" smtClean="0">
+                          <a:solidFill>
+                            <a:srgbClr val="FFFFFF"/>
+                          </a:solidFill>
+                        </a:rPr>
+                        <a:t>組員</a:t>
+                      </a:r>
+                      <a:r>
+                        <a:rPr lang="en-US" altLang="zh-TW" sz="2000" b="1" spc="300" dirty="0" smtClean="0">
+                          <a:solidFill>
+                            <a:srgbClr val="FFFFFF"/>
+                          </a:solidFill>
+                        </a:rPr>
+                        <a:t>:</a:t>
+                      </a:r>
+                      <a:r>
+                        <a:rPr lang="zh-TW" altLang="en-US" sz="2000" b="1" spc="300" dirty="0" smtClean="0">
+                          <a:solidFill>
+                            <a:srgbClr val="FFFFFF"/>
+                          </a:solidFill>
+                        </a:rPr>
+                        <a:t>賴威宇</a:t>
+                      </a:r>
+                      <a:endParaRPr lang="zh-TW" altLang="en-US" sz="2000" b="1" spc="300" dirty="0">
+                        <a:solidFill>
+                          <a:srgbClr val="FFFFFF"/>
+                        </a:solidFill>
+                      </a:endParaRPr>
+                    </a:p>
+                  </a:txBody>
+                  <a:tcPr/>
+                </a:tc>
+              </a:tr>
+              <a:tr h="2971368">
+                <a:tc>
+                  <a:txBody>
+                    <a:bodyPr/>
+                    <a:lstStyle/>
+                    <a:p>
+                      <a:pPr marL="342900" indent="-342900" algn="ctr">
+                        <a:buClr>
+                          <a:srgbClr val="FFC000"/>
+                        </a:buClr>
+                        <a:buFont typeface="Wingdings" pitchFamily="2" charset="2"/>
+                        <a:buChar char="u"/>
+                      </a:pPr>
+                      <a:r>
+                        <a:rPr lang="zh-TW" altLang="en-US" sz="2000" b="1" spc="300" dirty="0" smtClean="0">
+                          <a:solidFill>
+                            <a:srgbClr val="FFFFFF"/>
+                          </a:solidFill>
+                        </a:rPr>
+                        <a:t>規劃</a:t>
+                      </a:r>
+                      <a:endParaRPr lang="en-US" altLang="zh-TW" sz="2000" b="1" spc="300" dirty="0" smtClean="0">
+                        <a:solidFill>
+                          <a:srgbClr val="FFFFFF"/>
+                        </a:solidFill>
+                      </a:endParaRPr>
+                    </a:p>
+                  </a:txBody>
+                  <a:tcPr/>
+                </a:tc>
+                <a:tc>
+                  <a:txBody>
+                    <a:bodyPr/>
+                    <a:lstStyle/>
+                    <a:p>
+                      <a:pPr marL="342900" indent="-342900" algn="ctr">
+                        <a:buClr>
+                          <a:schemeClr val="accent4"/>
+                        </a:buClr>
+                        <a:buFont typeface="Wingdings" pitchFamily="2" charset="2"/>
+                        <a:buChar char="u"/>
+                      </a:pPr>
+                      <a:r>
+                        <a:rPr lang="zh-TW" altLang="en-US" sz="2000" b="1" spc="300" dirty="0" smtClean="0">
+                          <a:solidFill>
+                            <a:srgbClr val="FFFFFF"/>
+                          </a:solidFill>
+                        </a:rPr>
+                        <a:t>設計</a:t>
+                      </a:r>
+                      <a:endParaRPr lang="zh-TW" altLang="en-US" sz="2000" b="1" spc="300" dirty="0">
+                        <a:solidFill>
+                          <a:srgbClr val="FFFFFF"/>
+                        </a:solidFill>
+                      </a:endParaRPr>
+                    </a:p>
+                  </a:txBody>
+                  <a:tcPr/>
+                </a:tc>
+                <a:tc>
+                  <a:txBody>
+                    <a:bodyPr/>
+                    <a:lstStyle/>
+                    <a:p>
+                      <a:pPr marL="285750" indent="-285750" algn="ctr">
+                        <a:buClr>
+                          <a:schemeClr val="accent4"/>
+                        </a:buClr>
+                        <a:buFont typeface="Wingdings" pitchFamily="2" charset="2"/>
+                        <a:buChar char="u"/>
+                      </a:pPr>
+                      <a:r>
+                        <a:rPr lang="zh-TW" altLang="en-US" sz="2000" b="1" spc="300" dirty="0" smtClean="0">
+                          <a:solidFill>
+                            <a:srgbClr val="FFFFFF"/>
+                          </a:solidFill>
+                        </a:rPr>
+                        <a:t>地圖</a:t>
+                      </a:r>
+                      <a:endParaRPr lang="zh-TW" altLang="en-US" sz="2000" b="1" spc="300" dirty="0">
+                        <a:solidFill>
+                          <a:srgbClr val="FFFFFF"/>
+                        </a:solidFill>
+                      </a:endParaRPr>
+                    </a:p>
+                  </a:txBody>
+                  <a:tcPr/>
+                </a:tc>
+                <a:tc>
+                  <a:txBody>
+                    <a:bodyPr/>
+                    <a:lstStyle/>
+                    <a:p>
+                      <a:pPr marL="285750" indent="-285750" algn="ctr">
+                        <a:buClr>
+                          <a:schemeClr val="accent4"/>
+                        </a:buClr>
+                        <a:buFont typeface="Wingdings" pitchFamily="2" charset="2"/>
+                        <a:buChar char="u"/>
+                      </a:pPr>
+                      <a:r>
+                        <a:rPr lang="zh-TW" altLang="en-US" sz="2000" b="1" spc="300" dirty="0" smtClean="0">
+                          <a:solidFill>
+                            <a:srgbClr val="FFFFFF"/>
+                          </a:solidFill>
+                        </a:rPr>
+                        <a:t>管理系統</a:t>
+                      </a:r>
+                      <a:endParaRPr lang="zh-TW" altLang="en-US" sz="2000" b="1" spc="300" dirty="0">
+                        <a:solidFill>
+                          <a:srgbClr val="FFFFFF"/>
+                        </a:solidFill>
+                      </a:endParaRPr>
+                    </a:p>
+                  </a:txBody>
+                  <a:tcPr/>
+                </a:tc>
+              </a:tr>
+            </a:tbl>
+          </a:graphicData>
+        </a:graphic>
+      </p:graphicFrame>
+      <p:sp>
+        <p:nvSpPr>
+          <p:cNvPr id="5" name="圓角矩形 4"/>
+          <p:cNvSpPr/>
+          <p:nvPr/>
+        </p:nvSpPr>
+        <p:spPr>
+          <a:xfrm>
+            <a:off x="200472" y="1340768"/>
+            <a:ext cx="1944216" cy="1434459"/>
+          </a:xfrm>
+          <a:prstGeom prst="roundRect">
+            <a:avLst/>
+          </a:prstGeom>
+          <a:ln/>
+        </p:spPr>
+        <p:style>
+          <a:lnRef idx="1">
+            <a:schemeClr val="accent4"/>
+          </a:lnRef>
+          <a:fillRef idx="3">
+            <a:schemeClr val="accent4"/>
+          </a:fillRef>
+          <a:effectRef idx="2">
+            <a:schemeClr val="accent4"/>
+          </a:effectRef>
+          <a:fontRef idx="minor">
+            <a:schemeClr val="lt1"/>
+          </a:fontRef>
+        </p:style>
+        <p:txBody>
+          <a:bodyPr rtlCol="0" anchor="ctr"/>
+          <a:lstStyle/>
+          <a:p>
+            <a:pPr algn="ctr"/>
+            <a:endParaRPr lang="zh-TW" altLang="en-US"/>
+          </a:p>
+        </p:txBody>
+      </p:sp>
+      <p:sp>
+        <p:nvSpPr>
+          <p:cNvPr id="6" name="圓角矩形 5"/>
+          <p:cNvSpPr/>
+          <p:nvPr/>
+        </p:nvSpPr>
+        <p:spPr>
+          <a:xfrm>
+            <a:off x="2720752" y="1340768"/>
+            <a:ext cx="2016224" cy="1440348"/>
+          </a:xfrm>
+          <a:prstGeom prst="roundRect">
+            <a:avLst/>
+          </a:prstGeom>
+          <a:ln/>
+        </p:spPr>
+        <p:style>
+          <a:lnRef idx="1">
+            <a:schemeClr val="accent4"/>
+          </a:lnRef>
+          <a:fillRef idx="3">
+            <a:schemeClr val="accent4"/>
+          </a:fillRef>
+          <a:effectRef idx="2">
+            <a:schemeClr val="accent4"/>
+          </a:effectRef>
+          <a:fontRef idx="minor">
+            <a:schemeClr val="lt1"/>
+          </a:fontRef>
+        </p:style>
+        <p:txBody>
+          <a:bodyPr rtlCol="0" anchor="ctr"/>
+          <a:lstStyle/>
+          <a:p>
+            <a:pPr algn="ctr"/>
+            <a:endParaRPr lang="zh-TW" altLang="en-US"/>
+          </a:p>
+        </p:txBody>
+      </p:sp>
+      <p:sp>
+        <p:nvSpPr>
+          <p:cNvPr id="7" name="圓角矩形 6"/>
+          <p:cNvSpPr/>
+          <p:nvPr/>
+        </p:nvSpPr>
+        <p:spPr>
+          <a:xfrm>
+            <a:off x="5196855" y="1340768"/>
+            <a:ext cx="1928664" cy="1480567"/>
+          </a:xfrm>
+          <a:prstGeom prst="roundRect">
+            <a:avLst/>
+          </a:prstGeom>
+          <a:ln/>
+        </p:spPr>
+        <p:style>
+          <a:lnRef idx="1">
+            <a:schemeClr val="accent4"/>
+          </a:lnRef>
+          <a:fillRef idx="3">
+            <a:schemeClr val="accent4"/>
+          </a:fillRef>
+          <a:effectRef idx="2">
+            <a:schemeClr val="accent4"/>
+          </a:effectRef>
+          <a:fontRef idx="minor">
+            <a:schemeClr val="lt1"/>
+          </a:fontRef>
+        </p:style>
+        <p:txBody>
+          <a:bodyPr rtlCol="0" anchor="ctr"/>
+          <a:lstStyle/>
+          <a:p>
+            <a:pPr algn="ctr"/>
+            <a:endParaRPr lang="zh-TW" altLang="en-US"/>
+          </a:p>
+        </p:txBody>
+      </p:sp>
+      <p:sp>
+        <p:nvSpPr>
+          <p:cNvPr id="8" name="圓角矩形 7"/>
+          <p:cNvSpPr/>
+          <p:nvPr/>
+        </p:nvSpPr>
+        <p:spPr>
+          <a:xfrm>
+            <a:off x="7689304" y="1340768"/>
+            <a:ext cx="2016224" cy="1480567"/>
+          </a:xfrm>
+          <a:prstGeom prst="roundRect">
+            <a:avLst/>
+          </a:prstGeom>
+          <a:ln/>
+        </p:spPr>
+        <p:style>
+          <a:lnRef idx="1">
+            <a:schemeClr val="accent4"/>
+          </a:lnRef>
+          <a:fillRef idx="3">
+            <a:schemeClr val="accent4"/>
+          </a:fillRef>
+          <a:effectRef idx="2">
+            <a:schemeClr val="accent4"/>
+          </a:effectRef>
+          <a:fontRef idx="minor">
+            <a:schemeClr val="lt1"/>
+          </a:fontRef>
+        </p:style>
+        <p:txBody>
+          <a:bodyPr rtlCol="0" anchor="ctr"/>
+          <a:lstStyle/>
+          <a:p>
+            <a:pPr algn="ctr"/>
+            <a:endParaRPr lang="zh-TW" altLang="en-US"/>
+          </a:p>
+        </p:txBody>
+      </p:sp>
+      <p:sp>
+        <p:nvSpPr>
+          <p:cNvPr id="9" name="文字方塊 8"/>
+          <p:cNvSpPr txBox="1"/>
+          <p:nvPr/>
+        </p:nvSpPr>
+        <p:spPr>
+          <a:xfrm>
+            <a:off x="524508" y="1844824"/>
+            <a:ext cx="1296144" cy="523220"/>
+          </a:xfrm>
+          <a:prstGeom prst="rect">
+            <a:avLst/>
+          </a:prstGeom>
+          <a:noFill/>
+        </p:spPr>
+        <p:txBody>
+          <a:bodyPr wrap="square" rtlCol="0">
+            <a:spAutoFit/>
+          </a:bodyPr>
+          <a:lstStyle/>
+          <a:p>
+            <a:r>
+              <a:rPr lang="zh-TW" altLang="en-US" sz="2800" dirty="0">
+                <a:solidFill>
+                  <a:schemeClr val="tx1">
+                    <a:lumMod val="75000"/>
+                  </a:schemeClr>
+                </a:solidFill>
+              </a:rPr>
+              <a:t>大頭貼</a:t>
+            </a:r>
+            <a:endParaRPr lang="zh-TW" altLang="en-US" sz="2800" dirty="0" smtClean="0">
+              <a:solidFill>
+                <a:schemeClr val="tx1">
+                  <a:lumMod val="75000"/>
+                </a:schemeClr>
+              </a:solidFill>
+            </a:endParaRPr>
+          </a:p>
+        </p:txBody>
+      </p:sp>
+      <p:sp>
+        <p:nvSpPr>
+          <p:cNvPr id="11" name="文字方塊 10"/>
+          <p:cNvSpPr txBox="1"/>
+          <p:nvPr/>
+        </p:nvSpPr>
+        <p:spPr>
+          <a:xfrm>
+            <a:off x="3044788" y="1844824"/>
+            <a:ext cx="1296144" cy="523220"/>
+          </a:xfrm>
+          <a:prstGeom prst="rect">
+            <a:avLst/>
+          </a:prstGeom>
+          <a:noFill/>
+        </p:spPr>
+        <p:txBody>
+          <a:bodyPr wrap="square" rtlCol="0">
+            <a:spAutoFit/>
+          </a:bodyPr>
+          <a:lstStyle/>
+          <a:p>
+            <a:r>
+              <a:rPr lang="zh-TW" altLang="en-US" sz="2800" dirty="0">
+                <a:solidFill>
+                  <a:schemeClr val="tx1">
+                    <a:lumMod val="75000"/>
+                  </a:schemeClr>
+                </a:solidFill>
+              </a:rPr>
+              <a:t>大頭貼</a:t>
+            </a:r>
+            <a:endParaRPr lang="zh-TW" altLang="en-US" sz="2800" dirty="0" smtClean="0">
+              <a:solidFill>
+                <a:schemeClr val="tx1">
+                  <a:lumMod val="75000"/>
+                </a:schemeClr>
+              </a:solidFill>
+            </a:endParaRPr>
+          </a:p>
+        </p:txBody>
+      </p:sp>
+      <p:sp>
+        <p:nvSpPr>
+          <p:cNvPr id="12" name="文字方塊 11"/>
+          <p:cNvSpPr txBox="1"/>
+          <p:nvPr/>
+        </p:nvSpPr>
+        <p:spPr>
+          <a:xfrm>
+            <a:off x="5513115" y="1844824"/>
+            <a:ext cx="1296144" cy="523220"/>
+          </a:xfrm>
+          <a:prstGeom prst="rect">
+            <a:avLst/>
+          </a:prstGeom>
+          <a:noFill/>
+        </p:spPr>
+        <p:txBody>
+          <a:bodyPr wrap="square" rtlCol="0">
+            <a:spAutoFit/>
+          </a:bodyPr>
+          <a:lstStyle/>
+          <a:p>
+            <a:r>
+              <a:rPr lang="zh-TW" altLang="en-US" sz="2800" dirty="0">
+                <a:solidFill>
+                  <a:schemeClr val="tx1">
+                    <a:lumMod val="75000"/>
+                  </a:schemeClr>
+                </a:solidFill>
+              </a:rPr>
+              <a:t>大頭貼</a:t>
+            </a:r>
+            <a:endParaRPr lang="zh-TW" altLang="en-US" sz="2800" dirty="0" smtClean="0">
+              <a:solidFill>
+                <a:schemeClr val="tx1">
+                  <a:lumMod val="75000"/>
+                </a:schemeClr>
+              </a:solidFill>
+            </a:endParaRPr>
+          </a:p>
+        </p:txBody>
+      </p:sp>
+      <p:sp>
+        <p:nvSpPr>
+          <p:cNvPr id="13" name="文字方塊 12"/>
+          <p:cNvSpPr txBox="1"/>
+          <p:nvPr/>
+        </p:nvSpPr>
+        <p:spPr>
+          <a:xfrm>
+            <a:off x="8049344" y="1844824"/>
+            <a:ext cx="1296144" cy="523220"/>
+          </a:xfrm>
+          <a:prstGeom prst="rect">
+            <a:avLst/>
+          </a:prstGeom>
+          <a:noFill/>
+        </p:spPr>
+        <p:txBody>
+          <a:bodyPr wrap="square" rtlCol="0">
+            <a:spAutoFit/>
+          </a:bodyPr>
+          <a:lstStyle/>
+          <a:p>
+            <a:r>
+              <a:rPr lang="zh-TW" altLang="en-US" sz="2800" dirty="0">
+                <a:solidFill>
+                  <a:schemeClr val="tx1">
+                    <a:lumMod val="75000"/>
+                  </a:schemeClr>
+                </a:solidFill>
+              </a:rPr>
+              <a:t>大頭貼</a:t>
+            </a:r>
+            <a:endParaRPr lang="zh-TW" altLang="en-US" sz="2800" dirty="0" smtClean="0">
+              <a:solidFill>
+                <a:schemeClr val="tx1">
+                  <a:lumMod val="75000"/>
+                </a:schemeClr>
+              </a:solidFill>
+            </a:endParaRPr>
+          </a:p>
+        </p:txBody>
+      </p:sp>
+    </p:spTree>
+    <p:extLst>
+      <p:ext uri="{BB962C8B-B14F-4D97-AF65-F5344CB8AC3E}">
+        <p14:creationId xmlns:p14="http://schemas.microsoft.com/office/powerpoint/2010/main" val="1179930141"/>
+      </p:ext>
+    </p:extLst>
+  </p:cSld>
+  <p:clrMapOvr>
+    <a:masterClrMapping/>
+  </p:clrMapOvr>
+  <p:timing>
+    <p:tnLst>
+      <p:par>
+        <p:cTn id="1" dur="indefinite" restart="never" nodeType="tmRoot"/>
+      </p:par>
+    </p:tnLst>
+  </p:timing>
+</p:sld>
+</file>
+
+<file path=ppt/slides/slide3.xml><?xml version="1.0" encoding="utf-8"?>
+<p:sld xmlns:a="http://schemas.openxmlformats.org/drawingml/2006/main" xmlns:r="http://schemas.openxmlformats.org/officeDocument/2006/relationships" xmlns:p="http://schemas.openxmlformats.org/presentationml/2006/main">
+  <p:cSld>
+    <p:spTree>
+      <p:nvGrpSpPr>
+        <p:cNvPr id="1" name=""/>
+        <p:cNvGrpSpPr/>
+        <p:nvPr/>
+      </p:nvGrpSpPr>
+      <p:grpSpPr>
+        <a:xfrm>
+          <a:off x="0" y="0"/>
+          <a:ext cx="0" cy="0"/>
+          <a:chOff x="0" y="0"/>
+          <a:chExt cx="0" cy="0"/>
+        </a:xfrm>
+      </p:grpSpPr>
+      <p:sp>
+        <p:nvSpPr>
+          <p:cNvPr id="4" name="標題 3"/>
+          <p:cNvSpPr>
+            <a:spLocks noGrp="1"/>
+          </p:cNvSpPr>
+          <p:nvPr>
+            <p:ph type="title" idx="4294967295"/>
+          </p:nvPr>
+        </p:nvSpPr>
+        <p:spPr>
+          <a:xfrm>
+            <a:off x="705120" y="286504"/>
+            <a:ext cx="8640960" cy="692696"/>
+          </a:xfrm>
+          <a:prstGeom prst="rect">
+            <a:avLst/>
+          </a:prstGeom>
+        </p:spPr>
+        <p:txBody>
+          <a:bodyPr>
+            <a:noAutofit/>
+          </a:bodyPr>
+          <a:lstStyle/>
+          <a:p>
+            <a:r>
+              <a:rPr lang="zh-TW" altLang="en-US" sz="4000" dirty="0" smtClean="0"/>
+              <a:t>目錄</a:t>
+            </a:r>
+            <a:endParaRPr lang="zh-TW" altLang="en-US" sz="4000" dirty="0"/>
           </a:p>
         </p:txBody>
       </p:sp>
@@ -4837,15 +7135,40 @@
         </p:nvSpPr>
         <p:spPr bwMode="ltGray">
           <a:xfrm>
-            <a:off x="1065600" y="979200"/>
-            <a:ext cx="7920000" cy="4824536"/>
+            <a:off x="729655" y="1124744"/>
+            <a:ext cx="8640960" cy="5112568"/>
           </a:xfrm>
           <a:prstGeom prst="rect">
             <a:avLst/>
           </a:prstGeom>
+          <a:solidFill>
+            <a:srgbClr val="FFF7EF"/>
+          </a:solidFill>
+          <a:effectLst>
+            <a:outerShdw blurRad="57150" dist="19050" dir="5400000" algn="ctr" rotWithShape="0">
+              <a:srgbClr val="000000">
+                <a:alpha val="63000"/>
+              </a:srgbClr>
+            </a:outerShdw>
+            <a:softEdge rad="31750"/>
+          </a:effectLst>
         </p:spPr>
+        <p:style>
+          <a:lnRef idx="0">
+            <a:schemeClr val="accent4"/>
+          </a:lnRef>
+          <a:fillRef idx="3">
+            <a:schemeClr val="accent4"/>
+          </a:fillRef>
+          <a:effectRef idx="3">
+            <a:schemeClr val="accent4"/>
+          </a:effectRef>
+          <a:fontRef idx="minor">
+            <a:schemeClr val="lt1"/>
+          </a:fontRef>
+        </p:style>
         <p:txBody>
-          <a:bodyPr vert="horz" lIns="91440" tIns="45720" rIns="91440" bIns="45720" rtlCol="0">
+          <a:bodyPr vert="horz" lIns="91440" tIns="45720" rIns="91440" bIns="45720" rtlCol="0" anchor="ctr">
             <a:noAutofit/>
           </a:bodyPr>
           <a:lstStyle>
@@ -5034,427 +7357,414 @@
             </a:lvl9pPr>
           </a:lstStyle>
           <a:p>
-            <a:pPr>
-              <a:lnSpc>
-                <a:spcPts val="3600"/>
-              </a:lnSpc>
-              <a:buFont typeface="Wingdings" panose="05000000000000000000" pitchFamily="2" charset="2"/>
-              <a:buChar char="l"/>
+            <a:pPr marL="876300" lvl="1" indent="-514350">
+              <a:buClr>
+                <a:schemeClr val="tx1">
+                  <a:lumMod val="75000"/>
+                </a:schemeClr>
+              </a:buClr>
+              <a:buFont typeface="+mj-lt"/>
+              <a:buAutoNum type="arabicPeriod"/>
             </a:pPr>
             <a:r>
-              <a:rPr kumimoji="0" lang="zh-TW" altLang="en-US" sz="3200" b="1" i="0" u="none" strike="noStrike" kern="1200" cap="none" spc="0" normalizeH="0" baseline="0" noProof="0" dirty="0">
+              <a:rPr kumimoji="0" lang="zh-TW" altLang="en-US" sz="3000" i="0" u="none" strike="noStrike" kern="1200" cap="none" spc="0" normalizeH="0" baseline="0" noProof="0" dirty="0" smtClean="0">
                 <a:ln>
                   <a:noFill/>
                 </a:ln>
                 <a:solidFill>
-                  <a:schemeClr val="bg1"/>
+                  <a:schemeClr val="bg2">
+                    <a:lumMod val="10000"/>
+                  </a:schemeClr>
                 </a:solidFill>
                 <a:effectLst/>
                 <a:uLnTx/>
                 <a:uFillTx/>
-                <a:latin typeface="微軟正黑體" pitchFamily="34" charset="-120"/>
-                <a:ea typeface="微軟正黑體" pitchFamily="34" charset="-120"/>
-                <a:cs typeface="+mn-cs"/>
               </a:rPr>
-              <a:t>開發技術 </a:t>
-            </a:r>
-            <a:r>
-              <a:rPr kumimoji="0" lang="en-US" altLang="zh-TW" sz="3200" b="1" i="0" u="none" strike="noStrike" kern="1200" cap="none" spc="0" normalizeH="0" baseline="0" noProof="0" dirty="0">
+              <a:t>開發</a:t>
+            </a:r>
+            <a:r>
+              <a:rPr kumimoji="0" lang="zh-TW" altLang="en-US" sz="3000" i="0" u="none" strike="noStrike" kern="1200" cap="none" spc="0" normalizeH="0" baseline="0" noProof="0" dirty="0">
                 <a:ln>
                   <a:noFill/>
                 </a:ln>
                 <a:solidFill>
-                  <a:schemeClr val="bg1"/>
+                  <a:schemeClr val="bg2">
+                    <a:lumMod val="10000"/>
+                  </a:schemeClr>
                 </a:solidFill>
                 <a:effectLst/>
                 <a:uLnTx/>
                 <a:uFillTx/>
-                <a:latin typeface="微軟正黑體" pitchFamily="34" charset="-120"/>
-                <a:ea typeface="微軟正黑體" pitchFamily="34" charset="-120"/>
-                <a:cs typeface="+mn-cs"/>
               </a:rPr>
-              <a:t>| </a:t>
-            </a:r>
-            <a:r>
-              <a:rPr kumimoji="0" lang="zh-TW" altLang="en-US" sz="3200" b="1" i="0" u="none" strike="noStrike" kern="1200" cap="none" spc="0" normalizeH="0" baseline="0" noProof="0" dirty="0">
+              <a:t>技術 </a:t>
+            </a:r>
+            <a:r>
+              <a:rPr kumimoji="0" lang="en-US" altLang="zh-TW" sz="3000" i="0" u="none" strike="noStrike" kern="1200" cap="none" spc="0" normalizeH="0" baseline="0" noProof="0" dirty="0">
                 <a:ln>
                   <a:noFill/>
                 </a:ln>
                 <a:solidFill>
-                  <a:schemeClr val="bg1"/>
+                  <a:schemeClr val="bg2">
+                    <a:lumMod val="10000"/>
+                  </a:schemeClr>
                 </a:solidFill>
                 <a:effectLst/>
                 <a:uLnTx/>
                 <a:uFillTx/>
-                <a:latin typeface="微軟正黑體" pitchFamily="34" charset="-120"/>
-                <a:ea typeface="微軟正黑體" pitchFamily="34" charset="-120"/>
-                <a:cs typeface="+mn-cs"/>
               </a:rPr>
-              <a:t>使用工具</a:t>
-            </a:r>
-          </a:p>
-          <a:p>
-            <a:pPr>
-              <a:lnSpc>
-                <a:spcPts val="3600"/>
-              </a:lnSpc>
-              <a:buFont typeface="Wingdings" panose="05000000000000000000" pitchFamily="2" charset="2"/>
-              <a:buChar char="l"/>
-            </a:pPr>
-            <a:r>
-              <a:rPr kumimoji="0" lang="zh-TW" altLang="en-US" sz="3200" b="1" i="0" u="none" strike="noStrike" kern="1200" cap="none" spc="0" normalizeH="0" baseline="0" noProof="0" dirty="0">
+              <a:t>| </a:t>
+            </a:r>
+            <a:r>
+              <a:rPr kumimoji="0" lang="zh-TW" altLang="en-US" sz="3000" i="0" u="none" strike="noStrike" kern="1200" cap="none" spc="0" normalizeH="0" baseline="0" noProof="0" dirty="0">
                 <a:ln>
                   <a:noFill/>
                 </a:ln>
                 <a:solidFill>
-                  <a:schemeClr val="bg1"/>
+                  <a:schemeClr val="bg2">
+                    <a:lumMod val="10000"/>
+                  </a:schemeClr>
                 </a:solidFill>
                 <a:effectLst/>
                 <a:uLnTx/>
                 <a:uFillTx/>
-                <a:latin typeface="微軟正黑體" pitchFamily="34" charset="-120"/>
-                <a:ea typeface="微軟正黑體" pitchFamily="34" charset="-120"/>
-                <a:cs typeface="+mn-cs"/>
               </a:rPr>
-              <a:t>動機和目的</a:t>
-            </a:r>
-          </a:p>
-          <a:p>
-            <a:pPr>
-              <a:lnSpc>
-                <a:spcPts val="3600"/>
-              </a:lnSpc>
-              <a:buFont typeface="Wingdings" panose="05000000000000000000" pitchFamily="2" charset="2"/>
-              <a:buChar char="l"/>
-            </a:pPr>
-            <a:r>
-              <a:rPr kumimoji="0" lang="zh-TW" altLang="en-US" sz="3200" b="1" i="0" u="none" strike="noStrike" kern="1200" cap="none" spc="0" normalizeH="0" baseline="0" noProof="0" dirty="0">
+              <a:t>使用</a:t>
+            </a:r>
+            <a:r>
+              <a:rPr kumimoji="0" lang="zh-TW" altLang="en-US" sz="3000" i="0" u="none" strike="noStrike" kern="1200" cap="none" spc="0" normalizeH="0" baseline="0" noProof="0" dirty="0" smtClean="0">
                 <a:ln>
                   <a:noFill/>
                 </a:ln>
                 <a:solidFill>
-                  <a:schemeClr val="bg1"/>
+                  <a:schemeClr val="bg2">
+                    <a:lumMod val="10000"/>
+                  </a:schemeClr>
                 </a:solidFill>
                 <a:effectLst/>
                 <a:uLnTx/>
                 <a:uFillTx/>
-                <a:latin typeface="微軟正黑體" pitchFamily="34" charset="-120"/>
-                <a:ea typeface="微軟正黑體" pitchFamily="34" charset="-120"/>
-                <a:cs typeface="+mn-cs"/>
+              </a:rPr>
+              <a:t>工具</a:t>
+            </a:r>
+            <a:endParaRPr kumimoji="0" lang="en-US" altLang="zh-TW" sz="3000" i="0" u="none" strike="noStrike" kern="1200" cap="none" spc="0" normalizeH="0" baseline="0" noProof="0" dirty="0" smtClean="0">
+              <a:ln>
+                <a:noFill/>
+              </a:ln>
+              <a:solidFill>
+                <a:schemeClr val="bg2">
+                  <a:lumMod val="10000"/>
+                </a:schemeClr>
+              </a:solidFill>
+              <a:effectLst/>
+              <a:uLnTx/>
+              <a:uFillTx/>
+            </a:endParaRPr>
+          </a:p>
+          <a:p>
+            <a:pPr marL="876300" lvl="1" indent="-514350">
+              <a:buClr>
+                <a:schemeClr val="tx1">
+                  <a:lumMod val="75000"/>
+                </a:schemeClr>
+              </a:buClr>
+              <a:buFont typeface="+mj-lt"/>
+              <a:buAutoNum type="arabicPeriod"/>
+            </a:pPr>
+            <a:r>
+              <a:rPr lang="zh-TW" altLang="en-US" sz="3000" dirty="0">
+                <a:solidFill>
+                  <a:schemeClr val="bg2">
+                    <a:lumMod val="10000"/>
+                  </a:schemeClr>
+                </a:solidFill>
+              </a:rPr>
+              <a:t>動機和目的</a:t>
+            </a:r>
+          </a:p>
+          <a:p>
+            <a:pPr marL="876300" lvl="1" indent="-514350">
+              <a:buClr>
+                <a:schemeClr val="tx1">
+                  <a:lumMod val="75000"/>
+                </a:schemeClr>
+              </a:buClr>
+              <a:buFont typeface="+mj-lt"/>
+              <a:buAutoNum type="arabicPeriod"/>
+            </a:pPr>
+            <a:r>
+              <a:rPr lang="zh-TW" altLang="en-US" sz="3000" dirty="0">
+                <a:solidFill>
+                  <a:schemeClr val="bg2">
+                    <a:lumMod val="10000"/>
+                  </a:schemeClr>
+                </a:solidFill>
               </a:rPr>
               <a:t>目標客群</a:t>
             </a:r>
           </a:p>
           <a:p>
-            <a:pPr>
-              <a:lnSpc>
-                <a:spcPts val="3600"/>
-              </a:lnSpc>
-              <a:buFont typeface="Wingdings" panose="05000000000000000000" pitchFamily="2" charset="2"/>
-              <a:buChar char="l"/>
+            <a:pPr marL="876300" lvl="1" indent="-514350">
+              <a:buClr>
+                <a:schemeClr val="tx1">
+                  <a:lumMod val="75000"/>
+                </a:schemeClr>
+              </a:buClr>
+              <a:buFont typeface="+mj-lt"/>
+              <a:buAutoNum type="arabicPeriod"/>
             </a:pPr>
             <a:r>
-              <a:rPr kumimoji="0" lang="en-US" altLang="zh-TW" sz="3200" b="1" i="0" u="none" strike="noStrike" kern="1200" cap="none" spc="0" normalizeH="0" baseline="0" noProof="0" dirty="0">
-                <a:ln>
-                  <a:noFill/>
-                </a:ln>
-                <a:solidFill>
-                  <a:schemeClr val="bg1"/>
-                </a:solidFill>
-                <a:effectLst/>
-                <a:uLnTx/>
-                <a:uFillTx/>
-                <a:latin typeface="微軟正黑體" pitchFamily="34" charset="-120"/>
-                <a:ea typeface="微軟正黑體" pitchFamily="34" charset="-120"/>
-                <a:cs typeface="+mn-cs"/>
+              <a:rPr lang="en-US" altLang="zh-TW" sz="3000" dirty="0">
+                <a:solidFill>
+                  <a:schemeClr val="bg2">
+                    <a:lumMod val="10000"/>
+                  </a:schemeClr>
+                </a:solidFill>
               </a:rPr>
               <a:t>Logo</a:t>
             </a:r>
             <a:r>
-              <a:rPr kumimoji="0" lang="zh-TW" altLang="en-US" sz="3200" b="1" i="0" u="none" strike="noStrike" kern="1200" cap="none" spc="0" normalizeH="0" baseline="0" noProof="0" dirty="0">
-                <a:ln>
-                  <a:noFill/>
-                </a:ln>
-                <a:solidFill>
-                  <a:schemeClr val="bg1"/>
-                </a:solidFill>
-                <a:effectLst/>
-                <a:uLnTx/>
-                <a:uFillTx/>
-                <a:latin typeface="微軟正黑體" pitchFamily="34" charset="-120"/>
-                <a:ea typeface="微軟正黑體" pitchFamily="34" charset="-120"/>
-                <a:cs typeface="+mn-cs"/>
+              <a:rPr lang="zh-TW" altLang="en-US" sz="3000" dirty="0">
+                <a:solidFill>
+                  <a:schemeClr val="bg2">
+                    <a:lumMod val="10000"/>
+                  </a:schemeClr>
+                </a:solidFill>
               </a:rPr>
               <a:t>設計 </a:t>
             </a:r>
             <a:r>
-              <a:rPr kumimoji="0" lang="en-US" altLang="zh-TW" sz="3200" b="1" i="0" u="none" strike="noStrike" kern="1200" cap="none" spc="0" normalizeH="0" baseline="0" noProof="0" dirty="0">
-                <a:ln>
-                  <a:noFill/>
-                </a:ln>
-                <a:solidFill>
-                  <a:schemeClr val="bg1"/>
-                </a:solidFill>
-                <a:effectLst/>
-                <a:uLnTx/>
-                <a:uFillTx/>
-                <a:latin typeface="微軟正黑體" pitchFamily="34" charset="-120"/>
-                <a:ea typeface="微軟正黑體" pitchFamily="34" charset="-120"/>
-                <a:cs typeface="+mn-cs"/>
+              <a:rPr lang="en-US" altLang="zh-TW" sz="3000" dirty="0">
+                <a:solidFill>
+                  <a:schemeClr val="bg2">
+                    <a:lumMod val="10000"/>
+                  </a:schemeClr>
+                </a:solidFill>
               </a:rPr>
               <a:t>| </a:t>
             </a:r>
             <a:r>
-              <a:rPr kumimoji="0" lang="zh-TW" altLang="en-US" sz="3200" b="1" i="0" u="none" strike="noStrike" kern="1200" cap="none" spc="0" normalizeH="0" baseline="0" noProof="0" dirty="0">
-                <a:ln>
-                  <a:noFill/>
-                </a:ln>
-                <a:solidFill>
-                  <a:schemeClr val="bg1"/>
-                </a:solidFill>
-                <a:effectLst/>
-                <a:uLnTx/>
-                <a:uFillTx/>
-                <a:latin typeface="微軟正黑體" pitchFamily="34" charset="-120"/>
-                <a:ea typeface="微軟正黑體" pitchFamily="34" charset="-120"/>
-                <a:cs typeface="+mn-cs"/>
+              <a:rPr lang="zh-TW" altLang="en-US" sz="3000" dirty="0">
+                <a:solidFill>
+                  <a:schemeClr val="bg2">
+                    <a:lumMod val="10000"/>
+                  </a:schemeClr>
+                </a:solidFill>
               </a:rPr>
               <a:t>色彩計畫 </a:t>
             </a:r>
             <a:r>
-              <a:rPr kumimoji="0" lang="en-US" altLang="zh-TW" sz="3200" b="1" i="0" u="none" strike="noStrike" kern="1200" cap="none" spc="0" normalizeH="0" baseline="0" noProof="0" dirty="0">
-                <a:ln>
-                  <a:noFill/>
-                </a:ln>
-                <a:solidFill>
-                  <a:schemeClr val="bg1"/>
-                </a:solidFill>
-                <a:effectLst/>
-                <a:uLnTx/>
-                <a:uFillTx/>
-                <a:latin typeface="微軟正黑體" pitchFamily="34" charset="-120"/>
-                <a:ea typeface="微軟正黑體" pitchFamily="34" charset="-120"/>
-                <a:cs typeface="+mn-cs"/>
+              <a:rPr lang="en-US" altLang="zh-TW" sz="3000" dirty="0">
+                <a:solidFill>
+                  <a:schemeClr val="bg2">
+                    <a:lumMod val="10000"/>
+                  </a:schemeClr>
+                </a:solidFill>
               </a:rPr>
               <a:t>| </a:t>
             </a:r>
             <a:r>
-              <a:rPr kumimoji="0" lang="zh-TW" altLang="en-US" sz="3200" b="1" i="0" u="none" strike="noStrike" kern="1200" cap="none" spc="0" normalizeH="0" baseline="0" noProof="0" dirty="0">
-                <a:ln>
-                  <a:noFill/>
-                </a:ln>
-                <a:solidFill>
-                  <a:schemeClr val="bg1"/>
-                </a:solidFill>
-                <a:effectLst/>
-                <a:uLnTx/>
-                <a:uFillTx/>
-                <a:latin typeface="微軟正黑體" pitchFamily="34" charset="-120"/>
-                <a:ea typeface="微軟正黑體" pitchFamily="34" charset="-120"/>
-                <a:cs typeface="+mn-cs"/>
+              <a:rPr lang="zh-TW" altLang="en-US" sz="3000" dirty="0">
+                <a:solidFill>
+                  <a:schemeClr val="bg2">
+                    <a:lumMod val="10000"/>
+                  </a:schemeClr>
+                </a:solidFill>
               </a:rPr>
               <a:t>色彩配置 </a:t>
             </a:r>
-            <a:r>
-              <a:rPr kumimoji="0" lang="en-US" altLang="zh-TW" sz="3200" b="1" i="0" u="none" strike="noStrike" kern="1200" cap="none" spc="0" normalizeH="0" baseline="0" noProof="0" dirty="0">
-                <a:ln>
-                  <a:noFill/>
-                </a:ln>
-                <a:solidFill>
-                  <a:schemeClr val="bg1"/>
-                </a:solidFill>
-                <a:effectLst/>
-                <a:uLnTx/>
-                <a:uFillTx/>
-                <a:latin typeface="微軟正黑體" pitchFamily="34" charset="-120"/>
-                <a:ea typeface="微軟正黑體" pitchFamily="34" charset="-120"/>
-                <a:cs typeface="+mn-cs"/>
+            <a:endParaRPr lang="en-US" altLang="zh-TW" sz="3000" dirty="0" smtClean="0">
+              <a:solidFill>
+                <a:schemeClr val="bg2">
+                  <a:lumMod val="10000"/>
+                </a:schemeClr>
+              </a:solidFill>
+            </a:endParaRPr>
+          </a:p>
+          <a:p>
+            <a:pPr marL="876300" lvl="1" indent="-514350">
+              <a:buClr>
+                <a:schemeClr val="tx1">
+                  <a:lumMod val="75000"/>
+                </a:schemeClr>
+              </a:buClr>
+              <a:buFont typeface="+mj-lt"/>
+              <a:buAutoNum type="arabicPeriod"/>
+            </a:pPr>
+            <a:r>
+              <a:rPr lang="zh-TW" altLang="en-US" sz="3000" dirty="0" smtClean="0">
+                <a:solidFill>
+                  <a:schemeClr val="bg2">
+                    <a:lumMod val="10000"/>
+                  </a:schemeClr>
+                </a:solidFill>
+              </a:rPr>
+              <a:t>網站</a:t>
+            </a:r>
+            <a:r>
+              <a:rPr lang="zh-TW" altLang="en-US" sz="3000" dirty="0">
+                <a:solidFill>
+                  <a:schemeClr val="bg2">
+                    <a:lumMod val="10000"/>
+                  </a:schemeClr>
+                </a:solidFill>
+              </a:rPr>
+              <a:t>架構圖 </a:t>
+            </a:r>
+            <a:r>
+              <a:rPr lang="en-US" altLang="zh-TW" sz="3000" dirty="0">
+                <a:solidFill>
+                  <a:schemeClr val="bg2">
+                    <a:lumMod val="10000"/>
+                  </a:schemeClr>
+                </a:solidFill>
               </a:rPr>
               <a:t>| </a:t>
             </a:r>
             <a:r>
-              <a:rPr kumimoji="0" lang="zh-TW" altLang="en-US" sz="3200" b="1" i="0" u="none" strike="noStrike" kern="1200" cap="none" spc="0" normalizeH="0" baseline="0" noProof="0" dirty="0">
-                <a:ln>
-                  <a:noFill/>
-                </a:ln>
-                <a:solidFill>
-                  <a:schemeClr val="bg1"/>
-                </a:solidFill>
-                <a:effectLst/>
-                <a:uLnTx/>
-                <a:uFillTx/>
-                <a:latin typeface="微軟正黑體" pitchFamily="34" charset="-120"/>
-                <a:ea typeface="微軟正黑體" pitchFamily="34" charset="-120"/>
-                <a:cs typeface="+mn-cs"/>
+              <a:rPr lang="zh-TW" altLang="en-US" sz="3000" dirty="0">
+                <a:solidFill>
+                  <a:schemeClr val="bg2">
+                    <a:lumMod val="10000"/>
+                  </a:schemeClr>
+                </a:solidFill>
               </a:rPr>
-              <a:t>視覺概念</a:t>
-            </a:r>
-          </a:p>
-          <a:p>
-            <a:pPr>
-              <a:lnSpc>
-                <a:spcPts val="3600"/>
-              </a:lnSpc>
-              <a:buFont typeface="Wingdings" panose="05000000000000000000" pitchFamily="2" charset="2"/>
-              <a:buChar char="l"/>
+              <a:t>網站流程圖</a:t>
+            </a:r>
+          </a:p>
+          <a:p>
+            <a:pPr marL="876300" lvl="1" indent="-514350">
+              <a:buClr>
+                <a:schemeClr val="tx1">
+                  <a:lumMod val="75000"/>
+                </a:schemeClr>
+              </a:buClr>
+              <a:buFont typeface="+mj-lt"/>
+              <a:buAutoNum type="arabicPeriod"/>
             </a:pPr>
             <a:r>
-              <a:rPr kumimoji="0" lang="zh-TW" altLang="en-US" sz="3200" b="1" i="0" u="none" strike="noStrike" kern="1200" cap="none" spc="0" normalizeH="0" baseline="0" noProof="0" dirty="0">
-                <a:ln>
-                  <a:noFill/>
-                </a:ln>
-                <a:solidFill>
-                  <a:schemeClr val="bg1"/>
-                </a:solidFill>
-                <a:effectLst/>
-                <a:uLnTx/>
-                <a:uFillTx/>
-                <a:latin typeface="微軟正黑體" pitchFamily="34" charset="-120"/>
-                <a:ea typeface="微軟正黑體" pitchFamily="34" charset="-120"/>
-                <a:cs typeface="+mn-cs"/>
+              <a:rPr lang="zh-TW" altLang="en-US" sz="3000" dirty="0">
+                <a:solidFill>
+                  <a:schemeClr val="bg2">
+                    <a:lumMod val="10000"/>
+                  </a:schemeClr>
+                </a:solidFill>
               </a:rPr>
-              <a:t>網站架構圖 </a:t>
-            </a:r>
-            <a:r>
-              <a:rPr kumimoji="0" lang="en-US" altLang="zh-TW" sz="3200" b="1" i="0" u="none" strike="noStrike" kern="1200" cap="none" spc="0" normalizeH="0" baseline="0" noProof="0" dirty="0">
-                <a:ln>
-                  <a:noFill/>
-                </a:ln>
-                <a:solidFill>
-                  <a:schemeClr val="bg1"/>
-                </a:solidFill>
-                <a:effectLst/>
-                <a:uLnTx/>
-                <a:uFillTx/>
-                <a:latin typeface="微軟正黑體" pitchFamily="34" charset="-120"/>
-                <a:ea typeface="微軟正黑體" pitchFamily="34" charset="-120"/>
-                <a:cs typeface="+mn-cs"/>
+              <a:t>網站功能介紹 </a:t>
+            </a:r>
+          </a:p>
+          <a:p>
+            <a:pPr marL="876300" lvl="1" indent="-514350">
+              <a:buClr>
+                <a:schemeClr val="tx1">
+                  <a:lumMod val="75000"/>
+                </a:schemeClr>
+              </a:buClr>
+              <a:buFont typeface="+mj-lt"/>
+              <a:buAutoNum type="arabicPeriod"/>
+            </a:pPr>
+            <a:r>
+              <a:rPr lang="zh-TW" altLang="en-US" sz="3000" dirty="0">
+                <a:solidFill>
+                  <a:schemeClr val="bg2">
+                    <a:lumMod val="10000"/>
+                  </a:schemeClr>
+                </a:solidFill>
+              </a:rPr>
+              <a:t>流程展示 </a:t>
+            </a:r>
+            <a:r>
+              <a:rPr lang="en-US" altLang="zh-TW" sz="3000" dirty="0">
+                <a:solidFill>
+                  <a:schemeClr val="bg2">
+                    <a:lumMod val="10000"/>
+                  </a:schemeClr>
+                </a:solidFill>
               </a:rPr>
               <a:t>| </a:t>
             </a:r>
             <a:r>
-              <a:rPr kumimoji="0" lang="zh-TW" altLang="en-US" sz="3200" b="1" i="0" u="none" strike="noStrike" kern="1200" cap="none" spc="0" normalizeH="0" baseline="0" noProof="0" dirty="0">
-                <a:ln>
-                  <a:noFill/>
-                </a:ln>
-                <a:solidFill>
-                  <a:schemeClr val="bg1"/>
-                </a:solidFill>
-                <a:effectLst/>
-                <a:uLnTx/>
-                <a:uFillTx/>
-                <a:latin typeface="微軟正黑體" pitchFamily="34" charset="-120"/>
-                <a:ea typeface="微軟正黑體" pitchFamily="34" charset="-120"/>
-                <a:cs typeface="+mn-cs"/>
-              </a:rPr>
-              <a:t>網站流程圖</a:t>
-            </a:r>
-          </a:p>
-          <a:p>
-            <a:pPr>
-              <a:lnSpc>
-                <a:spcPts val="3600"/>
-              </a:lnSpc>
-              <a:buFont typeface="Wingdings" panose="05000000000000000000" pitchFamily="2" charset="2"/>
-              <a:buChar char="l"/>
-            </a:pPr>
-            <a:r>
-              <a:rPr kumimoji="0" lang="zh-TW" altLang="en-US" sz="3200" b="1" i="0" u="none" strike="noStrike" kern="1200" cap="none" spc="0" normalizeH="0" baseline="0" noProof="0" dirty="0">
-                <a:ln>
-                  <a:noFill/>
-                </a:ln>
-                <a:solidFill>
-                  <a:schemeClr val="bg1"/>
-                </a:solidFill>
-                <a:effectLst/>
-                <a:uLnTx/>
-                <a:uFillTx/>
-                <a:latin typeface="微軟正黑體" pitchFamily="34" charset="-120"/>
-                <a:ea typeface="微軟正黑體" pitchFamily="34" charset="-120"/>
-                <a:cs typeface="+mn-cs"/>
-              </a:rPr>
-              <a:t>網站功能介紹 </a:t>
-            </a:r>
-          </a:p>
-          <a:p>
-            <a:pPr>
-              <a:lnSpc>
-                <a:spcPts val="3600"/>
-              </a:lnSpc>
-              <a:buFont typeface="Wingdings" panose="05000000000000000000" pitchFamily="2" charset="2"/>
-              <a:buChar char="l"/>
-            </a:pPr>
-            <a:r>
-              <a:rPr kumimoji="0" lang="zh-TW" altLang="en-US" sz="3200" b="1" i="0" u="none" strike="noStrike" kern="1200" cap="none" spc="0" normalizeH="0" baseline="0" noProof="0" dirty="0">
-                <a:ln>
-                  <a:noFill/>
-                </a:ln>
-                <a:solidFill>
-                  <a:schemeClr val="bg1"/>
-                </a:solidFill>
-                <a:effectLst/>
-                <a:uLnTx/>
-                <a:uFillTx/>
-                <a:latin typeface="微軟正黑體" pitchFamily="34" charset="-120"/>
-                <a:ea typeface="微軟正黑體" pitchFamily="34" charset="-120"/>
-                <a:cs typeface="+mn-cs"/>
-              </a:rPr>
-              <a:t>流程展示 </a:t>
-            </a:r>
-            <a:r>
-              <a:rPr kumimoji="0" lang="en-US" altLang="zh-TW" sz="3200" b="1" i="0" u="none" strike="noStrike" kern="1200" cap="none" spc="0" normalizeH="0" baseline="0" noProof="0" dirty="0">
-                <a:ln>
-                  <a:noFill/>
-                </a:ln>
-                <a:solidFill>
-                  <a:schemeClr val="bg1"/>
-                </a:solidFill>
-                <a:effectLst/>
-                <a:uLnTx/>
-                <a:uFillTx/>
-                <a:latin typeface="微軟正黑體" pitchFamily="34" charset="-120"/>
-                <a:ea typeface="微軟正黑體" pitchFamily="34" charset="-120"/>
-                <a:cs typeface="+mn-cs"/>
-              </a:rPr>
-              <a:t>| </a:t>
-            </a:r>
-            <a:r>
-              <a:rPr kumimoji="0" lang="zh-TW" altLang="en-US" sz="3200" b="1" i="0" u="none" strike="noStrike" kern="1200" cap="none" spc="0" normalizeH="0" baseline="0" noProof="0" dirty="0">
-                <a:ln>
-                  <a:noFill/>
-                </a:ln>
-                <a:solidFill>
-                  <a:schemeClr val="bg1"/>
-                </a:solidFill>
-                <a:effectLst/>
-                <a:uLnTx/>
-                <a:uFillTx/>
-                <a:latin typeface="微軟正黑體" pitchFamily="34" charset="-120"/>
-                <a:ea typeface="微軟正黑體" pitchFamily="34" charset="-120"/>
-                <a:cs typeface="+mn-cs"/>
+              <a:rPr lang="zh-TW" altLang="en-US" sz="3000" dirty="0">
+                <a:solidFill>
+                  <a:schemeClr val="bg2">
+                    <a:lumMod val="10000"/>
+                  </a:schemeClr>
+                </a:solidFill>
               </a:rPr>
               <a:t>實際 </a:t>
             </a:r>
             <a:r>
-              <a:rPr kumimoji="0" lang="en-US" altLang="zh-TW" sz="3200" b="1" i="0" u="none" strike="noStrike" kern="1200" cap="none" spc="0" normalizeH="0" baseline="0" noProof="0" dirty="0">
-                <a:ln>
-                  <a:noFill/>
-                </a:ln>
-                <a:solidFill>
-                  <a:schemeClr val="bg1"/>
-                </a:solidFill>
-                <a:effectLst/>
-                <a:uLnTx/>
-                <a:uFillTx/>
-                <a:latin typeface="微軟正黑體" pitchFamily="34" charset="-120"/>
-                <a:ea typeface="微軟正黑體" pitchFamily="34" charset="-120"/>
-                <a:cs typeface="+mn-cs"/>
+              <a:rPr lang="en-US" altLang="zh-TW" sz="3000" dirty="0" smtClean="0">
+                <a:solidFill>
+                  <a:schemeClr val="bg2">
+                    <a:lumMod val="10000"/>
+                  </a:schemeClr>
+                </a:solidFill>
               </a:rPr>
               <a:t>DEMO</a:t>
             </a:r>
+            <a:endParaRPr lang="en-US" altLang="zh-TW" sz="3000" dirty="0">
+              <a:solidFill>
+                <a:schemeClr val="bg2">
+                  <a:lumMod val="10000"/>
+                </a:schemeClr>
+              </a:solidFill>
+            </a:endParaRPr>
           </a:p>
         </p:txBody>
       </p:sp>
+      <p:pic>
+        <p:nvPicPr>
+          <p:cNvPr id="2050" name="Picture 2" descr="D:\本地全端應用網站開發120D\大專\start_fitness\Eva\AI\opindex00.png"/>
+          <p:cNvPicPr>
+            <a:picLocks noChangeAspect="1" noChangeArrowheads="1"/>
+          </p:cNvPicPr>
+          <p:nvPr/>
+        </p:nvPicPr>
+        <p:blipFill>
+          <a:blip r:embed="rId2" cstate="print">
+            <a:extLst>
+              <a:ext uri="{28A0092B-C50C-407E-A947-70E740481C1C}">
+                <a14:useLocalDpi xmlns:a14="http://schemas.microsoft.com/office/drawing/2010/main" val="0"/>
+              </a:ext>
+            </a:extLst>
+          </a:blip>
+          <a:srcRect/>
+          <a:stretch>
+            <a:fillRect/>
+          </a:stretch>
+        </p:blipFill>
+        <p:spPr bwMode="auto">
+          <a:xfrm>
+            <a:off x="6177136" y="5265499"/>
+            <a:ext cx="3024336" cy="713767"/>
+          </a:xfrm>
+          <a:prstGeom prst="roundRect">
+            <a:avLst>
+              <a:gd name="adj" fmla="val 8594"/>
+            </a:avLst>
+          </a:prstGeom>
+          <a:solidFill>
+            <a:srgbClr val="FFFFFF">
+              <a:shade val="85000"/>
+            </a:srgbClr>
+          </a:solidFill>
+          <a:ln>
+            <a:noFill/>
+          </a:ln>
+          <a:effectLst>
+            <a:reflection blurRad="12700" stA="38000" endPos="28000" dist="5000" dir="5400000" sy="-100000" algn="bl" rotWithShape="0"/>
+          </a:effectLst>
+          <a:extLst>
+            <a:ext uri="{909E8E84-426E-40DD-AFC4-6F175D3DCCD1}">
+              <a14:hiddenFill xmlns:a14="http://schemas.microsoft.com/office/drawing/2010/main">
+                <a:solidFill>
+                  <a:srgbClr val="FFFFFF"/>
+                </a:solidFill>
+              </a14:hiddenFill>
+            </a:ext>
+          </a:extLst>
+        </p:spPr>
+      </p:pic>
     </p:spTree>
     <p:extLst>
       <p:ext uri="{BB962C8B-B14F-4D97-AF65-F5344CB8AC3E}">
@@ -5465,6 +7775,13 @@
   <p:clrMapOvr>
     <a:masterClrMapping/>
   </p:clrMapOvr>
+  <p:timing>
+    <p:tnLst>
+      <p:par>
+        <p:cTn id="1" dur="indefinite" restart="never" nodeType="tmRoot"/>
+      </p:par>
+    </p:tnLst>
+  </p:timing>
 </p:sld>
 </file>
 
@@ -5497,7 +7814,7 @@
         </p:nvSpPr>
         <p:spPr>
           <a:xfrm>
-            <a:off x="632520" y="0"/>
+            <a:off x="632520" y="216024"/>
             <a:ext cx="8640960" cy="692696"/>
           </a:xfrm>
           <a:prstGeom prst="rect">
@@ -5505,11 +7822,13 @@
           </a:prstGeom>
         </p:spPr>
         <p:txBody>
-          <a:bodyPr/>
+          <a:bodyPr>
+            <a:noAutofit/>
+          </a:bodyPr>
           <a:lstStyle/>
           <a:p>
             <a:r>
-              <a:rPr lang="zh-TW" altLang="en-US" b="0" dirty="0"/>
+              <a:rPr lang="zh-TW" altLang="en-US" sz="4000" dirty="0"/>
               <a:t>開發技術與工具</a:t>
             </a:r>
           </a:p>
@@ -5525,7 +7844,7 @@
         </p:nvSpPr>
         <p:spPr bwMode="ltGray">
           <a:xfrm>
-            <a:off x="1065600" y="979200"/>
+            <a:off x="1065600" y="1268760"/>
             <a:ext cx="7920000" cy="4824536"/>
           </a:xfrm>
           <a:prstGeom prst="rect">
@@ -5722,376 +8041,114 @@
             </a:lvl9pPr>
           </a:lstStyle>
           <a:p>
-            <a:pPr>
+            <a:pPr marL="0" indent="0">
               <a:lnSpc>
                 <a:spcPts val="3600"/>
               </a:lnSpc>
-              <a:buFont typeface="Wingdings" panose="05000000000000000000" pitchFamily="2" charset="2"/>
-              <a:buChar char="l"/>
+              <a:buNone/>
             </a:pPr>
-            <a:r>
-              <a:rPr kumimoji="0" lang="zh-TW" altLang="en-US" sz="3200" b="1" i="0" u="none" strike="noStrike" kern="1200" cap="none" spc="0" normalizeH="0" baseline="0" noProof="0" dirty="0">
-                <a:ln>
-                  <a:noFill/>
-                </a:ln>
-                <a:solidFill>
-                  <a:schemeClr val="bg1"/>
-                </a:solidFill>
-                <a:effectLst/>
-                <a:uLnTx/>
-                <a:uFillTx/>
-                <a:latin typeface="微軟正黑體" pitchFamily="34" charset="-120"/>
-                <a:ea typeface="微軟正黑體" pitchFamily="34" charset="-120"/>
-                <a:cs typeface="+mn-cs"/>
-              </a:rPr>
-              <a:t>前端</a:t>
-            </a:r>
-            <a:r>
-              <a:rPr kumimoji="0" lang="en-US" altLang="zh-TW" sz="3200" b="1" i="0" u="none" strike="noStrike" kern="1200" cap="none" spc="0" normalizeH="0" baseline="0" noProof="0" dirty="0">
-                <a:ln>
-                  <a:noFill/>
-                </a:ln>
-                <a:solidFill>
-                  <a:schemeClr val="bg1"/>
-                </a:solidFill>
-                <a:effectLst/>
-                <a:uLnTx/>
-                <a:uFillTx/>
-                <a:latin typeface="微軟正黑體" pitchFamily="34" charset="-120"/>
-                <a:ea typeface="微軟正黑體" pitchFamily="34" charset="-120"/>
-                <a:cs typeface="+mn-cs"/>
-              </a:rPr>
-              <a:t>:</a:t>
-            </a:r>
-            <a:r>
-              <a:rPr kumimoji="0" lang="en-US" altLang="zh-TW" sz="3200" b="1" i="0" u="none" strike="noStrike" kern="1200" cap="none" spc="0" normalizeH="0" baseline="0" noProof="0" dirty="0" err="1">
-                <a:ln>
-                  <a:noFill/>
-                </a:ln>
-                <a:solidFill>
-                  <a:schemeClr val="bg1"/>
-                </a:solidFill>
-                <a:effectLst/>
-                <a:uLnTx/>
-                <a:uFillTx/>
-                <a:latin typeface="微軟正黑體" pitchFamily="34" charset="-120"/>
-                <a:ea typeface="微軟正黑體" pitchFamily="34" charset="-120"/>
-                <a:cs typeface="+mn-cs"/>
-              </a:rPr>
-              <a:t>Boostraps</a:t>
-            </a:r>
-            <a:r>
-              <a:rPr kumimoji="0" lang="en-US" altLang="zh-TW" sz="3200" b="1" i="0" u="none" strike="noStrike" kern="1200" cap="none" spc="0" normalizeH="0" baseline="0" noProof="0" dirty="0">
-                <a:ln>
-                  <a:noFill/>
-                </a:ln>
-                <a:solidFill>
-                  <a:schemeClr val="bg1"/>
-                </a:solidFill>
-                <a:effectLst/>
-                <a:uLnTx/>
-                <a:uFillTx/>
-                <a:latin typeface="微軟正黑體" pitchFamily="34" charset="-120"/>
-                <a:ea typeface="微軟正黑體" pitchFamily="34" charset="-120"/>
-                <a:cs typeface="+mn-cs"/>
-              </a:rPr>
-              <a:t> 4.6				</a:t>
-            </a:r>
-          </a:p>
-          <a:p>
-            <a:pPr>
-              <a:lnSpc>
-                <a:spcPts val="3600"/>
-              </a:lnSpc>
-              <a:buFont typeface="Wingdings" panose="05000000000000000000" pitchFamily="2" charset="2"/>
-              <a:buChar char="l"/>
-            </a:pPr>
-            <a:r>
-              <a:rPr kumimoji="0" lang="en-US" altLang="zh-TW" sz="3200" b="1" i="0" u="none" strike="noStrike" kern="1200" cap="none" spc="0" normalizeH="0" baseline="0" noProof="0" dirty="0" err="1">
-                <a:ln>
-                  <a:noFill/>
-                </a:ln>
-                <a:solidFill>
-                  <a:schemeClr val="bg1"/>
-                </a:solidFill>
-                <a:effectLst/>
-                <a:uLnTx/>
-                <a:uFillTx/>
-                <a:latin typeface="微軟正黑體" pitchFamily="34" charset="-120"/>
-                <a:ea typeface="微軟正黑體" pitchFamily="34" charset="-120"/>
-                <a:cs typeface="+mn-cs"/>
-              </a:rPr>
-              <a:t>Icon:awesome</a:t>
-            </a:r>
-            <a:r>
-              <a:rPr kumimoji="0" lang="en-US" altLang="zh-TW" sz="3200" b="1" i="0" u="none" strike="noStrike" kern="1200" cap="none" spc="0" normalizeH="0" baseline="0" noProof="0" dirty="0">
-                <a:ln>
-                  <a:noFill/>
-                </a:ln>
-                <a:solidFill>
-                  <a:schemeClr val="bg1"/>
-                </a:solidFill>
-                <a:effectLst/>
-                <a:uLnTx/>
-                <a:uFillTx/>
-                <a:latin typeface="微軟正黑體" pitchFamily="34" charset="-120"/>
-                <a:ea typeface="微軟正黑體" pitchFamily="34" charset="-120"/>
-                <a:cs typeface="+mn-cs"/>
-              </a:rPr>
-              <a:t>				</a:t>
-            </a:r>
-          </a:p>
-          <a:p>
-            <a:pPr>
-              <a:lnSpc>
-                <a:spcPts val="3600"/>
-              </a:lnSpc>
-              <a:buFont typeface="Wingdings" panose="05000000000000000000" pitchFamily="2" charset="2"/>
-              <a:buChar char="l"/>
-            </a:pPr>
-            <a:r>
-              <a:rPr kumimoji="0" lang="zh-TW" altLang="en-US" sz="3200" b="1" i="0" u="none" strike="noStrike" kern="1200" cap="none" spc="0" normalizeH="0" baseline="0" noProof="0" dirty="0">
-                <a:ln>
-                  <a:noFill/>
-                </a:ln>
-                <a:solidFill>
-                  <a:schemeClr val="bg1"/>
-                </a:solidFill>
-                <a:effectLst/>
-                <a:uLnTx/>
-                <a:uFillTx/>
-                <a:latin typeface="微軟正黑體" pitchFamily="34" charset="-120"/>
-                <a:ea typeface="微軟正黑體" pitchFamily="34" charset="-120"/>
-                <a:cs typeface="+mn-cs"/>
-              </a:rPr>
-              <a:t>遊戲</a:t>
-            </a:r>
-            <a:r>
-              <a:rPr kumimoji="0" lang="en-US" altLang="zh-TW" sz="3200" b="1" i="0" u="none" strike="noStrike" kern="1200" cap="none" spc="0" normalizeH="0" baseline="0" noProof="0" dirty="0">
-                <a:ln>
-                  <a:noFill/>
-                </a:ln>
-                <a:solidFill>
-                  <a:schemeClr val="bg1"/>
-                </a:solidFill>
-                <a:effectLst/>
-                <a:uLnTx/>
-                <a:uFillTx/>
-                <a:latin typeface="微軟正黑體" pitchFamily="34" charset="-120"/>
-                <a:ea typeface="微軟正黑體" pitchFamily="34" charset="-120"/>
-                <a:cs typeface="+mn-cs"/>
-              </a:rPr>
-              <a:t>:Java script				</a:t>
-            </a:r>
-          </a:p>
-          <a:p>
-            <a:pPr>
-              <a:lnSpc>
-                <a:spcPts val="3600"/>
-              </a:lnSpc>
-              <a:buFont typeface="Wingdings" panose="05000000000000000000" pitchFamily="2" charset="2"/>
-              <a:buChar char="l"/>
-            </a:pPr>
-            <a:r>
-              <a:rPr kumimoji="0" lang="zh-TW" altLang="en-US" sz="3200" b="1" i="0" u="none" strike="noStrike" kern="1200" cap="none" spc="0" normalizeH="0" baseline="0" noProof="0" dirty="0">
-                <a:ln>
-                  <a:noFill/>
-                </a:ln>
-                <a:solidFill>
-                  <a:schemeClr val="bg1"/>
-                </a:solidFill>
-                <a:effectLst/>
-                <a:uLnTx/>
-                <a:uFillTx/>
-                <a:latin typeface="微軟正黑體" pitchFamily="34" charset="-120"/>
-                <a:ea typeface="微軟正黑體" pitchFamily="34" charset="-120"/>
-                <a:cs typeface="+mn-cs"/>
-              </a:rPr>
-              <a:t>網站後端架構</a:t>
-            </a:r>
-            <a:r>
-              <a:rPr kumimoji="0" lang="en-US" altLang="zh-TW" sz="3200" b="1" i="0" u="none" strike="noStrike" kern="1200" cap="none" spc="0" normalizeH="0" baseline="0" noProof="0" dirty="0">
-                <a:ln>
-                  <a:noFill/>
-                </a:ln>
-                <a:solidFill>
-                  <a:schemeClr val="bg1"/>
-                </a:solidFill>
-                <a:effectLst/>
-                <a:uLnTx/>
-                <a:uFillTx/>
-                <a:latin typeface="微軟正黑體" pitchFamily="34" charset="-120"/>
-                <a:ea typeface="微軟正黑體" pitchFamily="34" charset="-120"/>
-                <a:cs typeface="+mn-cs"/>
-              </a:rPr>
-              <a:t>:Laravel				</a:t>
-            </a:r>
-          </a:p>
-          <a:p>
-            <a:pPr>
-              <a:lnSpc>
-                <a:spcPts val="3600"/>
-              </a:lnSpc>
-              <a:buFont typeface="Wingdings" panose="05000000000000000000" pitchFamily="2" charset="2"/>
-              <a:buChar char="l"/>
-            </a:pPr>
-            <a:r>
-              <a:rPr kumimoji="0" lang="zh-TW" altLang="en-US" sz="3200" b="1" i="0" u="none" strike="noStrike" kern="1200" cap="none" spc="0" normalizeH="0" baseline="0" noProof="0" dirty="0">
-                <a:ln>
-                  <a:noFill/>
-                </a:ln>
-                <a:solidFill>
-                  <a:schemeClr val="bg1"/>
-                </a:solidFill>
-                <a:effectLst/>
-                <a:uLnTx/>
-                <a:uFillTx/>
-                <a:latin typeface="微軟正黑體" pitchFamily="34" charset="-120"/>
-                <a:ea typeface="微軟正黑體" pitchFamily="34" charset="-120"/>
-                <a:cs typeface="+mn-cs"/>
-              </a:rPr>
-              <a:t>套件</a:t>
-            </a:r>
-            <a:r>
-              <a:rPr kumimoji="0" lang="en-US" altLang="zh-TW" sz="3200" b="1" i="0" u="none" strike="noStrike" kern="1200" cap="none" spc="0" normalizeH="0" baseline="0" noProof="0" dirty="0">
-                <a:ln>
-                  <a:noFill/>
-                </a:ln>
-                <a:solidFill>
-                  <a:schemeClr val="bg1"/>
-                </a:solidFill>
-                <a:effectLst/>
-                <a:uLnTx/>
-                <a:uFillTx/>
-                <a:latin typeface="微軟正黑體" pitchFamily="34" charset="-120"/>
-                <a:ea typeface="微軟正黑體" pitchFamily="34" charset="-120"/>
-                <a:cs typeface="+mn-cs"/>
-              </a:rPr>
-              <a:t>:</a:t>
-            </a:r>
-            <a:r>
-              <a:rPr kumimoji="0" lang="en-US" altLang="zh-TW" sz="3200" b="1" i="0" u="none" strike="noStrike" kern="1200" cap="none" spc="0" normalizeH="0" baseline="0" noProof="0" dirty="0" err="1">
-                <a:ln>
-                  <a:noFill/>
-                </a:ln>
-                <a:solidFill>
-                  <a:schemeClr val="bg1"/>
-                </a:solidFill>
-                <a:effectLst/>
-                <a:uLnTx/>
-                <a:uFillTx/>
-                <a:latin typeface="微軟正黑體" pitchFamily="34" charset="-120"/>
-                <a:ea typeface="微軟正黑體" pitchFamily="34" charset="-120"/>
-                <a:cs typeface="+mn-cs"/>
-              </a:rPr>
-              <a:t>PHPMiller</a:t>
-            </a:r>
-            <a:r>
-              <a:rPr kumimoji="0" lang="en-US" altLang="zh-TW" sz="3200" b="1" i="0" u="none" strike="noStrike" kern="1200" cap="none" spc="0" normalizeH="0" baseline="0" noProof="0" dirty="0">
-                <a:ln>
-                  <a:noFill/>
-                </a:ln>
-                <a:solidFill>
-                  <a:schemeClr val="bg1"/>
-                </a:solidFill>
-                <a:effectLst/>
-                <a:uLnTx/>
-                <a:uFillTx/>
-                <a:latin typeface="微軟正黑體" pitchFamily="34" charset="-120"/>
-                <a:ea typeface="微軟正黑體" pitchFamily="34" charset="-120"/>
-                <a:cs typeface="+mn-cs"/>
-              </a:rPr>
-              <a:t>				</a:t>
-            </a:r>
-          </a:p>
-          <a:p>
-            <a:pPr>
-              <a:lnSpc>
-                <a:spcPts val="3600"/>
-              </a:lnSpc>
-              <a:buFont typeface="Wingdings" panose="05000000000000000000" pitchFamily="2" charset="2"/>
-              <a:buChar char="l"/>
-            </a:pPr>
-            <a:r>
-              <a:rPr kumimoji="0" lang="zh-TW" altLang="en-US" sz="3200" b="1" i="0" u="none" strike="noStrike" kern="1200" cap="none" spc="0" normalizeH="0" baseline="0" noProof="0" dirty="0">
-                <a:ln>
-                  <a:noFill/>
-                </a:ln>
-                <a:solidFill>
-                  <a:schemeClr val="bg1"/>
-                </a:solidFill>
-                <a:effectLst/>
-                <a:uLnTx/>
-                <a:uFillTx/>
-                <a:latin typeface="微軟正黑體" pitchFamily="34" charset="-120"/>
-                <a:ea typeface="微軟正黑體" pitchFamily="34" charset="-120"/>
-                <a:cs typeface="+mn-cs"/>
-              </a:rPr>
-              <a:t>套件</a:t>
-            </a:r>
-            <a:r>
-              <a:rPr kumimoji="0" lang="en-US" altLang="zh-TW" sz="3200" b="1" i="0" u="none" strike="noStrike" kern="1200" cap="none" spc="0" normalizeH="0" baseline="0" noProof="0" dirty="0">
-                <a:ln>
-                  <a:noFill/>
-                </a:ln>
-                <a:solidFill>
-                  <a:schemeClr val="bg1"/>
-                </a:solidFill>
-                <a:effectLst/>
-                <a:uLnTx/>
-                <a:uFillTx/>
-                <a:latin typeface="微軟正黑體" pitchFamily="34" charset="-120"/>
-                <a:ea typeface="微軟正黑體" pitchFamily="34" charset="-120"/>
-                <a:cs typeface="+mn-cs"/>
-              </a:rPr>
-              <a:t>:AOS.js				</a:t>
-            </a:r>
-          </a:p>
-          <a:p>
-            <a:pPr>
-              <a:lnSpc>
-                <a:spcPts val="3600"/>
-              </a:lnSpc>
-              <a:buFont typeface="Wingdings" panose="05000000000000000000" pitchFamily="2" charset="2"/>
-              <a:buChar char="l"/>
-            </a:pPr>
-            <a:r>
-              <a:rPr kumimoji="0" lang="zh-TW" altLang="en-US" sz="3200" b="1" i="0" u="none" strike="noStrike" kern="1200" cap="none" spc="0" normalizeH="0" baseline="0" noProof="0" dirty="0">
-                <a:ln>
-                  <a:noFill/>
-                </a:ln>
-                <a:solidFill>
-                  <a:schemeClr val="bg1"/>
-                </a:solidFill>
-                <a:effectLst/>
-                <a:uLnTx/>
-                <a:uFillTx/>
-                <a:latin typeface="微軟正黑體" pitchFamily="34" charset="-120"/>
-                <a:ea typeface="微軟正黑體" pitchFamily="34" charset="-120"/>
-                <a:cs typeface="+mn-cs"/>
-              </a:rPr>
-              <a:t>套件</a:t>
-            </a:r>
-            <a:r>
-              <a:rPr kumimoji="0" lang="en-US" altLang="zh-TW" sz="3200" b="1" i="0" u="none" strike="noStrike" kern="1200" cap="none" spc="0" normalizeH="0" baseline="0" noProof="0" dirty="0">
-                <a:ln>
-                  <a:noFill/>
-                </a:ln>
-                <a:solidFill>
-                  <a:schemeClr val="bg1"/>
-                </a:solidFill>
-                <a:effectLst/>
-                <a:uLnTx/>
-                <a:uFillTx/>
-                <a:latin typeface="微軟正黑體" pitchFamily="34" charset="-120"/>
-                <a:ea typeface="微軟正黑體" pitchFamily="34" charset="-120"/>
-                <a:cs typeface="+mn-cs"/>
-              </a:rPr>
-              <a:t>:leaflet.js</a:t>
-            </a:r>
+            <a:endParaRPr kumimoji="0" lang="en-US" altLang="zh-TW" sz="3200" b="1" i="0" u="none" strike="noStrike" kern="1200" cap="none" spc="0" normalizeH="0" baseline="0" noProof="0" dirty="0">
+              <a:ln>
+                <a:noFill/>
+              </a:ln>
+              <a:solidFill>
+                <a:schemeClr val="bg1"/>
+              </a:solidFill>
+              <a:effectLst/>
+              <a:uLnTx/>
+              <a:uFillTx/>
+              <a:latin typeface="微軟正黑體" pitchFamily="34" charset="-120"/>
+              <a:ea typeface="微軟正黑體" pitchFamily="34" charset="-120"/>
+              <a:cs typeface="+mn-cs"/>
+            </a:endParaRPr>
           </a:p>
         </p:txBody>
       </p:sp>
+      <p:sp>
+        <p:nvSpPr>
+          <p:cNvPr id="2" name="矩形 1"/>
+          <p:cNvSpPr/>
+          <p:nvPr/>
+        </p:nvSpPr>
+        <p:spPr>
+          <a:xfrm>
+            <a:off x="0" y="1052736"/>
+            <a:ext cx="9906000" cy="5616624"/>
+          </a:xfrm>
+          <a:prstGeom prst="rect">
+            <a:avLst/>
+          </a:prstGeom>
+          <a:solidFill>
+            <a:schemeClr val="bg1"/>
+          </a:solidFill>
+          <a:ln>
+            <a:noFill/>
+          </a:ln>
+        </p:spPr>
+        <p:style>
+          <a:lnRef idx="1">
+            <a:schemeClr val="accent4"/>
+          </a:lnRef>
+          <a:fillRef idx="3">
+            <a:schemeClr val="accent4"/>
+          </a:fillRef>
+          <a:effectRef idx="2">
+            <a:schemeClr val="accent4"/>
+          </a:effectRef>
+          <a:fontRef idx="minor">
+            <a:schemeClr val="lt1"/>
+          </a:fontRef>
+        </p:style>
+        <p:txBody>
+          <a:bodyPr rtlCol="0" anchor="ctr"/>
+          <a:lstStyle/>
+          <a:p>
+            <a:pPr algn="ctr"/>
+            <a:endParaRPr lang="zh-TW" altLang="en-US"/>
+          </a:p>
+        </p:txBody>
+      </p:sp>
+      <p:pic>
+        <p:nvPicPr>
+          <p:cNvPr id="3074" name="Picture 2" descr="C:\Users\User\OneDrive\桌面\01.png"/>
+          <p:cNvPicPr>
+            <a:picLocks noChangeAspect="1" noChangeArrowheads="1"/>
+          </p:cNvPicPr>
+          <p:nvPr/>
+        </p:nvPicPr>
+        <p:blipFill>
+          <a:blip r:embed="rId2" cstate="print">
+            <a:extLst>
+              <a:ext uri="{28A0092B-C50C-407E-A947-70E740481C1C}">
+                <a14:useLocalDpi xmlns:a14="http://schemas.microsoft.com/office/drawing/2010/main" val="0"/>
+              </a:ext>
+            </a:extLst>
+          </a:blip>
+          <a:srcRect/>
+          <a:stretch>
+            <a:fillRect/>
+          </a:stretch>
+        </p:blipFill>
+        <p:spPr bwMode="auto">
+          <a:xfrm>
+            <a:off x="687811" y="1772816"/>
+            <a:ext cx="1728192" cy="1012562"/>
+          </a:xfrm>
+          <a:prstGeom prst="rect">
+            <a:avLst/>
+          </a:prstGeom>
+          <a:noFill/>
+          <a:extLst>
+            <a:ext uri="{909E8E84-426E-40DD-AFC4-6F175D3DCCD1}">
+              <a14:hiddenFill xmlns:a14="http://schemas.microsoft.com/office/drawing/2010/main">
+                <a:solidFill>
+                  <a:srgbClr val="FFFFFF"/>
+                </a:solidFill>
+              </a14:hiddenFill>
+            </a:ext>
+          </a:extLst>
+        </p:spPr>
+      </p:pic>
     </p:spTree>
     <p:extLst>
       <p:ext uri="{BB962C8B-B14F-4D97-AF65-F5344CB8AC3E}">
@@ -6102,6 +8159,13 @@
   <p:clrMapOvr>
     <a:masterClrMapping/>
   </p:clrMapOvr>
+  <p:timing>
+    <p:tnLst>
+      <p:par>
+        <p:cTn id="1" dur="indefinite" restart="never" nodeType="tmRoot"/>
+      </p:par>
+    </p:tnLst>
+  </p:timing>
 </p:sld>
 </file>
 
@@ -6134,7 +8198,7 @@
         </p:nvSpPr>
         <p:spPr>
           <a:xfrm>
-            <a:off x="632520" y="0"/>
+            <a:off x="632520" y="216024"/>
             <a:ext cx="8640960" cy="692696"/>
           </a:xfrm>
           <a:prstGeom prst="rect">
@@ -6142,12 +8206,14 @@
           </a:prstGeom>
         </p:spPr>
         <p:txBody>
-          <a:bodyPr/>
+          <a:bodyPr>
+            <a:noAutofit/>
+          </a:bodyPr>
           <a:lstStyle/>
           <a:p>
             <a:r>
-              <a:rPr lang="zh-TW" altLang="en-US" b="0" dirty="0"/>
-              <a:t>動機與目的</a:t>
+              <a:rPr lang="zh-TW" altLang="en-US" sz="4000" dirty="0"/>
+              <a:t>開發技術與工具</a:t>
             </a:r>
           </a:p>
         </p:txBody>
@@ -6162,7 +8228,7 @@
         </p:nvSpPr>
         <p:spPr bwMode="ltGray">
           <a:xfrm>
-            <a:off x="1065600" y="979200"/>
+            <a:off x="1065600" y="1268760"/>
             <a:ext cx="7920000" cy="4824536"/>
           </a:xfrm>
           <a:prstGeom prst="rect">
@@ -6367,7 +8433,7 @@
               <a:buChar char="l"/>
             </a:pPr>
             <a:r>
-              <a:rPr kumimoji="0" lang="zh-TW" altLang="en-US" sz="2400" b="1" i="0" u="none" strike="noStrike" kern="1200" cap="none" spc="0" normalizeH="0" baseline="0" noProof="0" dirty="0">
+              <a:rPr kumimoji="0" lang="zh-TW" altLang="en-US" sz="3200" b="1" i="0" u="none" strike="noStrike" kern="1200" cap="none" spc="0" normalizeH="0" baseline="0" noProof="0" dirty="0">
                 <a:ln>
                   <a:noFill/>
                 </a:ln>
@@ -6381,10 +8447,10 @@
                 <a:ea typeface="微軟正黑體" pitchFamily="34" charset="-120"/>
                 <a:cs typeface="+mn-cs"/>
               </a:rPr>
-              <a:t>動機</a:t>
-            </a:r>
-            <a:r>
-              <a:rPr kumimoji="0" lang="en-US" altLang="zh-TW" sz="2400" b="1" i="0" u="none" strike="noStrike" kern="1200" cap="none" spc="0" normalizeH="0" baseline="0" noProof="0" dirty="0">
+              <a:t>前端</a:t>
+            </a:r>
+            <a:r>
+              <a:rPr kumimoji="0" lang="en-US" altLang="zh-TW" sz="3200" b="1" i="0" u="none" strike="noStrike" kern="1200" cap="none" spc="0" normalizeH="0" baseline="0" noProof="0" dirty="0">
                 <a:ln>
                   <a:noFill/>
                 </a:ln>
@@ -6399,6 +8465,40 @@
                 <a:cs typeface="+mn-cs"/>
               </a:rPr>
               <a:t>:</a:t>
+            </a:r>
+            <a:r>
+              <a:rPr kumimoji="0" lang="en-US" altLang="zh-TW" sz="3200" b="1" i="0" u="none" strike="noStrike" kern="1200" cap="none" spc="0" normalizeH="0" baseline="0" noProof="0" dirty="0" err="1">
+                <a:ln>
+                  <a:noFill/>
+                </a:ln>
+                <a:solidFill>
+                  <a:schemeClr val="bg1"/>
+                </a:solidFill>
+                <a:effectLst/>
+                <a:uLnTx/>
+                <a:uFillTx/>
+                <a:latin typeface="微軟正黑體" pitchFamily="34" charset="-120"/>
+                <a:ea typeface="微軟正黑體" pitchFamily="34" charset="-120"/>
+                <a:cs typeface="+mn-cs"/>
+              </a:rPr>
+              <a:t>Boostraps</a:t>
+            </a:r>
+            <a:r>
+              <a:rPr kumimoji="0" lang="en-US" altLang="zh-TW" sz="3200" b="1" i="0" u="none" strike="noStrike" kern="1200" cap="none" spc="0" normalizeH="0" baseline="0" noProof="0" dirty="0">
+                <a:ln>
+                  <a:noFill/>
+                </a:ln>
+                <a:solidFill>
+                  <a:schemeClr val="bg1"/>
+                </a:solidFill>
+                <a:effectLst/>
+                <a:uLnTx/>
+                <a:uFillTx/>
+                <a:latin typeface="微軟正黑體" pitchFamily="34" charset="-120"/>
+                <a:ea typeface="微軟正黑體" pitchFamily="34" charset="-120"/>
+                <a:cs typeface="+mn-cs"/>
+              </a:rPr>
+              <a:t> 4.6				</a:t>
             </a:r>
           </a:p>
           <a:p>
@@ -6410,7 +8510,7 @@
               <a:buChar char="l"/>
             </a:pPr>
             <a:r>
-              <a:rPr kumimoji="0" lang="zh-TW" altLang="en-US" sz="2400" b="1" i="0" u="none" strike="noStrike" kern="1200" cap="none" spc="0" normalizeH="0" baseline="0" noProof="0" dirty="0">
+              <a:rPr kumimoji="0" lang="en-US" altLang="zh-TW" sz="3200" b="1" i="0" u="none" strike="noStrike" kern="1200" cap="none" spc="0" normalizeH="0" baseline="0" noProof="0" dirty="0" err="1">
                 <a:ln>
                   <a:noFill/>
                 </a:ln>
@@ -6424,7 +8524,24 @@
                 <a:ea typeface="微軟正黑體" pitchFamily="34" charset="-120"/>
                 <a:cs typeface="+mn-cs"/>
               </a:rPr>
-              <a:t>現在為了健康與樣貌，健身與營養飲食的觀念越發普及。</a:t>
+              <a:t>Icon:awesome</a:t>
+            </a:r>
+            <a:r>
+              <a:rPr kumimoji="0" lang="en-US" altLang="zh-TW" sz="3200" b="1" i="0" u="none" strike="noStrike" kern="1200" cap="none" spc="0" normalizeH="0" baseline="0" noProof="0" dirty="0">
+                <a:ln>
+                  <a:noFill/>
+                </a:ln>
+                <a:solidFill>
+                  <a:schemeClr val="bg1"/>
+                </a:solidFill>
+                <a:effectLst/>
+                <a:uLnTx/>
+                <a:uFillTx/>
+                <a:latin typeface="微軟正黑體" pitchFamily="34" charset="-120"/>
+                <a:ea typeface="微軟正黑體" pitchFamily="34" charset="-120"/>
+                <a:cs typeface="+mn-cs"/>
+              </a:rPr>
+              <a:t>				</a:t>
             </a:r>
           </a:p>
           <a:p>
@@ -6436,7 +8553,7 @@
               <a:buChar char="l"/>
             </a:pPr>
             <a:r>
-              <a:rPr kumimoji="0" lang="zh-TW" altLang="en-US" sz="2400" b="1" i="0" u="none" strike="noStrike" kern="1200" cap="none" spc="0" normalizeH="0" baseline="0" noProof="0" dirty="0">
+              <a:rPr kumimoji="0" lang="zh-TW" altLang="en-US" sz="3200" b="1" i="0" u="none" strike="noStrike" kern="1200" cap="none" spc="0" normalizeH="0" baseline="0" noProof="0" dirty="0">
                 <a:ln>
                   <a:noFill/>
                 </a:ln>
@@ -6450,7 +8567,24 @@
                 <a:ea typeface="微軟正黑體" pitchFamily="34" charset="-120"/>
                 <a:cs typeface="+mn-cs"/>
               </a:rPr>
-              <a:t>網路媒體的進步造就網路資訊數量龐大。</a:t>
+              <a:t>遊戲</a:t>
+            </a:r>
+            <a:r>
+              <a:rPr kumimoji="0" lang="en-US" altLang="zh-TW" sz="3200" b="1" i="0" u="none" strike="noStrike" kern="1200" cap="none" spc="0" normalizeH="0" baseline="0" noProof="0" dirty="0">
+                <a:ln>
+                  <a:noFill/>
+                </a:ln>
+                <a:solidFill>
+                  <a:schemeClr val="bg1"/>
+                </a:solidFill>
+                <a:effectLst/>
+                <a:uLnTx/>
+                <a:uFillTx/>
+                <a:latin typeface="微軟正黑體" pitchFamily="34" charset="-120"/>
+                <a:ea typeface="微軟正黑體" pitchFamily="34" charset="-120"/>
+                <a:cs typeface="+mn-cs"/>
+              </a:rPr>
+              <a:t>:Java script				</a:t>
             </a:r>
           </a:p>
           <a:p>
@@ -6462,7 +8596,7 @@
               <a:buChar char="l"/>
             </a:pPr>
             <a:r>
-              <a:rPr kumimoji="0" lang="zh-TW" altLang="en-US" sz="2400" b="1" i="0" u="none" strike="noStrike" kern="1200" cap="none" spc="0" normalizeH="0" baseline="0" noProof="0" dirty="0">
+              <a:rPr kumimoji="0" lang="zh-TW" altLang="en-US" sz="3200" b="1" i="0" u="none" strike="noStrike" kern="1200" cap="none" spc="0" normalizeH="0" baseline="0" noProof="0" dirty="0">
                 <a:ln>
                   <a:noFill/>
                 </a:ln>
@@ -6476,7 +8610,24 @@
                 <a:ea typeface="微軟正黑體" pitchFamily="34" charset="-120"/>
                 <a:cs typeface="+mn-cs"/>
               </a:rPr>
-              <a:t>可能會參雜許多正確或誤導的觀念</a:t>
+              <a:t>網站後端架構</a:t>
+            </a:r>
+            <a:r>
+              <a:rPr kumimoji="0" lang="en-US" altLang="zh-TW" sz="3200" b="1" i="0" u="none" strike="noStrike" kern="1200" cap="none" spc="0" normalizeH="0" baseline="0" noProof="0" dirty="0">
+                <a:ln>
+                  <a:noFill/>
+                </a:ln>
+                <a:solidFill>
+                  <a:schemeClr val="bg1"/>
+                </a:solidFill>
+                <a:effectLst/>
+                <a:uLnTx/>
+                <a:uFillTx/>
+                <a:latin typeface="微軟正黑體" pitchFamily="34" charset="-120"/>
+                <a:ea typeface="微軟正黑體" pitchFamily="34" charset="-120"/>
+                <a:cs typeface="+mn-cs"/>
+              </a:rPr>
+              <a:t>:Laravel				</a:t>
             </a:r>
           </a:p>
           <a:p>
@@ -6488,7 +8639,7 @@
               <a:buChar char="l"/>
             </a:pPr>
             <a:r>
-              <a:rPr kumimoji="0" lang="zh-TW" altLang="en-US" sz="2400" b="1" i="0" u="none" strike="noStrike" kern="1200" cap="none" spc="0" normalizeH="0" baseline="0" noProof="0" dirty="0">
+              <a:rPr kumimoji="0" lang="zh-TW" altLang="en-US" sz="3200" b="1" i="0" u="none" strike="noStrike" kern="1200" cap="none" spc="0" normalizeH="0" baseline="0" noProof="0" dirty="0">
                 <a:ln>
                   <a:noFill/>
                 </a:ln>
@@ -6502,7 +8653,58 @@
                 <a:ea typeface="微軟正黑體" pitchFamily="34" charset="-120"/>
                 <a:cs typeface="+mn-cs"/>
               </a:rPr>
-              <a:t>同時，近年來的健身區是造就健身房林立，許多人可能想踏出這一步，但苦於一個開頭或推手。</a:t>
+              <a:t>套件</a:t>
+            </a:r>
+            <a:r>
+              <a:rPr kumimoji="0" lang="en-US" altLang="zh-TW" sz="3200" b="1" i="0" u="none" strike="noStrike" kern="1200" cap="none" spc="0" normalizeH="0" baseline="0" noProof="0" dirty="0">
+                <a:ln>
+                  <a:noFill/>
+                </a:ln>
+                <a:solidFill>
+                  <a:schemeClr val="bg1"/>
+                </a:solidFill>
+                <a:effectLst/>
+                <a:uLnTx/>
+                <a:uFillTx/>
+                <a:latin typeface="微軟正黑體" pitchFamily="34" charset="-120"/>
+                <a:ea typeface="微軟正黑體" pitchFamily="34" charset="-120"/>
+                <a:cs typeface="+mn-cs"/>
+              </a:rPr>
+              <a:t>:</a:t>
+            </a:r>
+            <a:r>
+              <a:rPr kumimoji="0" lang="en-US" altLang="zh-TW" sz="3200" b="1" i="0" u="none" strike="noStrike" kern="1200" cap="none" spc="0" normalizeH="0" baseline="0" noProof="0" dirty="0" err="1">
+                <a:ln>
+                  <a:noFill/>
+                </a:ln>
+                <a:solidFill>
+                  <a:schemeClr val="bg1"/>
+                </a:solidFill>
+                <a:effectLst/>
+                <a:uLnTx/>
+                <a:uFillTx/>
+                <a:latin typeface="微軟正黑體" pitchFamily="34" charset="-120"/>
+                <a:ea typeface="微軟正黑體" pitchFamily="34" charset="-120"/>
+                <a:cs typeface="+mn-cs"/>
+              </a:rPr>
+              <a:t>PHPMiller</a:t>
+            </a:r>
+            <a:r>
+              <a:rPr kumimoji="0" lang="en-US" altLang="zh-TW" sz="3200" b="1" i="0" u="none" strike="noStrike" kern="1200" cap="none" spc="0" normalizeH="0" baseline="0" noProof="0" dirty="0">
+                <a:ln>
+                  <a:noFill/>
+                </a:ln>
+                <a:solidFill>
+                  <a:schemeClr val="bg1"/>
+                </a:solidFill>
+                <a:effectLst/>
+                <a:uLnTx/>
+                <a:uFillTx/>
+                <a:latin typeface="微軟正黑體" pitchFamily="34" charset="-120"/>
+                <a:ea typeface="微軟正黑體" pitchFamily="34" charset="-120"/>
+                <a:cs typeface="+mn-cs"/>
+              </a:rPr>
+              <a:t>				</a:t>
             </a:r>
           </a:p>
           <a:p>
@@ -6514,7 +8716,7 @@
               <a:buChar char="l"/>
             </a:pPr>
             <a:r>
-              <a:rPr kumimoji="0" lang="zh-TW" altLang="en-US" sz="2400" b="1" i="0" u="none" strike="noStrike" kern="1200" cap="none" spc="0" normalizeH="0" baseline="0" noProof="0" dirty="0">
+              <a:rPr kumimoji="0" lang="zh-TW" altLang="en-US" sz="3200" b="1" i="0" u="none" strike="noStrike" kern="1200" cap="none" spc="0" normalizeH="0" baseline="0" noProof="0" dirty="0">
                 <a:ln>
                   <a:noFill/>
                 </a:ln>
@@ -6528,35 +8730,88 @@
                 <a:ea typeface="微軟正黑體" pitchFamily="34" charset="-120"/>
                 <a:cs typeface="+mn-cs"/>
               </a:rPr>
-              <a:t>所以我們想開創一個資訊整合平台，整合並提供客觀資訊提供使用者參考，成為健身小白的新手村。</a:t>
-            </a:r>
-            <a:endParaRPr kumimoji="0" lang="en-US" altLang="zh-TW" sz="2400" b="1" i="0" u="none" strike="noStrike" kern="1200" cap="none" spc="0" normalizeH="0" baseline="0" noProof="0" dirty="0">
-              <a:ln>
-                <a:noFill/>
-              </a:ln>
-              <a:solidFill>
-                <a:schemeClr val="bg1"/>
-              </a:solidFill>
-              <a:effectLst/>
-              <a:uLnTx/>
-              <a:uFillTx/>
-              <a:latin typeface="微軟正黑體" pitchFamily="34" charset="-120"/>
-              <a:ea typeface="微軟正黑體" pitchFamily="34" charset="-120"/>
-              <a:cs typeface="+mn-cs"/>
-            </a:endParaRPr>
+              <a:t>套件</a:t>
+            </a:r>
+            <a:r>
+              <a:rPr kumimoji="0" lang="en-US" altLang="zh-TW" sz="3200" b="1" i="0" u="none" strike="noStrike" kern="1200" cap="none" spc="0" normalizeH="0" baseline="0" noProof="0" dirty="0">
+                <a:ln>
+                  <a:noFill/>
+                </a:ln>
+                <a:solidFill>
+                  <a:schemeClr val="bg1"/>
+                </a:solidFill>
+                <a:effectLst/>
+                <a:uLnTx/>
+                <a:uFillTx/>
+                <a:latin typeface="微軟正黑體" pitchFamily="34" charset="-120"/>
+                <a:ea typeface="微軟正黑體" pitchFamily="34" charset="-120"/>
+                <a:cs typeface="+mn-cs"/>
+              </a:rPr>
+              <a:t>:AOS.js				</a:t>
+            </a:r>
+          </a:p>
+          <a:p>
+            <a:pPr>
+              <a:lnSpc>
+                <a:spcPts val="3600"/>
+              </a:lnSpc>
+              <a:buFont typeface="Wingdings" panose="05000000000000000000" pitchFamily="2" charset="2"/>
+              <a:buChar char="l"/>
+            </a:pPr>
+            <a:r>
+              <a:rPr kumimoji="0" lang="zh-TW" altLang="en-US" sz="3200" b="1" i="0" u="none" strike="noStrike" kern="1200" cap="none" spc="0" normalizeH="0" baseline="0" noProof="0" dirty="0">
+                <a:ln>
+                  <a:noFill/>
+                </a:ln>
+                <a:solidFill>
+                  <a:schemeClr val="bg1"/>
+                </a:solidFill>
+                <a:effectLst/>
+                <a:uLnTx/>
+                <a:uFillTx/>
+                <a:latin typeface="微軟正黑體" pitchFamily="34" charset="-120"/>
+                <a:ea typeface="微軟正黑體" pitchFamily="34" charset="-120"/>
+                <a:cs typeface="+mn-cs"/>
+              </a:rPr>
+              <a:t>套件</a:t>
+            </a:r>
+            <a:r>
+              <a:rPr kumimoji="0" lang="en-US" altLang="zh-TW" sz="3200" b="1" i="0" u="none" strike="noStrike" kern="1200" cap="none" spc="0" normalizeH="0" baseline="0" noProof="0" dirty="0">
+                <a:ln>
+                  <a:noFill/>
+                </a:ln>
+                <a:solidFill>
+                  <a:schemeClr val="bg1"/>
+                </a:solidFill>
+                <a:effectLst/>
+                <a:uLnTx/>
+                <a:uFillTx/>
+                <a:latin typeface="微軟正黑體" pitchFamily="34" charset="-120"/>
+                <a:ea typeface="微軟正黑體" pitchFamily="34" charset="-120"/>
+                <a:cs typeface="+mn-cs"/>
+              </a:rPr>
+              <a:t>:leaflet.js</a:t>
+            </a:r>
           </a:p>
         </p:txBody>
       </p:sp>
     </p:spTree>
     <p:extLst>
       <p:ext uri="{BB962C8B-B14F-4D97-AF65-F5344CB8AC3E}">
-        <p14:creationId xmlns:p14="http://schemas.microsoft.com/office/powerpoint/2010/main" val="1568314330"/>
+        <p14:creationId xmlns:p14="http://schemas.microsoft.com/office/powerpoint/2010/main" val="970251380"/>
       </p:ext>
     </p:extLst>
   </p:cSld>
   <p:clrMapOvr>
     <a:masterClrMapping/>
   </p:clrMapOvr>
+  <p:timing>
+    <p:tnLst>
+      <p:par>
+        <p:cTn id="1" dur="indefinite" restart="never" nodeType="tmRoot"/>
+      </p:par>
+    </p:tnLst>
+  </p:timing>
 </p:sld>
 </file>
 
@@ -6602,7 +8857,7 @@
           <a:p>
             <a:r>
               <a:rPr lang="zh-TW" altLang="en-US" b="0" dirty="0"/>
-              <a:t>目標客群</a:t>
+              <a:t>動機與目的</a:t>
             </a:r>
           </a:p>
         </p:txBody>
@@ -6836,7 +9091,24 @@
                 <a:ea typeface="微軟正黑體" pitchFamily="34" charset="-120"/>
                 <a:cs typeface="+mn-cs"/>
               </a:rPr>
-              <a:t>有健身觀念但還沒展開計畫的準健身小白	</a:t>
+              <a:t>動機</a:t>
+            </a:r>
+            <a:r>
+              <a:rPr kumimoji="0" lang="en-US" altLang="zh-TW" sz="2400" b="1" i="0" u="none" strike="noStrike" kern="1200" cap="none" spc="0" normalizeH="0" baseline="0" noProof="0" dirty="0">
+                <a:ln>
+                  <a:noFill/>
+                </a:ln>
+                <a:solidFill>
+                  <a:schemeClr val="bg1"/>
+                </a:solidFill>
+                <a:effectLst/>
+                <a:uLnTx/>
+                <a:uFillTx/>
+                <a:latin typeface="微軟正黑體" pitchFamily="34" charset="-120"/>
+                <a:ea typeface="微軟正黑體" pitchFamily="34" charset="-120"/>
+                <a:cs typeface="+mn-cs"/>
+              </a:rPr>
+              <a:t>:</a:t>
             </a:r>
           </a:p>
           <a:p>
@@ -6848,14 +9120,6 @@
               <a:buChar char="l"/>
             </a:pPr>
             <a:r>
-              <a:rPr lang="zh-TW" altLang="en-US" sz="2400" dirty="0">
-                <a:solidFill>
-                  <a:schemeClr val="bg1"/>
-                </a:solidFill>
-              </a:rPr>
-              <a:t>想</a:t>
-            </a:r>
-            <a:r>
               <a:rPr kumimoji="0" lang="zh-TW" altLang="en-US" sz="2400" b="1" i="0" u="none" strike="noStrike" kern="1200" cap="none" spc="0" normalizeH="0" baseline="0" noProof="0" dirty="0">
                 <a:ln>
                   <a:noFill/>
@@ -6870,7 +9134,111 @@
                 <a:ea typeface="微軟正黑體" pitchFamily="34" charset="-120"/>
                 <a:cs typeface="+mn-cs"/>
               </a:rPr>
-              <a:t>開始但還很徬徨的健身小白</a:t>
+              <a:t>現在為了健康與樣貌，健身與營養飲食的觀念越發普及。</a:t>
+            </a:r>
+          </a:p>
+          <a:p>
+            <a:pPr>
+              <a:lnSpc>
+                <a:spcPts val="3600"/>
+              </a:lnSpc>
+              <a:buFont typeface="Wingdings" panose="05000000000000000000" pitchFamily="2" charset="2"/>
+              <a:buChar char="l"/>
+            </a:pPr>
+            <a:r>
+              <a:rPr kumimoji="0" lang="zh-TW" altLang="en-US" sz="2400" b="1" i="0" u="none" strike="noStrike" kern="1200" cap="none" spc="0" normalizeH="0" baseline="0" noProof="0" dirty="0">
+                <a:ln>
+                  <a:noFill/>
+                </a:ln>
+                <a:solidFill>
+                  <a:schemeClr val="bg1"/>
+                </a:solidFill>
+                <a:effectLst/>
+                <a:uLnTx/>
+                <a:uFillTx/>
+                <a:latin typeface="微軟正黑體" pitchFamily="34" charset="-120"/>
+                <a:ea typeface="微軟正黑體" pitchFamily="34" charset="-120"/>
+                <a:cs typeface="+mn-cs"/>
+              </a:rPr>
+              <a:t>網路媒體的進步造就網路資訊數量龐大。</a:t>
+            </a:r>
+          </a:p>
+          <a:p>
+            <a:pPr>
+              <a:lnSpc>
+                <a:spcPts val="3600"/>
+              </a:lnSpc>
+              <a:buFont typeface="Wingdings" panose="05000000000000000000" pitchFamily="2" charset="2"/>
+              <a:buChar char="l"/>
+            </a:pPr>
+            <a:r>
+              <a:rPr kumimoji="0" lang="zh-TW" altLang="en-US" sz="2400" b="1" i="0" u="none" strike="noStrike" kern="1200" cap="none" spc="0" normalizeH="0" baseline="0" noProof="0" dirty="0">
+                <a:ln>
+                  <a:noFill/>
+                </a:ln>
+                <a:solidFill>
+                  <a:schemeClr val="bg1"/>
+                </a:solidFill>
+                <a:effectLst/>
+                <a:uLnTx/>
+                <a:uFillTx/>
+                <a:latin typeface="微軟正黑體" pitchFamily="34" charset="-120"/>
+                <a:ea typeface="微軟正黑體" pitchFamily="34" charset="-120"/>
+                <a:cs typeface="+mn-cs"/>
+              </a:rPr>
+              <a:t>可能會參雜許多正確或誤導的觀念</a:t>
+            </a:r>
+          </a:p>
+          <a:p>
+            <a:pPr>
+              <a:lnSpc>
+                <a:spcPts val="3600"/>
+              </a:lnSpc>
+              <a:buFont typeface="Wingdings" panose="05000000000000000000" pitchFamily="2" charset="2"/>
+              <a:buChar char="l"/>
+            </a:pPr>
+            <a:r>
+              <a:rPr kumimoji="0" lang="zh-TW" altLang="en-US" sz="2400" b="1" i="0" u="none" strike="noStrike" kern="1200" cap="none" spc="0" normalizeH="0" baseline="0" noProof="0" dirty="0">
+                <a:ln>
+                  <a:noFill/>
+                </a:ln>
+                <a:solidFill>
+                  <a:schemeClr val="bg1"/>
+                </a:solidFill>
+                <a:effectLst/>
+                <a:uLnTx/>
+                <a:uFillTx/>
+                <a:latin typeface="微軟正黑體" pitchFamily="34" charset="-120"/>
+                <a:ea typeface="微軟正黑體" pitchFamily="34" charset="-120"/>
+                <a:cs typeface="+mn-cs"/>
+              </a:rPr>
+              <a:t>同時，近年來的健身區是造就健身房林立，許多人可能想踏出這一步，但苦於一個開頭或推手。</a:t>
+            </a:r>
+          </a:p>
+          <a:p>
+            <a:pPr>
+              <a:lnSpc>
+                <a:spcPts val="3600"/>
+              </a:lnSpc>
+              <a:buFont typeface="Wingdings" panose="05000000000000000000" pitchFamily="2" charset="2"/>
+              <a:buChar char="l"/>
+            </a:pPr>
+            <a:r>
+              <a:rPr kumimoji="0" lang="zh-TW" altLang="en-US" sz="2400" b="1" i="0" u="none" strike="noStrike" kern="1200" cap="none" spc="0" normalizeH="0" baseline="0" noProof="0" dirty="0">
+                <a:ln>
+                  <a:noFill/>
+                </a:ln>
+                <a:solidFill>
+                  <a:schemeClr val="bg1"/>
+                </a:solidFill>
+                <a:effectLst/>
+                <a:uLnTx/>
+                <a:uFillTx/>
+                <a:latin typeface="微軟正黑體" pitchFamily="34" charset="-120"/>
+                <a:ea typeface="微軟正黑體" pitchFamily="34" charset="-120"/>
+                <a:cs typeface="+mn-cs"/>
+              </a:rPr>
+              <a:t>所以我們想開創一個資訊整合平台，整合並提供客觀資訊提供使用者參考，成為健身小白的新手村。</a:t>
             </a:r>
             <a:endParaRPr kumimoji="0" lang="en-US" altLang="zh-TW" sz="2400" b="1" i="0" u="none" strike="noStrike" kern="1200" cap="none" spc="0" normalizeH="0" baseline="0" noProof="0" dirty="0">
               <a:ln>
@@ -6887,52 +9255,25 @@
               <a:cs typeface="+mn-cs"/>
             </a:endParaRPr>
           </a:p>
-          <a:p>
-            <a:pPr>
-              <a:lnSpc>
-                <a:spcPts val="3600"/>
-              </a:lnSpc>
-              <a:buFont typeface="Wingdings" panose="05000000000000000000" pitchFamily="2" charset="2"/>
-              <a:buChar char="l"/>
-            </a:pPr>
-            <a:r>
-              <a:rPr lang="zh-TW" altLang="en-US" sz="2400" dirty="0">
-                <a:solidFill>
-                  <a:schemeClr val="bg1"/>
-                </a:solidFill>
-              </a:rPr>
-              <a:t>剛開始但資訊還不成熟的健身小白</a:t>
-            </a:r>
-            <a:r>
-              <a:rPr kumimoji="0" lang="zh-TW" altLang="en-US" sz="2400" b="1" i="0" u="none" strike="noStrike" kern="1200" cap="none" spc="0" normalizeH="0" baseline="0" noProof="0" dirty="0">
-                <a:ln>
-                  <a:noFill/>
-                </a:ln>
-                <a:solidFill>
-                  <a:schemeClr val="bg1"/>
-                </a:solidFill>
-                <a:effectLst/>
-                <a:uLnTx/>
-                <a:uFillTx/>
-                <a:latin typeface="微軟正黑體" pitchFamily="34" charset="-120"/>
-                <a:ea typeface="微軟正黑體" pitchFamily="34" charset="-120"/>
-                <a:cs typeface="+mn-cs"/>
-              </a:rPr>
-              <a:t>			</a:t>
-            </a:r>
-          </a:p>
         </p:txBody>
       </p:sp>
     </p:spTree>
     <p:extLst>
       <p:ext uri="{BB962C8B-B14F-4D97-AF65-F5344CB8AC3E}">
-        <p14:creationId xmlns:p14="http://schemas.microsoft.com/office/powerpoint/2010/main" val="3127645402"/>
+        <p14:creationId xmlns:p14="http://schemas.microsoft.com/office/powerpoint/2010/main" val="1568314330"/>
       </p:ext>
     </p:extLst>
   </p:cSld>
   <p:clrMapOvr>
     <a:masterClrMapping/>
   </p:clrMapOvr>
+  <p:timing>
+    <p:tnLst>
+      <p:par>
+        <p:cTn id="1" dur="indefinite" restart="never" nodeType="tmRoot"/>
+      </p:par>
+    </p:tnLst>
+  </p:timing>
 </p:sld>
 </file>
 
@@ -6978,7 +9319,7 @@
           <a:p>
             <a:r>
               <a:rPr lang="zh-TW" altLang="en-US" b="0" dirty="0"/>
-              <a:t>組員報告順序</a:t>
+              <a:t>目標客群</a:t>
             </a:r>
           </a:p>
         </p:txBody>
@@ -7212,41 +9553,7 @@
                 <a:ea typeface="微軟正黑體" pitchFamily="34" charset="-120"/>
                 <a:cs typeface="+mn-cs"/>
               </a:rPr>
-              <a:t>從 前端</a:t>
-            </a:r>
-            <a:r>
-              <a:rPr kumimoji="0" lang="en-US" altLang="zh-TW" sz="2400" b="1" i="0" u="none" strike="noStrike" kern="1200" cap="none" spc="0" normalizeH="0" baseline="0" noProof="0" dirty="0">
-                <a:ln>
-                  <a:noFill/>
-                </a:ln>
-                <a:solidFill>
-                  <a:schemeClr val="bg1"/>
-                </a:solidFill>
-                <a:effectLst/>
-                <a:uLnTx/>
-                <a:uFillTx/>
-                <a:latin typeface="微軟正黑體" pitchFamily="34" charset="-120"/>
-                <a:ea typeface="微軟正黑體" pitchFamily="34" charset="-120"/>
-                <a:cs typeface="+mn-cs"/>
-              </a:rPr>
-              <a:t>&gt;</a:t>
-            </a:r>
-            <a:r>
-              <a:rPr kumimoji="0" lang="zh-TW" altLang="en-US" sz="2400" b="1" i="0" u="none" strike="noStrike" kern="1200" cap="none" spc="0" normalizeH="0" baseline="0" noProof="0" dirty="0">
-                <a:ln>
-                  <a:noFill/>
-                </a:ln>
-                <a:solidFill>
-                  <a:schemeClr val="bg1"/>
-                </a:solidFill>
-                <a:effectLst/>
-                <a:uLnTx/>
-                <a:uFillTx/>
-                <a:latin typeface="微軟正黑體" pitchFamily="34" charset="-120"/>
-                <a:ea typeface="微軟正黑體" pitchFamily="34" charset="-120"/>
-                <a:cs typeface="+mn-cs"/>
-              </a:rPr>
-              <a:t>後端 </a:t>
+              <a:t>有健身觀念但還沒展開計畫的準健身小白	</a:t>
             </a:r>
           </a:p>
           <a:p>
@@ -7258,6 +9565,14 @@
               <a:buChar char="l"/>
             </a:pPr>
             <a:r>
+              <a:rPr lang="zh-TW" altLang="en-US" sz="2400" dirty="0">
+                <a:solidFill>
+                  <a:schemeClr val="bg1"/>
+                </a:solidFill>
+              </a:rPr>
+              <a:t>想</a:t>
+            </a:r>
+            <a:r>
               <a:rPr kumimoji="0" lang="zh-TW" altLang="en-US" sz="2400" b="1" i="0" u="none" strike="noStrike" kern="1200" cap="none" spc="0" normalizeH="0" baseline="0" noProof="0" dirty="0">
                 <a:ln>
                   <a:noFill/>
@@ -7272,52 +9587,9 @@
                 <a:ea typeface="微軟正黑體" pitchFamily="34" charset="-120"/>
                 <a:cs typeface="+mn-cs"/>
               </a:rPr>
-              <a:t>從 畫面</a:t>
-            </a:r>
-            <a:r>
-              <a:rPr kumimoji="0" lang="en-US" altLang="zh-TW" sz="2400" b="1" i="0" u="none" strike="noStrike" kern="1200" cap="none" spc="0" normalizeH="0" baseline="0" noProof="0" dirty="0">
-                <a:ln>
-                  <a:noFill/>
-                </a:ln>
-                <a:solidFill>
-                  <a:schemeClr val="bg1"/>
-                </a:solidFill>
-                <a:effectLst/>
-                <a:uLnTx/>
-                <a:uFillTx/>
-                <a:latin typeface="微軟正黑體" pitchFamily="34" charset="-120"/>
-                <a:ea typeface="微軟正黑體" pitchFamily="34" charset="-120"/>
-                <a:cs typeface="+mn-cs"/>
-              </a:rPr>
-              <a:t>&gt;</a:t>
-            </a:r>
-            <a:r>
-              <a:rPr kumimoji="0" lang="zh-TW" altLang="en-US" sz="2400" b="1" i="0" u="none" strike="noStrike" kern="1200" cap="none" spc="0" normalizeH="0" baseline="0" noProof="0" dirty="0">
-                <a:ln>
-                  <a:noFill/>
-                </a:ln>
-                <a:solidFill>
-                  <a:schemeClr val="bg1"/>
-                </a:solidFill>
-                <a:effectLst/>
-                <a:uLnTx/>
-                <a:uFillTx/>
-                <a:latin typeface="微軟正黑體" pitchFamily="34" charset="-120"/>
-                <a:ea typeface="微軟正黑體" pitchFamily="34" charset="-120"/>
-                <a:cs typeface="+mn-cs"/>
-              </a:rPr>
-              <a:t>管理</a:t>
-            </a:r>
-          </a:p>
-          <a:p>
-            <a:pPr>
-              <a:lnSpc>
-                <a:spcPts val="3600"/>
-              </a:lnSpc>
-              <a:buFont typeface="Wingdings" panose="05000000000000000000" pitchFamily="2" charset="2"/>
-              <a:buChar char="l"/>
-            </a:pPr>
-            <a:endParaRPr kumimoji="0" lang="zh-TW" altLang="en-US" sz="2400" b="1" i="0" u="none" strike="noStrike" kern="1200" cap="none" spc="0" normalizeH="0" baseline="0" noProof="0" dirty="0">
+              <a:t>開始但還很徬徨的健身小白</a:t>
+            </a:r>
+            <a:endParaRPr kumimoji="0" lang="en-US" altLang="zh-TW" sz="2400" b="1" i="0" u="none" strike="noStrike" kern="1200" cap="none" spc="0" normalizeH="0" baseline="0" noProof="0" dirty="0">
               <a:ln>
                 <a:noFill/>
               </a:ln>
@@ -7346,10 +9618,10 @@
                   <a:schemeClr val="bg1"/>
                 </a:solidFill>
               </a:rPr>
-              <a:t>佳樺</a:t>
-            </a:r>
-            <a:r>
-              <a:rPr kumimoji="0" lang="en-US" altLang="zh-TW" sz="2400" b="1" i="0" u="none" strike="noStrike" kern="1200" cap="none" spc="0" normalizeH="0" baseline="0" noProof="0" dirty="0">
+              <a:t>剛開始但資訊還不成熟的健身小白</a:t>
+            </a:r>
+            <a:r>
+              <a:rPr kumimoji="0" lang="zh-TW" altLang="en-US" sz="2400" b="1" i="0" u="none" strike="noStrike" kern="1200" cap="none" spc="0" normalizeH="0" baseline="0" noProof="0" dirty="0">
                 <a:ln>
                   <a:noFill/>
                 </a:ln>
@@ -7363,391 +9635,7 @@
                 <a:ea typeface="微軟正黑體" pitchFamily="34" charset="-120"/>
                 <a:cs typeface="+mn-cs"/>
               </a:rPr>
-              <a:t> =&gt;</a:t>
-            </a:r>
-            <a:r>
-              <a:rPr kumimoji="0" lang="zh-TW" altLang="en-US" sz="2400" b="1" i="0" u="none" strike="noStrike" kern="1200" cap="none" spc="0" normalizeH="0" baseline="0" noProof="0" dirty="0">
-                <a:ln>
-                  <a:noFill/>
-                </a:ln>
-                <a:solidFill>
-                  <a:schemeClr val="bg1"/>
-                </a:solidFill>
-                <a:effectLst/>
-                <a:uLnTx/>
-                <a:uFillTx/>
-                <a:latin typeface="微軟正黑體" pitchFamily="34" charset="-120"/>
-                <a:ea typeface="微軟正黑體" pitchFamily="34" charset="-120"/>
-                <a:cs typeface="+mn-cs"/>
-              </a:rPr>
-              <a:t>人員介紹 理念 </a:t>
-            </a:r>
-            <a:r>
-              <a:rPr kumimoji="0" lang="en-US" altLang="zh-TW" sz="2400" b="1" i="0" u="none" strike="noStrike" kern="1200" cap="none" spc="0" normalizeH="0" baseline="0" noProof="0" dirty="0">
-                <a:ln>
-                  <a:noFill/>
-                </a:ln>
-                <a:solidFill>
-                  <a:schemeClr val="bg1"/>
-                </a:solidFill>
-                <a:effectLst/>
-                <a:uLnTx/>
-                <a:uFillTx/>
-                <a:latin typeface="微軟正黑體" pitchFamily="34" charset="-120"/>
-                <a:ea typeface="微軟正黑體" pitchFamily="34" charset="-120"/>
-                <a:cs typeface="+mn-cs"/>
-              </a:rPr>
-              <a:t>&gt; </a:t>
-            </a:r>
-          </a:p>
-          <a:p>
-            <a:pPr>
-              <a:lnSpc>
-                <a:spcPts val="3600"/>
-              </a:lnSpc>
-              <a:buFont typeface="Wingdings" panose="05000000000000000000" pitchFamily="2" charset="2"/>
-              <a:buChar char="l"/>
-            </a:pPr>
-            <a:r>
-              <a:rPr kumimoji="0" lang="zh-TW" altLang="en-US" sz="2400" b="1" i="0" u="none" strike="noStrike" kern="1200" cap="none" spc="0" normalizeH="0" baseline="0" noProof="0" dirty="0">
-                <a:ln>
-                  <a:noFill/>
-                </a:ln>
-                <a:solidFill>
-                  <a:schemeClr val="bg1"/>
-                </a:solidFill>
-                <a:effectLst/>
-                <a:uLnTx/>
-                <a:uFillTx/>
-                <a:latin typeface="微軟正黑體" pitchFamily="34" charset="-120"/>
-                <a:ea typeface="微軟正黑體" pitchFamily="34" charset="-120"/>
-                <a:cs typeface="+mn-cs"/>
-              </a:rPr>
-              <a:t>孟穎 </a:t>
-            </a:r>
-            <a:r>
-              <a:rPr kumimoji="0" lang="en-US" altLang="zh-TW" sz="2400" b="1" i="0" u="none" strike="noStrike" kern="1200" cap="none" spc="0" normalizeH="0" baseline="0" noProof="0" dirty="0">
-                <a:ln>
-                  <a:noFill/>
-                </a:ln>
-                <a:solidFill>
-                  <a:schemeClr val="bg1"/>
-                </a:solidFill>
-                <a:effectLst/>
-                <a:uLnTx/>
-                <a:uFillTx/>
-                <a:latin typeface="微軟正黑體" pitchFamily="34" charset="-120"/>
-                <a:ea typeface="微軟正黑體" pitchFamily="34" charset="-120"/>
-                <a:cs typeface="+mn-cs"/>
-              </a:rPr>
-              <a:t>=&gt;</a:t>
-            </a:r>
-            <a:r>
-              <a:rPr kumimoji="0" lang="zh-TW" altLang="en-US" sz="2400" b="1" i="0" u="none" strike="noStrike" kern="1200" cap="none" spc="0" normalizeH="0" baseline="0" noProof="0" dirty="0">
-                <a:ln>
-                  <a:noFill/>
-                </a:ln>
-                <a:solidFill>
-                  <a:schemeClr val="bg1"/>
-                </a:solidFill>
-                <a:effectLst/>
-                <a:uLnTx/>
-                <a:uFillTx/>
-                <a:latin typeface="微軟正黑體" pitchFamily="34" charset="-120"/>
-                <a:ea typeface="微軟正黑體" pitchFamily="34" charset="-120"/>
-                <a:cs typeface="+mn-cs"/>
-              </a:rPr>
-              <a:t>設計概念 色彩運用 </a:t>
-            </a:r>
-            <a:r>
-              <a:rPr kumimoji="0" lang="en-US" altLang="zh-TW" sz="2400" b="1" i="0" u="none" strike="noStrike" kern="1200" cap="none" spc="0" normalizeH="0" baseline="0" noProof="0" dirty="0">
-                <a:ln>
-                  <a:noFill/>
-                </a:ln>
-                <a:solidFill>
-                  <a:schemeClr val="bg1"/>
-                </a:solidFill>
-                <a:effectLst/>
-                <a:uLnTx/>
-                <a:uFillTx/>
-                <a:latin typeface="微軟正黑體" pitchFamily="34" charset="-120"/>
-                <a:ea typeface="微軟正黑體" pitchFamily="34" charset="-120"/>
-                <a:cs typeface="+mn-cs"/>
-              </a:rPr>
-              <a:t>&gt; </a:t>
-            </a:r>
-          </a:p>
-          <a:p>
-            <a:pPr>
-              <a:lnSpc>
-                <a:spcPts val="3600"/>
-              </a:lnSpc>
-              <a:buFont typeface="Wingdings" panose="05000000000000000000" pitchFamily="2" charset="2"/>
-              <a:buChar char="l"/>
-            </a:pPr>
-            <a:r>
-              <a:rPr kumimoji="0" lang="zh-TW" altLang="en-US" sz="2400" b="1" i="0" u="none" strike="noStrike" kern="1200" cap="none" spc="0" normalizeH="0" baseline="0" noProof="0" dirty="0">
-                <a:ln>
-                  <a:noFill/>
-                </a:ln>
-                <a:solidFill>
-                  <a:schemeClr val="bg1"/>
-                </a:solidFill>
-                <a:effectLst/>
-                <a:uLnTx/>
-                <a:uFillTx/>
-                <a:latin typeface="微軟正黑體" pitchFamily="34" charset="-120"/>
-                <a:ea typeface="微軟正黑體" pitchFamily="34" charset="-120"/>
-                <a:cs typeface="+mn-cs"/>
-              </a:rPr>
-              <a:t>宜芬</a:t>
-            </a:r>
-            <a:r>
-              <a:rPr kumimoji="0" lang="en-US" altLang="zh-TW" sz="2400" b="1" i="0" u="none" strike="noStrike" kern="1200" cap="none" spc="0" normalizeH="0" baseline="0" noProof="0" dirty="0">
-                <a:ln>
-                  <a:noFill/>
-                </a:ln>
-                <a:solidFill>
-                  <a:schemeClr val="bg1"/>
-                </a:solidFill>
-                <a:effectLst/>
-                <a:uLnTx/>
-                <a:uFillTx/>
-                <a:latin typeface="微軟正黑體" pitchFamily="34" charset="-120"/>
-                <a:ea typeface="微軟正黑體" pitchFamily="34" charset="-120"/>
-                <a:cs typeface="+mn-cs"/>
-              </a:rPr>
-              <a:t> =&gt; </a:t>
-            </a:r>
-            <a:r>
-              <a:rPr kumimoji="0" lang="zh-TW" altLang="en-US" sz="2400" b="1" i="0" u="none" strike="noStrike" kern="1200" cap="none" spc="0" normalizeH="0" baseline="0" noProof="0" dirty="0">
-                <a:ln>
-                  <a:noFill/>
-                </a:ln>
-                <a:solidFill>
-                  <a:schemeClr val="bg1"/>
-                </a:solidFill>
-                <a:effectLst/>
-                <a:uLnTx/>
-                <a:uFillTx/>
-                <a:latin typeface="微軟正黑體" pitchFamily="34" charset="-120"/>
-                <a:ea typeface="微軟正黑體" pitchFamily="34" charset="-120"/>
-                <a:cs typeface="+mn-cs"/>
-              </a:rPr>
-              <a:t>功能</a:t>
-            </a:r>
-            <a:r>
-              <a:rPr kumimoji="0" lang="en-US" altLang="zh-TW" sz="2400" b="1" i="0" u="none" strike="noStrike" kern="1200" cap="none" spc="0" normalizeH="0" baseline="0" noProof="0" dirty="0">
-                <a:ln>
-                  <a:noFill/>
-                </a:ln>
-                <a:solidFill>
-                  <a:schemeClr val="bg1"/>
-                </a:solidFill>
-                <a:effectLst/>
-                <a:uLnTx/>
-                <a:uFillTx/>
-                <a:latin typeface="微軟正黑體" pitchFamily="34" charset="-120"/>
-                <a:ea typeface="微軟正黑體" pitchFamily="34" charset="-120"/>
-                <a:cs typeface="+mn-cs"/>
-              </a:rPr>
-              <a:t>: </a:t>
-            </a:r>
-            <a:r>
-              <a:rPr kumimoji="0" lang="zh-TW" altLang="en-US" sz="2400" b="1" i="0" u="none" strike="noStrike" kern="1200" cap="none" spc="0" normalizeH="0" baseline="0" noProof="0" dirty="0">
-                <a:ln>
-                  <a:noFill/>
-                </a:ln>
-                <a:solidFill>
-                  <a:schemeClr val="bg1"/>
-                </a:solidFill>
-                <a:effectLst/>
-                <a:uLnTx/>
-                <a:uFillTx/>
-                <a:latin typeface="微軟正黑體" pitchFamily="34" charset="-120"/>
-                <a:ea typeface="微軟正黑體" pitchFamily="34" charset="-120"/>
-                <a:cs typeface="+mn-cs"/>
-              </a:rPr>
-              <a:t>登入 地圖</a:t>
-            </a:r>
-            <a:r>
-              <a:rPr kumimoji="0" lang="en-US" altLang="zh-TW" sz="2400" b="1" i="0" u="none" strike="noStrike" kern="1200" cap="none" spc="0" normalizeH="0" baseline="0" noProof="0" dirty="0">
-                <a:ln>
-                  <a:noFill/>
-                </a:ln>
-                <a:solidFill>
-                  <a:schemeClr val="bg1"/>
-                </a:solidFill>
-                <a:effectLst/>
-                <a:uLnTx/>
-                <a:uFillTx/>
-                <a:latin typeface="微軟正黑體" pitchFamily="34" charset="-120"/>
-                <a:ea typeface="微軟正黑體" pitchFamily="34" charset="-120"/>
-                <a:cs typeface="+mn-cs"/>
-              </a:rPr>
-              <a:t>API</a:t>
-            </a:r>
-            <a:r>
-              <a:rPr kumimoji="0" lang="zh-TW" altLang="en-US" sz="2400" b="1" i="0" u="none" strike="noStrike" kern="1200" cap="none" spc="0" normalizeH="0" baseline="0" noProof="0" dirty="0">
-                <a:ln>
-                  <a:noFill/>
-                </a:ln>
-                <a:solidFill>
-                  <a:schemeClr val="bg1"/>
-                </a:solidFill>
-                <a:effectLst/>
-                <a:uLnTx/>
-                <a:uFillTx/>
-                <a:latin typeface="微軟正黑體" pitchFamily="34" charset="-120"/>
-                <a:ea typeface="微軟正黑體" pitchFamily="34" charset="-120"/>
-                <a:cs typeface="+mn-cs"/>
-              </a:rPr>
-              <a:t> </a:t>
-            </a:r>
-            <a:r>
-              <a:rPr kumimoji="0" lang="en-US" altLang="zh-TW" sz="2400" b="1" i="0" u="none" strike="noStrike" kern="1200" cap="none" spc="0" normalizeH="0" baseline="0" noProof="0" dirty="0">
-                <a:ln>
-                  <a:noFill/>
-                </a:ln>
-                <a:solidFill>
-                  <a:schemeClr val="bg1"/>
-                </a:solidFill>
-                <a:effectLst/>
-                <a:uLnTx/>
-                <a:uFillTx/>
-                <a:latin typeface="微軟正黑體" pitchFamily="34" charset="-120"/>
-                <a:ea typeface="微軟正黑體" pitchFamily="34" charset="-120"/>
-                <a:cs typeface="+mn-cs"/>
-              </a:rPr>
-              <a:t> </a:t>
-            </a:r>
-            <a:r>
-              <a:rPr kumimoji="0" lang="zh-TW" altLang="en-US" sz="2400" b="1" i="0" u="none" strike="noStrike" kern="1200" cap="none" spc="0" normalizeH="0" baseline="0" noProof="0" dirty="0">
-                <a:ln>
-                  <a:noFill/>
-                </a:ln>
-                <a:solidFill>
-                  <a:schemeClr val="bg1"/>
-                </a:solidFill>
-                <a:effectLst/>
-                <a:uLnTx/>
-                <a:uFillTx/>
-                <a:latin typeface="微軟正黑體" pitchFamily="34" charset="-120"/>
-                <a:ea typeface="微軟正黑體" pitchFamily="34" charset="-120"/>
-                <a:cs typeface="+mn-cs"/>
-              </a:rPr>
-              <a:t>購物車功能 </a:t>
-            </a:r>
-            <a:r>
-              <a:rPr kumimoji="0" lang="en-US" altLang="zh-TW" sz="2400" b="1" i="0" u="none" strike="noStrike" kern="1200" cap="none" spc="0" normalizeH="0" baseline="0" noProof="0" dirty="0">
-                <a:ln>
-                  <a:noFill/>
-                </a:ln>
-                <a:solidFill>
-                  <a:schemeClr val="bg1"/>
-                </a:solidFill>
-                <a:effectLst/>
-                <a:uLnTx/>
-                <a:uFillTx/>
-                <a:latin typeface="微軟正黑體" pitchFamily="34" charset="-120"/>
-                <a:ea typeface="微軟正黑體" pitchFamily="34" charset="-120"/>
-                <a:cs typeface="+mn-cs"/>
-              </a:rPr>
-              <a:t>&gt; </a:t>
-            </a:r>
-          </a:p>
-          <a:p>
-            <a:pPr>
-              <a:lnSpc>
-                <a:spcPts val="3600"/>
-              </a:lnSpc>
-              <a:buFont typeface="Wingdings" panose="05000000000000000000" pitchFamily="2" charset="2"/>
-              <a:buChar char="l"/>
-            </a:pPr>
-            <a:r>
-              <a:rPr kumimoji="0" lang="zh-TW" altLang="en-US" sz="2400" b="1" i="0" u="none" strike="noStrike" kern="1200" cap="none" spc="0" normalizeH="0" baseline="0" noProof="0" dirty="0">
-                <a:ln>
-                  <a:noFill/>
-                </a:ln>
-                <a:solidFill>
-                  <a:schemeClr val="bg1"/>
-                </a:solidFill>
-                <a:effectLst/>
-                <a:uLnTx/>
-                <a:uFillTx/>
-                <a:latin typeface="微軟正黑體" pitchFamily="34" charset="-120"/>
-                <a:ea typeface="微軟正黑體" pitchFamily="34" charset="-120"/>
-                <a:cs typeface="+mn-cs"/>
-              </a:rPr>
-              <a:t>威宇 </a:t>
-            </a:r>
-            <a:r>
-              <a:rPr kumimoji="0" lang="en-US" altLang="zh-TW" sz="2400" b="1" i="0" u="none" strike="noStrike" kern="1200" cap="none" spc="0" normalizeH="0" baseline="0" noProof="0" dirty="0">
-                <a:ln>
-                  <a:noFill/>
-                </a:ln>
-                <a:solidFill>
-                  <a:schemeClr val="bg1"/>
-                </a:solidFill>
-                <a:effectLst/>
-                <a:uLnTx/>
-                <a:uFillTx/>
-                <a:latin typeface="微軟正黑體" pitchFamily="34" charset="-120"/>
-                <a:ea typeface="微軟正黑體" pitchFamily="34" charset="-120"/>
-                <a:cs typeface="+mn-cs"/>
-              </a:rPr>
-              <a:t>=&gt;  </a:t>
-            </a:r>
-            <a:r>
-              <a:rPr kumimoji="0" lang="zh-TW" altLang="en-US" sz="2400" b="1" i="0" u="none" strike="noStrike" kern="1200" cap="none" spc="0" normalizeH="0" baseline="0" noProof="0" dirty="0">
-                <a:ln>
-                  <a:noFill/>
-                </a:ln>
-                <a:solidFill>
-                  <a:schemeClr val="bg1"/>
-                </a:solidFill>
-                <a:effectLst/>
-                <a:uLnTx/>
-                <a:uFillTx/>
-                <a:latin typeface="微軟正黑體" pitchFamily="34" charset="-120"/>
-                <a:ea typeface="微軟正黑體" pitchFamily="34" charset="-120"/>
-                <a:cs typeface="+mn-cs"/>
-              </a:rPr>
-              <a:t>功能</a:t>
-            </a:r>
-            <a:r>
-              <a:rPr kumimoji="0" lang="en-US" altLang="zh-TW" sz="2400" b="1" i="0" u="none" strike="noStrike" kern="1200" cap="none" spc="0" normalizeH="0" baseline="0" noProof="0" dirty="0">
-                <a:ln>
-                  <a:noFill/>
-                </a:ln>
-                <a:solidFill>
-                  <a:schemeClr val="bg1"/>
-                </a:solidFill>
-                <a:effectLst/>
-                <a:uLnTx/>
-                <a:uFillTx/>
-                <a:latin typeface="微軟正黑體" pitchFamily="34" charset="-120"/>
-                <a:ea typeface="微軟正黑體" pitchFamily="34" charset="-120"/>
-                <a:cs typeface="+mn-cs"/>
-              </a:rPr>
-              <a:t>: </a:t>
-            </a:r>
-            <a:r>
-              <a:rPr kumimoji="0" lang="zh-TW" altLang="en-US" sz="2400" b="1" i="0" u="none" strike="noStrike" kern="1200" cap="none" spc="0" normalizeH="0" baseline="0" noProof="0" dirty="0">
-                <a:ln>
-                  <a:noFill/>
-                </a:ln>
-                <a:solidFill>
-                  <a:schemeClr val="bg1"/>
-                </a:solidFill>
-                <a:effectLst/>
-                <a:uLnTx/>
-                <a:uFillTx/>
-                <a:latin typeface="微軟正黑體" pitchFamily="34" charset="-120"/>
-                <a:ea typeface="微軟正黑體" pitchFamily="34" charset="-120"/>
-                <a:cs typeface="+mn-cs"/>
-              </a:rPr>
-              <a:t>遊戲 後台</a:t>
+              <a:t>			</a:t>
             </a:r>
           </a:p>
         </p:txBody>
@@ -7755,7 +9643,7 @@
     </p:spTree>
     <p:extLst>
       <p:ext uri="{BB962C8B-B14F-4D97-AF65-F5344CB8AC3E}">
-        <p14:creationId xmlns:p14="http://schemas.microsoft.com/office/powerpoint/2010/main" val="1246643756"/>
+        <p14:creationId xmlns:p14="http://schemas.microsoft.com/office/powerpoint/2010/main" val="3127645402"/>
       </p:ext>
     </p:extLst>
   </p:cSld>
@@ -7802,315 +9690,781 @@
           </a:prstGeom>
         </p:spPr>
         <p:txBody>
-          <a:bodyPr>
-            <a:noAutofit/>
-          </a:bodyPr>
+          <a:bodyPr/>
           <a:lstStyle/>
           <a:p>
             <a:r>
-              <a:rPr lang="en-US" altLang="zh-TW" sz="2800" b="0" dirty="0"/>
-              <a:t>Logo</a:t>
-            </a:r>
-            <a:r>
-              <a:rPr lang="zh-TW" altLang="en-US" sz="2800" b="0" dirty="0"/>
-              <a:t>設計 </a:t>
-            </a:r>
-            <a:r>
-              <a:rPr lang="en-US" altLang="zh-TW" sz="2800" b="0" dirty="0"/>
-              <a:t>| </a:t>
-            </a:r>
-            <a:r>
-              <a:rPr lang="zh-TW" altLang="en-US" sz="2800" b="0" dirty="0"/>
-              <a:t>色彩計畫 </a:t>
-            </a:r>
-            <a:r>
-              <a:rPr lang="en-US" altLang="zh-TW" sz="2800" b="0" dirty="0"/>
-              <a:t>| </a:t>
-            </a:r>
-            <a:r>
-              <a:rPr lang="zh-TW" altLang="en-US" sz="2800" b="0" dirty="0"/>
-              <a:t>色彩配置 </a:t>
-            </a:r>
-            <a:r>
-              <a:rPr lang="en-US" altLang="zh-TW" sz="2800" b="0" dirty="0"/>
-              <a:t>| </a:t>
-            </a:r>
-            <a:r>
-              <a:rPr lang="zh-TW" altLang="en-US" sz="2800" b="0" dirty="0"/>
-              <a:t>視覺概念</a:t>
+              <a:rPr lang="zh-TW" altLang="en-US" b="0" dirty="0"/>
+              <a:t>組員報告順序</a:t>
             </a:r>
           </a:p>
         </p:txBody>
       </p:sp>
-      <p:pic>
-        <p:nvPicPr>
-          <p:cNvPr id="3076" name="Picture 4">
-            <a:extLst>
-              <a:ext uri="{FF2B5EF4-FFF2-40B4-BE49-F238E27FC236}">
-                <a16:creationId xmlns:a16="http://schemas.microsoft.com/office/drawing/2014/main" id="{87E02326-0A66-F416-E27F-CCC25B44BF95}"/>
-              </a:ext>
-            </a:extLst>
-          </p:cNvPr>
-          <p:cNvPicPr>
-            <a:picLocks noChangeAspect="1" noChangeArrowheads="1"/>
-          </p:cNvPicPr>
-          <p:nvPr/>
-        </p:nvPicPr>
-        <p:blipFill>
-          <a:blip r:embed="rId2">
-            <a:extLst>
-              <a:ext uri="{28A0092B-C50C-407E-A947-70E740481C1C}">
-                <a14:useLocalDpi xmlns:a14="http://schemas.microsoft.com/office/drawing/2010/main" val="0"/>
-              </a:ext>
-            </a:extLst>
-          </a:blip>
-          <a:srcRect/>
-          <a:stretch>
-            <a:fillRect/>
-          </a:stretch>
-        </p:blipFill>
-        <p:spPr bwMode="auto">
-          <a:xfrm>
-            <a:off x="377477" y="985122"/>
-            <a:ext cx="8913440" cy="2971147"/>
-          </a:xfrm>
-          <a:prstGeom prst="rect">
-            <a:avLst/>
-          </a:prstGeom>
-          <a:noFill/>
-          <a:extLst>
-            <a:ext uri="{909E8E84-426E-40DD-AFC4-6F175D3DCCD1}">
-              <a14:hiddenFill xmlns:a14="http://schemas.microsoft.com/office/drawing/2010/main">
-                <a:solidFill>
-                  <a:srgbClr val="FFFFFF"/>
-                </a:solidFill>
-              </a14:hiddenFill>
-            </a:ext>
-          </a:extLst>
-        </p:spPr>
-      </p:pic>
       <p:sp>
         <p:nvSpPr>
-          <p:cNvPr id="7" name="矩形 6">
-            <a:extLst>
-              <a:ext uri="{FF2B5EF4-FFF2-40B4-BE49-F238E27FC236}">
-                <a16:creationId xmlns:a16="http://schemas.microsoft.com/office/drawing/2014/main" id="{5AA8709B-146C-1E0E-7948-190E737CA1E9}"/>
-              </a:ext>
-            </a:extLst>
-          </p:cNvPr>
-          <p:cNvSpPr/>
+          <p:cNvPr id="6" name="內容版面配置區 1"/>
+          <p:cNvSpPr txBox="1">
+            <a:spLocks/>
+          </p:cNvSpPr>
           <p:nvPr/>
         </p:nvSpPr>
-        <p:spPr>
+        <p:spPr bwMode="ltGray">
           <a:xfrm>
-            <a:off x="377477" y="4149080"/>
-            <a:ext cx="2487291" cy="2232248"/>
-          </a:xfrm>
-          <a:prstGeom prst="rect">
-            <a:avLst/>
-          </a:prstGeom>
-          <a:solidFill>
-            <a:srgbClr val="FFFFFF"/>
-          </a:solidFill>
-          <a:ln>
-            <a:solidFill>
-              <a:schemeClr val="bg1"/>
-            </a:solidFill>
-          </a:ln>
-        </p:spPr>
-        <p:style>
-          <a:lnRef idx="1">
-            <a:schemeClr val="accent4"/>
-          </a:lnRef>
-          <a:fillRef idx="3">
-            <a:schemeClr val="accent4"/>
-          </a:fillRef>
-          <a:effectRef idx="2">
-            <a:schemeClr val="accent4"/>
-          </a:effectRef>
-          <a:fontRef idx="minor">
-            <a:schemeClr val="lt1"/>
-          </a:fontRef>
-        </p:style>
-        <p:txBody>
-          <a:bodyPr rtlCol="0" anchor="ctr"/>
-          <a:lstStyle/>
-          <a:p>
-            <a:pPr algn="ctr"/>
-            <a:endParaRPr lang="zh-TW" altLang="en-US"/>
-          </a:p>
-        </p:txBody>
-      </p:sp>
-      <p:pic>
-        <p:nvPicPr>
-          <p:cNvPr id="10" name="圖片 9">
-            <a:extLst>
-              <a:ext uri="{FF2B5EF4-FFF2-40B4-BE49-F238E27FC236}">
-                <a16:creationId xmlns:a16="http://schemas.microsoft.com/office/drawing/2014/main" id="{EF7A52C7-DE76-3F6C-64E6-4D83019BB8EB}"/>
-              </a:ext>
-            </a:extLst>
-          </p:cNvPr>
-          <p:cNvPicPr>
-            <a:picLocks noChangeAspect="1"/>
-          </p:cNvPicPr>
-          <p:nvPr/>
-        </p:nvPicPr>
-        <p:blipFill>
-          <a:blip r:embed="rId3" cstate="print">
-            <a:extLst>
-              <a:ext uri="{28A0092B-C50C-407E-A947-70E740481C1C}">
-                <a14:useLocalDpi xmlns:a14="http://schemas.microsoft.com/office/drawing/2010/main" val="0"/>
-              </a:ext>
-            </a:extLst>
-          </a:blip>
-          <a:stretch>
-            <a:fillRect/>
-          </a:stretch>
-        </p:blipFill>
-        <p:spPr>
-          <a:xfrm>
-            <a:off x="560512" y="4365104"/>
-            <a:ext cx="1972823" cy="1766313"/>
+            <a:off x="1065600" y="979200"/>
+            <a:ext cx="7920000" cy="4824536"/>
           </a:xfrm>
           <a:prstGeom prst="rect">
             <a:avLst/>
           </a:prstGeom>
         </p:spPr>
-      </p:pic>
-      <p:sp>
-        <p:nvSpPr>
-          <p:cNvPr id="2" name="文字方塊 1">
-            <a:extLst>
-              <a:ext uri="{FF2B5EF4-FFF2-40B4-BE49-F238E27FC236}">
-                <a16:creationId xmlns:a16="http://schemas.microsoft.com/office/drawing/2014/main" id="{8DB7FFA7-816A-53CB-3132-C3F2C3746DD6}"/>
-              </a:ext>
-            </a:extLst>
-          </p:cNvPr>
-          <p:cNvSpPr txBox="1"/>
-          <p:nvPr/>
-        </p:nvSpPr>
-        <p:spPr>
-          <a:xfrm>
-            <a:off x="3368824" y="4221088"/>
-            <a:ext cx="5922093" cy="2062103"/>
-          </a:xfrm>
-          <a:prstGeom prst="rect">
-            <a:avLst/>
-          </a:prstGeom>
-          <a:noFill/>
-        </p:spPr>
         <p:txBody>
-          <a:bodyPr wrap="square" rtlCol="0">
-            <a:spAutoFit/>
+          <a:bodyPr vert="horz" lIns="91440" tIns="45720" rIns="91440" bIns="45720" rtlCol="0">
+            <a:noAutofit/>
           </a:bodyPr>
-          <a:lstStyle/>
-          <a:p>
-            <a:r>
-              <a:rPr lang="en-US" altLang="zh-TW" sz="1600" dirty="0">
-                <a:solidFill>
-                  <a:schemeClr val="accent4">
-                    <a:lumMod val="60000"/>
-                    <a:lumOff val="40000"/>
-                  </a:schemeClr>
-                </a:solidFill>
+          <a:lstStyle>
+            <a:lvl1pPr marL="342900" indent="-342900" algn="l" defTabSz="914400" rtl="0" eaLnBrk="1" latinLnBrk="0" hangingPunct="1">
+              <a:lnSpc>
+                <a:spcPct val="100000"/>
+              </a:lnSpc>
+              <a:spcBef>
+                <a:spcPts val="600"/>
+              </a:spcBef>
+              <a:spcAft>
+                <a:spcPts val="600"/>
+              </a:spcAft>
+              <a:buClr>
+                <a:schemeClr val="accent1"/>
+              </a:buClr>
+              <a:buFont typeface="Arial" pitchFamily="34" charset="0"/>
+              <a:buChar char="•"/>
+              <a:defRPr sz="2800" b="1" kern="1200">
+                <a:solidFill>
+                  <a:srgbClr val="393939"/>
+                </a:solidFill>
+                <a:latin typeface="微軟正黑體" pitchFamily="34" charset="-120"/>
+                <a:ea typeface="微軟正黑體" pitchFamily="34" charset="-120"/>
+                <a:cs typeface="+mn-cs"/>
+              </a:defRPr>
+            </a:lvl1pPr>
+            <a:lvl2pPr marL="714375" indent="-352425" algn="l" defTabSz="914400" rtl="0" eaLnBrk="1" latinLnBrk="0" hangingPunct="1">
+              <a:lnSpc>
+                <a:spcPct val="100000"/>
+              </a:lnSpc>
+              <a:spcBef>
+                <a:spcPts val="600"/>
+              </a:spcBef>
+              <a:spcAft>
+                <a:spcPts val="600"/>
+              </a:spcAft>
+              <a:buClr>
+                <a:schemeClr val="accent2"/>
+              </a:buClr>
+              <a:buFont typeface="Arial" pitchFamily="34" charset="0"/>
+              <a:buChar char="–"/>
+              <a:defRPr sz="2400" b="1" kern="1200">
+                <a:solidFill>
+                  <a:srgbClr val="393939"/>
+                </a:solidFill>
+                <a:latin typeface="微軟正黑體" pitchFamily="34" charset="-120"/>
+                <a:ea typeface="微軟正黑體" pitchFamily="34" charset="-120"/>
+                <a:cs typeface="+mn-cs"/>
+              </a:defRPr>
+            </a:lvl2pPr>
+            <a:lvl3pPr marL="1076325" indent="-266700" algn="l" defTabSz="914400" rtl="0" eaLnBrk="1" latinLnBrk="0" hangingPunct="1">
+              <a:lnSpc>
+                <a:spcPct val="100000"/>
+              </a:lnSpc>
+              <a:spcBef>
+                <a:spcPts val="600"/>
+              </a:spcBef>
+              <a:spcAft>
+                <a:spcPts val="600"/>
+              </a:spcAft>
+              <a:buClr>
+                <a:schemeClr val="accent3"/>
+              </a:buClr>
+              <a:buFont typeface="Arial" pitchFamily="34" charset="0"/>
+              <a:buChar char="•"/>
+              <a:defRPr sz="2000" kern="1200">
+                <a:solidFill>
+                  <a:srgbClr val="393939"/>
+                </a:solidFill>
+                <a:latin typeface="微軟正黑體" pitchFamily="34" charset="-120"/>
+                <a:ea typeface="微軟正黑體" pitchFamily="34" charset="-120"/>
+                <a:cs typeface="+mn-cs"/>
+              </a:defRPr>
+            </a:lvl3pPr>
+            <a:lvl4pPr marL="1343025" indent="-180975" algn="l" defTabSz="914400" rtl="0" eaLnBrk="1" latinLnBrk="0" hangingPunct="1">
+              <a:lnSpc>
+                <a:spcPct val="100000"/>
+              </a:lnSpc>
+              <a:spcBef>
+                <a:spcPts val="600"/>
+              </a:spcBef>
+              <a:spcAft>
+                <a:spcPts val="600"/>
+              </a:spcAft>
+              <a:buClr>
+                <a:schemeClr val="accent4"/>
+              </a:buClr>
+              <a:buFont typeface="Arial" pitchFamily="34" charset="0"/>
+              <a:buChar char="–"/>
+              <a:defRPr sz="1800" kern="1200">
+                <a:solidFill>
+                  <a:srgbClr val="393939"/>
+                </a:solidFill>
+                <a:latin typeface="微軟正黑體" pitchFamily="34" charset="-120"/>
+                <a:ea typeface="微軟正黑體" pitchFamily="34" charset="-120"/>
+                <a:cs typeface="+mn-cs"/>
+              </a:defRPr>
+            </a:lvl4pPr>
+            <a:lvl5pPr marL="1619250" indent="-276225" algn="l" defTabSz="914400" rtl="0" eaLnBrk="1" latinLnBrk="0" hangingPunct="1">
+              <a:lnSpc>
+                <a:spcPct val="100000"/>
+              </a:lnSpc>
+              <a:spcBef>
+                <a:spcPts val="600"/>
+              </a:spcBef>
+              <a:spcAft>
+                <a:spcPts val="600"/>
+              </a:spcAft>
+              <a:buClr>
+                <a:schemeClr val="accent5"/>
+              </a:buClr>
+              <a:buFont typeface="Arial" pitchFamily="34" charset="0"/>
+              <a:buChar char="»"/>
+              <a:tabLst>
+                <a:tab pos="7981950" algn="l"/>
+              </a:tabLst>
+              <a:defRPr sz="1800" kern="1200">
+                <a:solidFill>
+                  <a:srgbClr val="393939"/>
+                </a:solidFill>
+                <a:latin typeface="微軟正黑體" pitchFamily="34" charset="-120"/>
+                <a:ea typeface="微軟正黑體" pitchFamily="34" charset="-120"/>
+                <a:cs typeface="+mn-cs"/>
+              </a:defRPr>
+            </a:lvl5pPr>
+            <a:lvl6pPr marL="2514600" indent="-228600" algn="l" defTabSz="914400" rtl="0" eaLnBrk="1" latinLnBrk="0" hangingPunct="1">
+              <a:spcBef>
+                <a:spcPct val="20000"/>
+              </a:spcBef>
+              <a:buFont typeface="Arial" pitchFamily="34" charset="0"/>
+              <a:buChar char="•"/>
+              <a:defRPr sz="2000" kern="1200">
+                <a:solidFill>
+                  <a:schemeClr val="tx1"/>
+                </a:solidFill>
+                <a:latin typeface="+mn-lt"/>
+                <a:ea typeface="+mn-ea"/>
+                <a:cs typeface="+mn-cs"/>
+              </a:defRPr>
+            </a:lvl6pPr>
+            <a:lvl7pPr marL="2971800" indent="-228600" algn="l" defTabSz="914400" rtl="0" eaLnBrk="1" latinLnBrk="0" hangingPunct="1">
+              <a:spcBef>
+                <a:spcPct val="20000"/>
+              </a:spcBef>
+              <a:buFont typeface="Arial" pitchFamily="34" charset="0"/>
+              <a:buChar char="•"/>
+              <a:defRPr sz="2000" kern="1200">
+                <a:solidFill>
+                  <a:schemeClr val="tx1"/>
+                </a:solidFill>
+                <a:latin typeface="+mn-lt"/>
+                <a:ea typeface="+mn-ea"/>
+                <a:cs typeface="+mn-cs"/>
+              </a:defRPr>
+            </a:lvl7pPr>
+            <a:lvl8pPr marL="3429000" indent="-228600" algn="l" defTabSz="914400" rtl="0" eaLnBrk="1" latinLnBrk="0" hangingPunct="1">
+              <a:spcBef>
+                <a:spcPct val="20000"/>
+              </a:spcBef>
+              <a:buFont typeface="Arial" pitchFamily="34" charset="0"/>
+              <a:buChar char="•"/>
+              <a:defRPr sz="2000" kern="1200">
+                <a:solidFill>
+                  <a:schemeClr val="tx1"/>
+                </a:solidFill>
+                <a:latin typeface="+mn-lt"/>
+                <a:ea typeface="+mn-ea"/>
+                <a:cs typeface="+mn-cs"/>
+              </a:defRPr>
+            </a:lvl8pPr>
+            <a:lvl9pPr marL="3886200" indent="-228600" algn="l" defTabSz="914400" rtl="0" eaLnBrk="1" latinLnBrk="0" hangingPunct="1">
+              <a:spcBef>
+                <a:spcPct val="20000"/>
+              </a:spcBef>
+              <a:buFont typeface="Arial" pitchFamily="34" charset="0"/>
+              <a:buChar char="•"/>
+              <a:defRPr sz="2000" kern="1200">
+                <a:solidFill>
+                  <a:schemeClr val="tx1"/>
+                </a:solidFill>
+                <a:latin typeface="+mn-lt"/>
+                <a:ea typeface="+mn-ea"/>
+                <a:cs typeface="+mn-cs"/>
+              </a:defRPr>
+            </a:lvl9pPr>
+          </a:lstStyle>
+          <a:p>
+            <a:pPr>
+              <a:lnSpc>
+                <a:spcPts val="3600"/>
+              </a:lnSpc>
+              <a:buFont typeface="Wingdings" panose="05000000000000000000" pitchFamily="2" charset="2"/>
+              <a:buChar char="l"/>
+            </a:pPr>
+            <a:r>
+              <a:rPr kumimoji="0" lang="zh-TW" altLang="en-US" sz="2400" b="1" i="0" u="none" strike="noStrike" kern="1200" cap="none" spc="0" normalizeH="0" baseline="0" noProof="0" dirty="0">
+                <a:ln>
+                  <a:noFill/>
+                </a:ln>
+                <a:solidFill>
+                  <a:schemeClr val="bg1"/>
+                </a:solidFill>
+                <a:effectLst/>
+                <a:uLnTx/>
+                <a:uFillTx/>
+                <a:latin typeface="微軟正黑體" pitchFamily="34" charset="-120"/>
+                <a:ea typeface="微軟正黑體" pitchFamily="34" charset="-120"/>
+                <a:cs typeface="+mn-cs"/>
               </a:rPr>
-              <a:t>Logo</a:t>
-            </a:r>
-            <a:r>
-              <a:rPr lang="zh-TW" altLang="en-US" sz="1600" dirty="0">
-                <a:solidFill>
-                  <a:schemeClr val="accent4">
-                    <a:lumMod val="60000"/>
-                    <a:lumOff val="40000"/>
-                  </a:schemeClr>
-                </a:solidFill>
+              <a:t>從 前端</a:t>
+            </a:r>
+            <a:r>
+              <a:rPr kumimoji="0" lang="en-US" altLang="zh-TW" sz="2400" b="1" i="0" u="none" strike="noStrike" kern="1200" cap="none" spc="0" normalizeH="0" baseline="0" noProof="0" dirty="0">
+                <a:ln>
+                  <a:noFill/>
+                </a:ln>
+                <a:solidFill>
+                  <a:schemeClr val="bg1"/>
+                </a:solidFill>
+                <a:effectLst/>
+                <a:uLnTx/>
+                <a:uFillTx/>
+                <a:latin typeface="微軟正黑體" pitchFamily="34" charset="-120"/>
+                <a:ea typeface="微軟正黑體" pitchFamily="34" charset="-120"/>
+                <a:cs typeface="+mn-cs"/>
               </a:rPr>
-              <a:t>設計</a:t>
-            </a:r>
-            <a:r>
-              <a:rPr lang="en-US" altLang="zh-TW" sz="1600" dirty="0">
-                <a:solidFill>
-                  <a:schemeClr val="accent4">
-                    <a:lumMod val="60000"/>
-                    <a:lumOff val="40000"/>
-                  </a:schemeClr>
-                </a:solidFill>
+              <a:t>&gt;</a:t>
+            </a:r>
+            <a:r>
+              <a:rPr kumimoji="0" lang="zh-TW" altLang="en-US" sz="2400" b="1" i="0" u="none" strike="noStrike" kern="1200" cap="none" spc="0" normalizeH="0" baseline="0" noProof="0" dirty="0">
+                <a:ln>
+                  <a:noFill/>
+                </a:ln>
+                <a:solidFill>
+                  <a:schemeClr val="bg1"/>
+                </a:solidFill>
+                <a:effectLst/>
+                <a:uLnTx/>
+                <a:uFillTx/>
+                <a:latin typeface="微軟正黑體" pitchFamily="34" charset="-120"/>
+                <a:ea typeface="微軟正黑體" pitchFamily="34" charset="-120"/>
+                <a:cs typeface="+mn-cs"/>
               </a:rPr>
-              <a:t>:</a:t>
-            </a:r>
-          </a:p>
-          <a:p>
-            <a:r>
-              <a:rPr lang="en-US" altLang="zh-TW" sz="1600" dirty="0">
-                <a:solidFill>
-                  <a:schemeClr val="accent4">
-                    <a:lumMod val="60000"/>
-                    <a:lumOff val="40000"/>
-                  </a:schemeClr>
-                </a:solidFill>
+              <a:t>後端 </a:t>
+            </a:r>
+          </a:p>
+          <a:p>
+            <a:pPr>
+              <a:lnSpc>
+                <a:spcPts val="3600"/>
+              </a:lnSpc>
+              <a:buFont typeface="Wingdings" panose="05000000000000000000" pitchFamily="2" charset="2"/>
+              <a:buChar char="l"/>
+            </a:pPr>
+            <a:r>
+              <a:rPr kumimoji="0" lang="zh-TW" altLang="en-US" sz="2400" b="1" i="0" u="none" strike="noStrike" kern="1200" cap="none" spc="0" normalizeH="0" baseline="0" noProof="0" dirty="0">
+                <a:ln>
+                  <a:noFill/>
+                </a:ln>
+                <a:solidFill>
+                  <a:schemeClr val="bg1"/>
+                </a:solidFill>
+                <a:effectLst/>
+                <a:uLnTx/>
+                <a:uFillTx/>
+                <a:latin typeface="微軟正黑體" pitchFamily="34" charset="-120"/>
+                <a:ea typeface="微軟正黑體" pitchFamily="34" charset="-120"/>
+                <a:cs typeface="+mn-cs"/>
               </a:rPr>
-              <a:t>LOGO</a:t>
-            </a:r>
-            <a:r>
-              <a:rPr lang="zh-TW" altLang="en-US" sz="1600" dirty="0">
-                <a:solidFill>
-                  <a:schemeClr val="accent4">
-                    <a:lumMod val="60000"/>
-                    <a:lumOff val="40000"/>
-                  </a:schemeClr>
-                </a:solidFill>
+              <a:t>從 畫面</a:t>
+            </a:r>
+            <a:r>
+              <a:rPr kumimoji="0" lang="en-US" altLang="zh-TW" sz="2400" b="1" i="0" u="none" strike="noStrike" kern="1200" cap="none" spc="0" normalizeH="0" baseline="0" noProof="0" dirty="0">
+                <a:ln>
+                  <a:noFill/>
+                </a:ln>
+                <a:solidFill>
+                  <a:schemeClr val="bg1"/>
+                </a:solidFill>
+                <a:effectLst/>
+                <a:uLnTx/>
+                <a:uFillTx/>
+                <a:latin typeface="微軟正黑體" pitchFamily="34" charset="-120"/>
+                <a:ea typeface="微軟正黑體" pitchFamily="34" charset="-120"/>
+                <a:cs typeface="+mn-cs"/>
               </a:rPr>
-              <a:t>用「啞鈴」、「叉子」相交形成一個叉，表達運動與飲食兩者缺一不可，健身需要兩者相輔相成，並以文字表達健身動滋動滋的律動感。</a:t>
-            </a:r>
-          </a:p>
-          <a:p>
-            <a:r>
-              <a:rPr lang="zh-TW" altLang="en-US" sz="1600" dirty="0">
-                <a:solidFill>
-                  <a:schemeClr val="accent4">
-                    <a:lumMod val="60000"/>
-                    <a:lumOff val="40000"/>
-                  </a:schemeClr>
-                </a:solidFill>
+              <a:t>&gt;</a:t>
+            </a:r>
+            <a:r>
+              <a:rPr kumimoji="0" lang="zh-TW" altLang="en-US" sz="2400" b="1" i="0" u="none" strike="noStrike" kern="1200" cap="none" spc="0" normalizeH="0" baseline="0" noProof="0" dirty="0">
+                <a:ln>
+                  <a:noFill/>
+                </a:ln>
+                <a:solidFill>
+                  <a:schemeClr val="bg1"/>
+                </a:solidFill>
+                <a:effectLst/>
+                <a:uLnTx/>
+                <a:uFillTx/>
+                <a:latin typeface="微軟正黑體" pitchFamily="34" charset="-120"/>
+                <a:ea typeface="微軟正黑體" pitchFamily="34" charset="-120"/>
+                <a:cs typeface="+mn-cs"/>
+              </a:rPr>
+              <a:t>管理</a:t>
+            </a:r>
+          </a:p>
+          <a:p>
+            <a:pPr>
+              <a:lnSpc>
+                <a:spcPts val="3600"/>
+              </a:lnSpc>
+              <a:buFont typeface="Wingdings" panose="05000000000000000000" pitchFamily="2" charset="2"/>
+              <a:buChar char="l"/>
+            </a:pPr>
+            <a:endParaRPr kumimoji="0" lang="zh-TW" altLang="en-US" sz="2400" b="1" i="0" u="none" strike="noStrike" kern="1200" cap="none" spc="0" normalizeH="0" baseline="0" noProof="0" dirty="0">
+              <a:ln>
+                <a:noFill/>
+              </a:ln>
+              <a:solidFill>
+                <a:schemeClr val="bg1"/>
+              </a:solidFill>
+              <a:effectLst/>
+              <a:uLnTx/>
+              <a:uFillTx/>
+              <a:latin typeface="微軟正黑體" pitchFamily="34" charset="-120"/>
+              <a:ea typeface="微軟正黑體" pitchFamily="34" charset="-120"/>
+              <a:cs typeface="+mn-cs"/>
+            </a:endParaRPr>
+          </a:p>
+          <a:p>
+            <a:pPr>
+              <a:lnSpc>
+                <a:spcPts val="3600"/>
+              </a:lnSpc>
+              <a:buFont typeface="Wingdings" panose="05000000000000000000" pitchFamily="2" charset="2"/>
+              <a:buChar char="l"/>
+            </a:pPr>
+            <a:r>
+              <a:rPr lang="zh-TW" altLang="en-US" sz="2400" dirty="0">
+                <a:solidFill>
+                  <a:schemeClr val="bg1"/>
+                </a:solidFill>
+              </a:rPr>
+              <a:t>佳樺</a:t>
+            </a:r>
+            <a:r>
+              <a:rPr kumimoji="0" lang="en-US" altLang="zh-TW" sz="2400" b="1" i="0" u="none" strike="noStrike" kern="1200" cap="none" spc="0" normalizeH="0" baseline="0" noProof="0" dirty="0">
+                <a:ln>
+                  <a:noFill/>
+                </a:ln>
+                <a:solidFill>
+                  <a:schemeClr val="bg1"/>
+                </a:solidFill>
+                <a:effectLst/>
+                <a:uLnTx/>
+                <a:uFillTx/>
+                <a:latin typeface="微軟正黑體" pitchFamily="34" charset="-120"/>
+                <a:ea typeface="微軟正黑體" pitchFamily="34" charset="-120"/>
+                <a:cs typeface="+mn-cs"/>
+              </a:rPr>
+              <a:t> =&gt;</a:t>
+            </a:r>
+            <a:r>
+              <a:rPr kumimoji="0" lang="zh-TW" altLang="en-US" sz="2400" b="1" i="0" u="none" strike="noStrike" kern="1200" cap="none" spc="0" normalizeH="0" baseline="0" noProof="0" dirty="0">
+                <a:ln>
+                  <a:noFill/>
+                </a:ln>
+                <a:solidFill>
+                  <a:schemeClr val="bg1"/>
+                </a:solidFill>
+                <a:effectLst/>
+                <a:uLnTx/>
+                <a:uFillTx/>
+                <a:latin typeface="微軟正黑體" pitchFamily="34" charset="-120"/>
+                <a:ea typeface="微軟正黑體" pitchFamily="34" charset="-120"/>
+                <a:cs typeface="+mn-cs"/>
+              </a:rPr>
+              <a:t>人員介紹 理念 </a:t>
+            </a:r>
+            <a:r>
+              <a:rPr kumimoji="0" lang="en-US" altLang="zh-TW" sz="2400" b="1" i="0" u="none" strike="noStrike" kern="1200" cap="none" spc="0" normalizeH="0" baseline="0" noProof="0" dirty="0">
+                <a:ln>
+                  <a:noFill/>
+                </a:ln>
+                <a:solidFill>
+                  <a:schemeClr val="bg1"/>
+                </a:solidFill>
+                <a:effectLst/>
+                <a:uLnTx/>
+                <a:uFillTx/>
+                <a:latin typeface="微軟正黑體" pitchFamily="34" charset="-120"/>
+                <a:ea typeface="微軟正黑體" pitchFamily="34" charset="-120"/>
+                <a:cs typeface="+mn-cs"/>
+              </a:rPr>
+              <a:t>&gt; </a:t>
+            </a:r>
+          </a:p>
+          <a:p>
+            <a:pPr>
+              <a:lnSpc>
+                <a:spcPts val="3600"/>
+              </a:lnSpc>
+              <a:buFont typeface="Wingdings" panose="05000000000000000000" pitchFamily="2" charset="2"/>
+              <a:buChar char="l"/>
+            </a:pPr>
+            <a:r>
+              <a:rPr kumimoji="0" lang="zh-TW" altLang="en-US" sz="2400" b="1" i="0" u="none" strike="noStrike" kern="1200" cap="none" spc="0" normalizeH="0" baseline="0" noProof="0" dirty="0">
+                <a:ln>
+                  <a:noFill/>
+                </a:ln>
+                <a:solidFill>
+                  <a:schemeClr val="bg1"/>
+                </a:solidFill>
+                <a:effectLst/>
+                <a:uLnTx/>
+                <a:uFillTx/>
+                <a:latin typeface="微軟正黑體" pitchFamily="34" charset="-120"/>
+                <a:ea typeface="微軟正黑體" pitchFamily="34" charset="-120"/>
+                <a:cs typeface="+mn-cs"/>
+              </a:rPr>
+              <a:t>孟穎 </a:t>
+            </a:r>
+            <a:r>
+              <a:rPr kumimoji="0" lang="en-US" altLang="zh-TW" sz="2400" b="1" i="0" u="none" strike="noStrike" kern="1200" cap="none" spc="0" normalizeH="0" baseline="0" noProof="0" dirty="0">
+                <a:ln>
+                  <a:noFill/>
+                </a:ln>
+                <a:solidFill>
+                  <a:schemeClr val="bg1"/>
+                </a:solidFill>
+                <a:effectLst/>
+                <a:uLnTx/>
+                <a:uFillTx/>
+                <a:latin typeface="微軟正黑體" pitchFamily="34" charset="-120"/>
+                <a:ea typeface="微軟正黑體" pitchFamily="34" charset="-120"/>
+                <a:cs typeface="+mn-cs"/>
+              </a:rPr>
+              <a:t>=&gt;</a:t>
+            </a:r>
+            <a:r>
+              <a:rPr kumimoji="0" lang="zh-TW" altLang="en-US" sz="2400" b="1" i="0" u="none" strike="noStrike" kern="1200" cap="none" spc="0" normalizeH="0" baseline="0" noProof="0" dirty="0">
+                <a:ln>
+                  <a:noFill/>
+                </a:ln>
+                <a:solidFill>
+                  <a:schemeClr val="bg1"/>
+                </a:solidFill>
+                <a:effectLst/>
+                <a:uLnTx/>
+                <a:uFillTx/>
+                <a:latin typeface="微軟正黑體" pitchFamily="34" charset="-120"/>
+                <a:ea typeface="微軟正黑體" pitchFamily="34" charset="-120"/>
+                <a:cs typeface="+mn-cs"/>
+              </a:rPr>
+              <a:t>設計概念 色彩運用 </a:t>
+            </a:r>
+            <a:r>
+              <a:rPr kumimoji="0" lang="en-US" altLang="zh-TW" sz="2400" b="1" i="0" u="none" strike="noStrike" kern="1200" cap="none" spc="0" normalizeH="0" baseline="0" noProof="0" dirty="0">
+                <a:ln>
+                  <a:noFill/>
+                </a:ln>
+                <a:solidFill>
+                  <a:schemeClr val="bg1"/>
+                </a:solidFill>
+                <a:effectLst/>
+                <a:uLnTx/>
+                <a:uFillTx/>
+                <a:latin typeface="微軟正黑體" pitchFamily="34" charset="-120"/>
+                <a:ea typeface="微軟正黑體" pitchFamily="34" charset="-120"/>
+                <a:cs typeface="+mn-cs"/>
+              </a:rPr>
+              <a:t>&gt; </a:t>
+            </a:r>
+          </a:p>
+          <a:p>
+            <a:pPr>
+              <a:lnSpc>
+                <a:spcPts val="3600"/>
+              </a:lnSpc>
+              <a:buFont typeface="Wingdings" panose="05000000000000000000" pitchFamily="2" charset="2"/>
+              <a:buChar char="l"/>
+            </a:pPr>
+            <a:r>
+              <a:rPr kumimoji="0" lang="zh-TW" altLang="en-US" sz="2400" b="1" i="0" u="none" strike="noStrike" kern="1200" cap="none" spc="0" normalizeH="0" baseline="0" noProof="0" dirty="0">
+                <a:ln>
+                  <a:noFill/>
+                </a:ln>
+                <a:solidFill>
+                  <a:schemeClr val="bg1"/>
+                </a:solidFill>
+                <a:effectLst/>
+                <a:uLnTx/>
+                <a:uFillTx/>
+                <a:latin typeface="微軟正黑體" pitchFamily="34" charset="-120"/>
+                <a:ea typeface="微軟正黑體" pitchFamily="34" charset="-120"/>
+                <a:cs typeface="+mn-cs"/>
+              </a:rPr>
+              <a:t>宜芬</a:t>
+            </a:r>
+            <a:r>
+              <a:rPr kumimoji="0" lang="en-US" altLang="zh-TW" sz="2400" b="1" i="0" u="none" strike="noStrike" kern="1200" cap="none" spc="0" normalizeH="0" baseline="0" noProof="0" dirty="0">
+                <a:ln>
+                  <a:noFill/>
+                </a:ln>
+                <a:solidFill>
+                  <a:schemeClr val="bg1"/>
+                </a:solidFill>
+                <a:effectLst/>
+                <a:uLnTx/>
+                <a:uFillTx/>
+                <a:latin typeface="微軟正黑體" pitchFamily="34" charset="-120"/>
+                <a:ea typeface="微軟正黑體" pitchFamily="34" charset="-120"/>
+                <a:cs typeface="+mn-cs"/>
+              </a:rPr>
+              <a:t> =&gt; </a:t>
+            </a:r>
+            <a:r>
+              <a:rPr kumimoji="0" lang="zh-TW" altLang="en-US" sz="2400" b="1" i="0" u="none" strike="noStrike" kern="1200" cap="none" spc="0" normalizeH="0" baseline="0" noProof="0" dirty="0">
+                <a:ln>
+                  <a:noFill/>
+                </a:ln>
+                <a:solidFill>
+                  <a:schemeClr val="bg1"/>
+                </a:solidFill>
+                <a:effectLst/>
+                <a:uLnTx/>
+                <a:uFillTx/>
+                <a:latin typeface="微軟正黑體" pitchFamily="34" charset="-120"/>
+                <a:ea typeface="微軟正黑體" pitchFamily="34" charset="-120"/>
+                <a:cs typeface="+mn-cs"/>
+              </a:rPr>
+              <a:t>功能</a:t>
+            </a:r>
+            <a:r>
+              <a:rPr kumimoji="0" lang="en-US" altLang="zh-TW" sz="2400" b="1" i="0" u="none" strike="noStrike" kern="1200" cap="none" spc="0" normalizeH="0" baseline="0" noProof="0" dirty="0">
+                <a:ln>
+                  <a:noFill/>
+                </a:ln>
+                <a:solidFill>
+                  <a:schemeClr val="bg1"/>
+                </a:solidFill>
+                <a:effectLst/>
+                <a:uLnTx/>
+                <a:uFillTx/>
+                <a:latin typeface="微軟正黑體" pitchFamily="34" charset="-120"/>
+                <a:ea typeface="微軟正黑體" pitchFamily="34" charset="-120"/>
+                <a:cs typeface="+mn-cs"/>
+              </a:rPr>
+              <a:t>: </a:t>
+            </a:r>
+            <a:r>
+              <a:rPr kumimoji="0" lang="zh-TW" altLang="en-US" sz="2400" b="1" i="0" u="none" strike="noStrike" kern="1200" cap="none" spc="0" normalizeH="0" baseline="0" noProof="0" dirty="0">
+                <a:ln>
+                  <a:noFill/>
+                </a:ln>
+                <a:solidFill>
+                  <a:schemeClr val="bg1"/>
+                </a:solidFill>
+                <a:effectLst/>
+                <a:uLnTx/>
+                <a:uFillTx/>
+                <a:latin typeface="微軟正黑體" pitchFamily="34" charset="-120"/>
+                <a:ea typeface="微軟正黑體" pitchFamily="34" charset="-120"/>
+                <a:cs typeface="+mn-cs"/>
+              </a:rPr>
+              <a:t>登入 地圖</a:t>
+            </a:r>
+            <a:r>
+              <a:rPr kumimoji="0" lang="en-US" altLang="zh-TW" sz="2400" b="1" i="0" u="none" strike="noStrike" kern="1200" cap="none" spc="0" normalizeH="0" baseline="0" noProof="0" dirty="0">
+                <a:ln>
+                  <a:noFill/>
+                </a:ln>
+                <a:solidFill>
+                  <a:schemeClr val="bg1"/>
+                </a:solidFill>
+                <a:effectLst/>
+                <a:uLnTx/>
+                <a:uFillTx/>
+                <a:latin typeface="微軟正黑體" pitchFamily="34" charset="-120"/>
+                <a:ea typeface="微軟正黑體" pitchFamily="34" charset="-120"/>
+                <a:cs typeface="+mn-cs"/>
+              </a:rPr>
+              <a:t>API</a:t>
+            </a:r>
+            <a:r>
+              <a:rPr kumimoji="0" lang="zh-TW" altLang="en-US" sz="2400" b="1" i="0" u="none" strike="noStrike" kern="1200" cap="none" spc="0" normalizeH="0" baseline="0" noProof="0" dirty="0">
+                <a:ln>
+                  <a:noFill/>
+                </a:ln>
+                <a:solidFill>
+                  <a:schemeClr val="bg1"/>
+                </a:solidFill>
+                <a:effectLst/>
+                <a:uLnTx/>
+                <a:uFillTx/>
+                <a:latin typeface="微軟正黑體" pitchFamily="34" charset="-120"/>
+                <a:ea typeface="微軟正黑體" pitchFamily="34" charset="-120"/>
+                <a:cs typeface="+mn-cs"/>
               </a:rPr>
               <a:t> </a:t>
             </a:r>
-          </a:p>
-          <a:p>
-            <a:r>
-              <a:rPr lang="zh-TW" altLang="en-US" sz="1600" dirty="0">
-                <a:solidFill>
-                  <a:schemeClr val="accent4">
-                    <a:lumMod val="60000"/>
-                    <a:lumOff val="40000"/>
-                  </a:schemeClr>
-                </a:solidFill>
+            <a:r>
+              <a:rPr kumimoji="0" lang="en-US" altLang="zh-TW" sz="2400" b="1" i="0" u="none" strike="noStrike" kern="1200" cap="none" spc="0" normalizeH="0" baseline="0" noProof="0" dirty="0">
+                <a:ln>
+                  <a:noFill/>
+                </a:ln>
+                <a:solidFill>
+                  <a:schemeClr val="bg1"/>
+                </a:solidFill>
+                <a:effectLst/>
+                <a:uLnTx/>
+                <a:uFillTx/>
+                <a:latin typeface="微軟正黑體" pitchFamily="34" charset="-120"/>
+                <a:ea typeface="微軟正黑體" pitchFamily="34" charset="-120"/>
+                <a:cs typeface="+mn-cs"/>
               </a:rPr>
-              <a:t>色彩計畫</a:t>
-            </a:r>
-            <a:r>
-              <a:rPr lang="en-US" altLang="zh-TW" sz="1600" dirty="0">
-                <a:solidFill>
-                  <a:schemeClr val="accent4">
-                    <a:lumMod val="60000"/>
-                    <a:lumOff val="40000"/>
-                  </a:schemeClr>
-                </a:solidFill>
+              <a:t> </a:t>
+            </a:r>
+            <a:r>
+              <a:rPr kumimoji="0" lang="zh-TW" altLang="en-US" sz="2400" b="1" i="0" u="none" strike="noStrike" kern="1200" cap="none" spc="0" normalizeH="0" baseline="0" noProof="0" dirty="0">
+                <a:ln>
+                  <a:noFill/>
+                </a:ln>
+                <a:solidFill>
+                  <a:schemeClr val="bg1"/>
+                </a:solidFill>
+                <a:effectLst/>
+                <a:uLnTx/>
+                <a:uFillTx/>
+                <a:latin typeface="微軟正黑體" pitchFamily="34" charset="-120"/>
+                <a:ea typeface="微軟正黑體" pitchFamily="34" charset="-120"/>
+                <a:cs typeface="+mn-cs"/>
               </a:rPr>
-              <a:t>:</a:t>
-            </a:r>
-          </a:p>
-          <a:p>
-            <a:r>
-              <a:rPr lang="zh-TW" altLang="en-US" sz="1600" dirty="0">
-                <a:solidFill>
-                  <a:schemeClr val="accent4">
-                    <a:lumMod val="60000"/>
-                    <a:lumOff val="40000"/>
-                  </a:schemeClr>
-                </a:solidFill>
+              <a:t>購物車功能 </a:t>
+            </a:r>
+            <a:r>
+              <a:rPr kumimoji="0" lang="en-US" altLang="zh-TW" sz="2400" b="1" i="0" u="none" strike="noStrike" kern="1200" cap="none" spc="0" normalizeH="0" baseline="0" noProof="0" dirty="0">
+                <a:ln>
+                  <a:noFill/>
+                </a:ln>
+                <a:solidFill>
+                  <a:schemeClr val="bg1"/>
+                </a:solidFill>
+                <a:effectLst/>
+                <a:uLnTx/>
+                <a:uFillTx/>
+                <a:latin typeface="微軟正黑體" pitchFamily="34" charset="-120"/>
+                <a:ea typeface="微軟正黑體" pitchFamily="34" charset="-120"/>
+                <a:cs typeface="+mn-cs"/>
               </a:rPr>
-              <a:t>使用代表運動的粉藍與飲食的淡橘色，營造健身新手無痛入門的氛圍，緩和減肥的沉重的感受</a:t>
+              <a:t>&gt; </a:t>
+            </a:r>
+          </a:p>
+          <a:p>
+            <a:pPr>
+              <a:lnSpc>
+                <a:spcPts val="3600"/>
+              </a:lnSpc>
+              <a:buFont typeface="Wingdings" panose="05000000000000000000" pitchFamily="2" charset="2"/>
+              <a:buChar char="l"/>
+            </a:pPr>
+            <a:r>
+              <a:rPr kumimoji="0" lang="zh-TW" altLang="en-US" sz="2400" b="1" i="0" u="none" strike="noStrike" kern="1200" cap="none" spc="0" normalizeH="0" baseline="0" noProof="0" dirty="0">
+                <a:ln>
+                  <a:noFill/>
+                </a:ln>
+                <a:solidFill>
+                  <a:schemeClr val="bg1"/>
+                </a:solidFill>
+                <a:effectLst/>
+                <a:uLnTx/>
+                <a:uFillTx/>
+                <a:latin typeface="微軟正黑體" pitchFamily="34" charset="-120"/>
+                <a:ea typeface="微軟正黑體" pitchFamily="34" charset="-120"/>
+                <a:cs typeface="+mn-cs"/>
+              </a:rPr>
+              <a:t>威宇 </a:t>
+            </a:r>
+            <a:r>
+              <a:rPr kumimoji="0" lang="en-US" altLang="zh-TW" sz="2400" b="1" i="0" u="none" strike="noStrike" kern="1200" cap="none" spc="0" normalizeH="0" baseline="0" noProof="0" dirty="0">
+                <a:ln>
+                  <a:noFill/>
+                </a:ln>
+                <a:solidFill>
+                  <a:schemeClr val="bg1"/>
+                </a:solidFill>
+                <a:effectLst/>
+                <a:uLnTx/>
+                <a:uFillTx/>
+                <a:latin typeface="微軟正黑體" pitchFamily="34" charset="-120"/>
+                <a:ea typeface="微軟正黑體" pitchFamily="34" charset="-120"/>
+                <a:cs typeface="+mn-cs"/>
+              </a:rPr>
+              <a:t>=&gt;  </a:t>
+            </a:r>
+            <a:r>
+              <a:rPr kumimoji="0" lang="zh-TW" altLang="en-US" sz="2400" b="1" i="0" u="none" strike="noStrike" kern="1200" cap="none" spc="0" normalizeH="0" baseline="0" noProof="0" dirty="0">
+                <a:ln>
+                  <a:noFill/>
+                </a:ln>
+                <a:solidFill>
+                  <a:schemeClr val="bg1"/>
+                </a:solidFill>
+                <a:effectLst/>
+                <a:uLnTx/>
+                <a:uFillTx/>
+                <a:latin typeface="微軟正黑體" pitchFamily="34" charset="-120"/>
+                <a:ea typeface="微軟正黑體" pitchFamily="34" charset="-120"/>
+                <a:cs typeface="+mn-cs"/>
+              </a:rPr>
+              <a:t>功能</a:t>
+            </a:r>
+            <a:r>
+              <a:rPr kumimoji="0" lang="en-US" altLang="zh-TW" sz="2400" b="1" i="0" u="none" strike="noStrike" kern="1200" cap="none" spc="0" normalizeH="0" baseline="0" noProof="0" dirty="0">
+                <a:ln>
+                  <a:noFill/>
+                </a:ln>
+                <a:solidFill>
+                  <a:schemeClr val="bg1"/>
+                </a:solidFill>
+                <a:effectLst/>
+                <a:uLnTx/>
+                <a:uFillTx/>
+                <a:latin typeface="微軟正黑體" pitchFamily="34" charset="-120"/>
+                <a:ea typeface="微軟正黑體" pitchFamily="34" charset="-120"/>
+                <a:cs typeface="+mn-cs"/>
+              </a:rPr>
+              <a:t>: </a:t>
+            </a:r>
+            <a:r>
+              <a:rPr kumimoji="0" lang="zh-TW" altLang="en-US" sz="2400" b="1" i="0" u="none" strike="noStrike" kern="1200" cap="none" spc="0" normalizeH="0" baseline="0" noProof="0" dirty="0">
+                <a:ln>
+                  <a:noFill/>
+                </a:ln>
+                <a:solidFill>
+                  <a:schemeClr val="bg1"/>
+                </a:solidFill>
+                <a:effectLst/>
+                <a:uLnTx/>
+                <a:uFillTx/>
+                <a:latin typeface="微軟正黑體" pitchFamily="34" charset="-120"/>
+                <a:ea typeface="微軟正黑體" pitchFamily="34" charset="-120"/>
+                <a:cs typeface="+mn-cs"/>
+              </a:rPr>
+              <a:t>遊戲 後台</a:t>
             </a:r>
           </a:p>
         </p:txBody>
@@ -8118,7 +10472,7 @@
     </p:spTree>
     <p:extLst>
       <p:ext uri="{BB962C8B-B14F-4D97-AF65-F5344CB8AC3E}">
-        <p14:creationId xmlns:p14="http://schemas.microsoft.com/office/powerpoint/2010/main" val="94060379"/>
+        <p14:creationId xmlns:p14="http://schemas.microsoft.com/office/powerpoint/2010/main" val="1246643756"/>
       </p:ext>
     </p:extLst>
   </p:cSld>
@@ -8165,22 +10519,52 @@
           </a:prstGeom>
         </p:spPr>
         <p:txBody>
-          <a:bodyPr/>
+          <a:bodyPr>
+            <a:noAutofit/>
+          </a:bodyPr>
           <a:lstStyle/>
           <a:p>
             <a:r>
-              <a:rPr lang="zh-TW" altLang="en-US" b="0" dirty="0"/>
-              <a:t>網站架構圖</a:t>
+              <a:rPr lang="en-US" altLang="zh-TW" sz="2800" b="0" dirty="0"/>
+              <a:t>Logo</a:t>
+            </a:r>
+            <a:r>
+              <a:rPr lang="zh-TW" altLang="en-US" sz="2800" b="0" dirty="0"/>
+              <a:t>設計 </a:t>
+            </a:r>
+            <a:r>
+              <a:rPr lang="en-US" altLang="zh-TW" sz="2800" b="0" dirty="0"/>
+              <a:t>| </a:t>
+            </a:r>
+            <a:r>
+              <a:rPr lang="zh-TW" altLang="en-US" sz="2800" b="0" dirty="0"/>
+              <a:t>色彩計畫 </a:t>
+            </a:r>
+            <a:r>
+              <a:rPr lang="en-US" altLang="zh-TW" sz="2800" b="0" dirty="0"/>
+              <a:t>| </a:t>
+            </a:r>
+            <a:r>
+              <a:rPr lang="zh-TW" altLang="en-US" sz="2800" b="0" dirty="0"/>
+              <a:t>色彩配置 </a:t>
+            </a:r>
+            <a:r>
+              <a:rPr lang="en-US" altLang="zh-TW" sz="2800" b="0" dirty="0"/>
+              <a:t>| </a:t>
+            </a:r>
+            <a:r>
+              <a:rPr lang="zh-TW" altLang="en-US" sz="2800" b="0" dirty="0"/>
+              <a:t>視覺概念</a:t>
             </a:r>
           </a:p>
         </p:txBody>
       </p:sp>
       <p:pic>
         <p:nvPicPr>
-          <p:cNvPr id="3074" name="Picture 2">
+          <p:cNvPr id="3076" name="Picture 4">
             <a:extLst>
               <a:ext uri="{FF2B5EF4-FFF2-40B4-BE49-F238E27FC236}">
-                <a16:creationId xmlns:a16="http://schemas.microsoft.com/office/drawing/2014/main" id="{A743AC94-8722-3F7C-7A11-5B9BF90F67D4}"/>
+                <a16:creationId xmlns:a16="http://schemas.microsoft.com/office/drawing/2014/main" xmlns="" id="{87E02326-0A66-F416-E27F-CCC25B44BF95}"/>
               </a:ext>
             </a:extLst>
           </p:cNvPr>
@@ -8204,8 +10588,8 @@
         </p:blipFill>
         <p:spPr bwMode="auto">
           <a:xfrm>
-            <a:off x="123825" y="690563"/>
-            <a:ext cx="9658350" cy="5476875"/>
+            <a:off x="377477" y="985122"/>
+            <a:ext cx="8913440" cy="2971147"/>
           </a:xfrm>
           <a:prstGeom prst="rect">
             <a:avLst/>
@@ -8222,10 +10606,236 @@
           </a:extLst>
         </p:spPr>
       </p:pic>
+      <p:sp>
+        <p:nvSpPr>
+          <p:cNvPr id="7" name="矩形 6">
+            <a:extLst>
+              <a:ext uri="{FF2B5EF4-FFF2-40B4-BE49-F238E27FC236}">
+                <a16:creationId xmlns:a16="http://schemas.microsoft.com/office/drawing/2014/main" xmlns="" id="{5AA8709B-146C-1E0E-7948-190E737CA1E9}"/>
+              </a:ext>
+            </a:extLst>
+          </p:cNvPr>
+          <p:cNvSpPr/>
+          <p:nvPr/>
+        </p:nvSpPr>
+        <p:spPr>
+          <a:xfrm>
+            <a:off x="377477" y="4149080"/>
+            <a:ext cx="2487291" cy="2232248"/>
+          </a:xfrm>
+          <a:prstGeom prst="rect">
+            <a:avLst/>
+          </a:prstGeom>
+          <a:solidFill>
+            <a:srgbClr val="FFFFFF"/>
+          </a:solidFill>
+          <a:ln>
+            <a:solidFill>
+              <a:schemeClr val="bg1"/>
+            </a:solidFill>
+          </a:ln>
+        </p:spPr>
+        <p:style>
+          <a:lnRef idx="1">
+            <a:schemeClr val="accent4"/>
+          </a:lnRef>
+          <a:fillRef idx="3">
+            <a:schemeClr val="accent4"/>
+          </a:fillRef>
+          <a:effectRef idx="2">
+            <a:schemeClr val="accent4"/>
+          </a:effectRef>
+          <a:fontRef idx="minor">
+            <a:schemeClr val="lt1"/>
+          </a:fontRef>
+        </p:style>
+        <p:txBody>
+          <a:bodyPr rtlCol="0" anchor="ctr"/>
+          <a:lstStyle/>
+          <a:p>
+            <a:pPr algn="ctr"/>
+            <a:endParaRPr lang="zh-TW" altLang="en-US"/>
+          </a:p>
+        </p:txBody>
+      </p:sp>
+      <p:pic>
+        <p:nvPicPr>
+          <p:cNvPr id="10" name="圖片 9">
+            <a:extLst>
+              <a:ext uri="{FF2B5EF4-FFF2-40B4-BE49-F238E27FC236}">
+                <a16:creationId xmlns:a16="http://schemas.microsoft.com/office/drawing/2014/main" xmlns="" id="{EF7A52C7-DE76-3F6C-64E6-4D83019BB8EB}"/>
+              </a:ext>
+            </a:extLst>
+          </p:cNvPr>
+          <p:cNvPicPr>
+            <a:picLocks noChangeAspect="1"/>
+          </p:cNvPicPr>
+          <p:nvPr/>
+        </p:nvPicPr>
+        <p:blipFill>
+          <a:blip r:embed="rId3" cstate="print">
+            <a:extLst>
+              <a:ext uri="{28A0092B-C50C-407E-A947-70E740481C1C}">
+                <a14:useLocalDpi xmlns:a14="http://schemas.microsoft.com/office/drawing/2010/main" val="0"/>
+              </a:ext>
+            </a:extLst>
+          </a:blip>
+          <a:stretch>
+            <a:fillRect/>
+          </a:stretch>
+        </p:blipFill>
+        <p:spPr>
+          <a:xfrm>
+            <a:off x="560512" y="4365104"/>
+            <a:ext cx="1972823" cy="1766313"/>
+          </a:xfrm>
+          <a:prstGeom prst="rect">
+            <a:avLst/>
+          </a:prstGeom>
+        </p:spPr>
+      </p:pic>
+      <p:sp>
+        <p:nvSpPr>
+          <p:cNvPr id="2" name="文字方塊 1">
+            <a:extLst>
+              <a:ext uri="{FF2B5EF4-FFF2-40B4-BE49-F238E27FC236}">
+                <a16:creationId xmlns:a16="http://schemas.microsoft.com/office/drawing/2014/main" xmlns="" id="{8DB7FFA7-816A-53CB-3132-C3F2C3746DD6}"/>
+              </a:ext>
+            </a:extLst>
+          </p:cNvPr>
+          <p:cNvSpPr txBox="1"/>
+          <p:nvPr/>
+        </p:nvSpPr>
+        <p:spPr>
+          <a:xfrm>
+            <a:off x="3368824" y="4221088"/>
+            <a:ext cx="5922093" cy="2062103"/>
+          </a:xfrm>
+          <a:prstGeom prst="rect">
+            <a:avLst/>
+          </a:prstGeom>
+          <a:noFill/>
+        </p:spPr>
+        <p:txBody>
+          <a:bodyPr wrap="square" rtlCol="0">
+            <a:spAutoFit/>
+          </a:bodyPr>
+          <a:lstStyle/>
+          <a:p>
+            <a:r>
+              <a:rPr lang="en-US" altLang="zh-TW" sz="1600" dirty="0">
+                <a:solidFill>
+                  <a:schemeClr val="accent4">
+                    <a:lumMod val="60000"/>
+                    <a:lumOff val="40000"/>
+                  </a:schemeClr>
+                </a:solidFill>
+              </a:rPr>
+              <a:t>Logo</a:t>
+            </a:r>
+            <a:r>
+              <a:rPr lang="zh-TW" altLang="en-US" sz="1600" dirty="0">
+                <a:solidFill>
+                  <a:schemeClr val="accent4">
+                    <a:lumMod val="60000"/>
+                    <a:lumOff val="40000"/>
+                  </a:schemeClr>
+                </a:solidFill>
+              </a:rPr>
+              <a:t>設計</a:t>
+            </a:r>
+            <a:r>
+              <a:rPr lang="en-US" altLang="zh-TW" sz="1600" dirty="0">
+                <a:solidFill>
+                  <a:schemeClr val="accent4">
+                    <a:lumMod val="60000"/>
+                    <a:lumOff val="40000"/>
+                  </a:schemeClr>
+                </a:solidFill>
+              </a:rPr>
+              <a:t>:</a:t>
+            </a:r>
+          </a:p>
+          <a:p>
+            <a:r>
+              <a:rPr lang="en-US" altLang="zh-TW" sz="1600" dirty="0">
+                <a:solidFill>
+                  <a:schemeClr val="accent4">
+                    <a:lumMod val="60000"/>
+                    <a:lumOff val="40000"/>
+                  </a:schemeClr>
+                </a:solidFill>
+              </a:rPr>
+              <a:t>LOGO</a:t>
+            </a:r>
+            <a:r>
+              <a:rPr lang="zh-TW" altLang="en-US" sz="1600" dirty="0">
+                <a:solidFill>
+                  <a:schemeClr val="accent4">
+                    <a:lumMod val="60000"/>
+                    <a:lumOff val="40000"/>
+                  </a:schemeClr>
+                </a:solidFill>
+              </a:rPr>
+              <a:t>用「啞鈴」、「叉子」相交形成一個叉，表達運動與飲食兩者缺一不可，健身需要兩者相輔相成，並以文字表達健身動滋動滋的律動感。</a:t>
+            </a:r>
+          </a:p>
+          <a:p>
+            <a:r>
+              <a:rPr lang="zh-TW" altLang="en-US" sz="1600" dirty="0">
+                <a:solidFill>
+                  <a:schemeClr val="accent4">
+                    <a:lumMod val="60000"/>
+                    <a:lumOff val="40000"/>
+                  </a:schemeClr>
+                </a:solidFill>
+              </a:rPr>
+              <a:t> </a:t>
+            </a:r>
+          </a:p>
+          <a:p>
+            <a:r>
+              <a:rPr lang="zh-TW" altLang="en-US" sz="1600" dirty="0">
+                <a:solidFill>
+                  <a:schemeClr val="accent4">
+                    <a:lumMod val="60000"/>
+                    <a:lumOff val="40000"/>
+                  </a:schemeClr>
+                </a:solidFill>
+              </a:rPr>
+              <a:t>色彩計畫</a:t>
+            </a:r>
+            <a:r>
+              <a:rPr lang="en-US" altLang="zh-TW" sz="1600" dirty="0">
+                <a:solidFill>
+                  <a:schemeClr val="accent4">
+                    <a:lumMod val="60000"/>
+                    <a:lumOff val="40000"/>
+                  </a:schemeClr>
+                </a:solidFill>
+              </a:rPr>
+              <a:t>:</a:t>
+            </a:r>
+          </a:p>
+          <a:p>
+            <a:r>
+              <a:rPr lang="zh-TW" altLang="en-US" sz="1600" dirty="0">
+                <a:solidFill>
+                  <a:schemeClr val="accent4">
+                    <a:lumMod val="60000"/>
+                    <a:lumOff val="40000"/>
+                  </a:schemeClr>
+                </a:solidFill>
+              </a:rPr>
+              <a:t>使用代表運動的粉藍與飲食的淡橘色，營造健身新手無痛入門的氛圍，緩和減肥的沉重的感受</a:t>
+            </a:r>
+          </a:p>
+        </p:txBody>
+      </p:sp>
     </p:spTree>
     <p:extLst>
       <p:ext uri="{BB962C8B-B14F-4D97-AF65-F5344CB8AC3E}">
-        <p14:creationId xmlns:p14="http://schemas.microsoft.com/office/powerpoint/2010/main" val="3004687195"/>
+        <p14:creationId xmlns:p14="http://schemas.microsoft.com/office/powerpoint/2010/main" val="94060379"/>
       </p:ext>
     </p:extLst>
   </p:cSld>
@@ -8233,6 +10843,54 @@
     <a:masterClrMapping/>
   </p:clrMapOvr>
 </p:sld>
+</file>
+
+<file path=ppt/tags/tag1.xml><?xml version="1.0" encoding="utf-8"?>
+<p:tagLst xmlns:a="http://schemas.openxmlformats.org/drawingml/2006/main" xmlns:r="http://schemas.openxmlformats.org/officeDocument/2006/relationships" xmlns:p="http://schemas.openxmlformats.org/presentationml/2006/main">
+  <p:tag name="PA" val="v3.0.1"/>
+</p:tagLst>
+</file>
+
+<file path=ppt/tags/tag2.xml><?xml version="1.0" encoding="utf-8"?>
+<p:tagLst xmlns:a="http://schemas.openxmlformats.org/drawingml/2006/main" xmlns:r="http://schemas.openxmlformats.org/officeDocument/2006/relationships" xmlns:p="http://schemas.openxmlformats.org/presentationml/2006/main">
+  <p:tag name="PA" val="v3.0.1"/>
+</p:tagLst>
+</file>
+
+<file path=ppt/tags/tag3.xml><?xml version="1.0" encoding="utf-8"?>
+<p:tagLst xmlns:a="http://schemas.openxmlformats.org/drawingml/2006/main" xmlns:r="http://schemas.openxmlformats.org/officeDocument/2006/relationships" xmlns:p="http://schemas.openxmlformats.org/presentationml/2006/main">
+  <p:tag name="PA" val="v3.0.1"/>
+</p:tagLst>
+</file>
+
+<file path=ppt/tags/tag4.xml><?xml version="1.0" encoding="utf-8"?>
+<p:tagLst xmlns:a="http://schemas.openxmlformats.org/drawingml/2006/main" xmlns:r="http://schemas.openxmlformats.org/officeDocument/2006/relationships" xmlns:p="http://schemas.openxmlformats.org/presentationml/2006/main">
+  <p:tag name="PA" val="v3.0.1"/>
+</p:tagLst>
+</file>
+
+<file path=ppt/tags/tag5.xml><?xml version="1.0" encoding="utf-8"?>
+<p:tagLst xmlns:a="http://schemas.openxmlformats.org/drawingml/2006/main" xmlns:r="http://schemas.openxmlformats.org/officeDocument/2006/relationships" xmlns:p="http://schemas.openxmlformats.org/presentationml/2006/main">
+  <p:tag name="PA" val="v3.0.1"/>
+</p:tagLst>
+</file>
+
+<file path=ppt/tags/tag6.xml><?xml version="1.0" encoding="utf-8"?>
+<p:tagLst xmlns:a="http://schemas.openxmlformats.org/drawingml/2006/main" xmlns:r="http://schemas.openxmlformats.org/officeDocument/2006/relationships" xmlns:p="http://schemas.openxmlformats.org/presentationml/2006/main">
+  <p:tag name="PA" val="v3.0.1"/>
+</p:tagLst>
+</file>
+
+<file path=ppt/tags/tag7.xml><?xml version="1.0" encoding="utf-8"?>
+<p:tagLst xmlns:a="http://schemas.openxmlformats.org/drawingml/2006/main" xmlns:r="http://schemas.openxmlformats.org/officeDocument/2006/relationships" xmlns:p="http://schemas.openxmlformats.org/presentationml/2006/main">
+  <p:tag name="PA" val="v3.0.1"/>
+</p:tagLst>
+</file>
+
+<file path=ppt/tags/tag8.xml><?xml version="1.0" encoding="utf-8"?>
+<p:tagLst xmlns:a="http://schemas.openxmlformats.org/drawingml/2006/main" xmlns:r="http://schemas.openxmlformats.org/officeDocument/2006/relationships" xmlns:p="http://schemas.openxmlformats.org/presentationml/2006/main">
+  <p:tag name="PA" val="v3.0.1"/>
+</p:tagLst>
 </file>
 
 <file path=ppt/theme/theme1.xml><?xml version="1.0" encoding="utf-8"?>
@@ -8487,7 +11145,7 @@
   <a:extraClrSchemeLst/>
   <a:extLst>
     <a:ext uri="{05A4C25C-085E-4340-85A3-A5531E510DB2}">
-      <thm15:themeFamily xmlns:thm15="http://schemas.microsoft.com/office/thememl/2012/main" name="資策會2021簡報範本_dark.potx" id="{81C76F81-1671-4B56-BD0F-02ECACBEA1CD}" vid="{64F81388-CB1B-4503-9A85-CB10ADCB8F38}"/>
+      <thm15:themeFamily xmlns:thm15="http://schemas.microsoft.com/office/thememl/2012/main" xmlns="" name="資策會2021簡報範本_dark.potx" id="{81C76F81-1671-4B56-BD0F-02ECACBEA1CD}" vid="{64F81388-CB1B-4503-9A85-CB10ADCB8F38}"/>
     </a:ext>
   </a:extLst>
 </a:theme>
